--- a/graphs/2c4q_Mutation_Graphs.pptx
+++ b/graphs/2c4q_Mutation_Graphs.pptx
@@ -8,6 +8,9 @@
     <p:sldId id="256" r:id="rId2"/>
     <p:sldId id="281" r:id="rId3"/>
     <p:sldId id="280" r:id="rId4"/>
+    <p:sldId id="285" r:id="rId5"/>
+    <p:sldId id="283" r:id="rId6"/>
+    <p:sldId id="284" r:id="rId7"/>
   </p:sldIdLst>
   <p:sldSz cx="12192000" cy="6858000"/>
   <p:notesSz cx="6858000" cy="9144000"/>
@@ -106,6 +109,11 @@
       </a:defRPr>
     </a:lvl9pPr>
   </p:defaultTextStyle>
+  <p:extLst>
+    <p:ext uri="{EFAFB233-063F-42B5-8137-9DF3F51BA10A}">
+      <p15:sldGuideLst xmlns:p15="http://schemas.microsoft.com/office/powerpoint/2012/main"/>
+    </p:ext>
+  </p:extLst>
 </p:presentation>
 </file>
 
@@ -256,7 +264,7 @@
           <a:p>
             <a:fld id="{49F24598-E0FC-E241-BAA2-BE1A2687DE9E}" type="datetimeFigureOut">
               <a:rPr lang="en-US" smtClean="0"/>
-              <a:t>5/28/24</a:t>
+              <a:t>6/12/24</a:t>
             </a:fld>
             <a:endParaRPr lang="en-US"/>
           </a:p>
@@ -454,7 +462,7 @@
           <a:p>
             <a:fld id="{49F24598-E0FC-E241-BAA2-BE1A2687DE9E}" type="datetimeFigureOut">
               <a:rPr lang="en-US" smtClean="0"/>
-              <a:t>5/28/24</a:t>
+              <a:t>6/12/24</a:t>
             </a:fld>
             <a:endParaRPr lang="en-US"/>
           </a:p>
@@ -662,7 +670,7 @@
           <a:p>
             <a:fld id="{49F24598-E0FC-E241-BAA2-BE1A2687DE9E}" type="datetimeFigureOut">
               <a:rPr lang="en-US" smtClean="0"/>
-              <a:t>5/28/24</a:t>
+              <a:t>6/12/24</a:t>
             </a:fld>
             <a:endParaRPr lang="en-US"/>
           </a:p>
@@ -860,7 +868,7 @@
           <a:p>
             <a:fld id="{49F24598-E0FC-E241-BAA2-BE1A2687DE9E}" type="datetimeFigureOut">
               <a:rPr lang="en-US" smtClean="0"/>
-              <a:t>5/28/24</a:t>
+              <a:t>6/12/24</a:t>
             </a:fld>
             <a:endParaRPr lang="en-US"/>
           </a:p>
@@ -1135,7 +1143,7 @@
           <a:p>
             <a:fld id="{49F24598-E0FC-E241-BAA2-BE1A2687DE9E}" type="datetimeFigureOut">
               <a:rPr lang="en-US" smtClean="0"/>
-              <a:t>5/28/24</a:t>
+              <a:t>6/12/24</a:t>
             </a:fld>
             <a:endParaRPr lang="en-US"/>
           </a:p>
@@ -1400,7 +1408,7 @@
           <a:p>
             <a:fld id="{49F24598-E0FC-E241-BAA2-BE1A2687DE9E}" type="datetimeFigureOut">
               <a:rPr lang="en-US" smtClean="0"/>
-              <a:t>5/28/24</a:t>
+              <a:t>6/12/24</a:t>
             </a:fld>
             <a:endParaRPr lang="en-US"/>
           </a:p>
@@ -1812,7 +1820,7 @@
           <a:p>
             <a:fld id="{49F24598-E0FC-E241-BAA2-BE1A2687DE9E}" type="datetimeFigureOut">
               <a:rPr lang="en-US" smtClean="0"/>
-              <a:t>5/28/24</a:t>
+              <a:t>6/12/24</a:t>
             </a:fld>
             <a:endParaRPr lang="en-US"/>
           </a:p>
@@ -1953,7 +1961,7 @@
           <a:p>
             <a:fld id="{49F24598-E0FC-E241-BAA2-BE1A2687DE9E}" type="datetimeFigureOut">
               <a:rPr lang="en-US" smtClean="0"/>
-              <a:t>5/28/24</a:t>
+              <a:t>6/12/24</a:t>
             </a:fld>
             <a:endParaRPr lang="en-US"/>
           </a:p>
@@ -2066,7 +2074,7 @@
           <a:p>
             <a:fld id="{49F24598-E0FC-E241-BAA2-BE1A2687DE9E}" type="datetimeFigureOut">
               <a:rPr lang="en-US" smtClean="0"/>
-              <a:t>5/28/24</a:t>
+              <a:t>6/12/24</a:t>
             </a:fld>
             <a:endParaRPr lang="en-US"/>
           </a:p>
@@ -2377,7 +2385,7 @@
           <a:p>
             <a:fld id="{49F24598-E0FC-E241-BAA2-BE1A2687DE9E}" type="datetimeFigureOut">
               <a:rPr lang="en-US" smtClean="0"/>
-              <a:t>5/28/24</a:t>
+              <a:t>6/12/24</a:t>
             </a:fld>
             <a:endParaRPr lang="en-US"/>
           </a:p>
@@ -2665,7 +2673,7 @@
           <a:p>
             <a:fld id="{49F24598-E0FC-E241-BAA2-BE1A2687DE9E}" type="datetimeFigureOut">
               <a:rPr lang="en-US" smtClean="0"/>
-              <a:t>5/28/24</a:t>
+              <a:t>6/12/24</a:t>
             </a:fld>
             <a:endParaRPr lang="en-US"/>
           </a:p>
@@ -2906,7 +2914,7 @@
           <a:p>
             <a:fld id="{49F24598-E0FC-E241-BAA2-BE1A2687DE9E}" type="datetimeFigureOut">
               <a:rPr lang="en-US" smtClean="0"/>
-              <a:t>5/28/24</a:t>
+              <a:t>6/12/24</a:t>
             </a:fld>
             <a:endParaRPr lang="en-US"/>
           </a:p>
@@ -3429,7 +3437,7 @@
           <a:p>
             <a:r>
               <a:rPr lang="en-US" dirty="0"/>
-              <a:t>Phi &amp; Gamma Graphs</a:t>
+              <a:t>2c4q Phi &amp; Gamma Graphs</a:t>
             </a:r>
           </a:p>
         </p:txBody>
@@ -3539,147 +3547,6 @@
           </a:p>
         </p:txBody>
       </p:sp>
-      <p:pic>
-        <p:nvPicPr>
-          <p:cNvPr id="1026" name="Picture 2">
-            <a:extLst>
-              <a:ext uri="{FF2B5EF4-FFF2-40B4-BE49-F238E27FC236}">
-                <a16:creationId xmlns:a16="http://schemas.microsoft.com/office/drawing/2014/main" id="{3A9F3AB0-4A0D-976F-41E7-3310D5779196}"/>
-              </a:ext>
-            </a:extLst>
-          </p:cNvPr>
-          <p:cNvPicPr>
-            <a:picLocks noChangeAspect="1" noChangeArrowheads="1"/>
-          </p:cNvPicPr>
-          <p:nvPr/>
-        </p:nvPicPr>
-        <p:blipFill>
-          <a:blip r:embed="rId2">
-            <a:extLst>
-              <a:ext uri="{28A0092B-C50C-407E-A947-70E740481C1C}">
-                <a14:useLocalDpi xmlns:a14="http://schemas.microsoft.com/office/drawing/2010/main" val="0"/>
-              </a:ext>
-            </a:extLst>
-          </a:blip>
-          <a:srcRect/>
-          <a:stretch>
-            <a:fillRect/>
-          </a:stretch>
-        </p:blipFill>
-        <p:spPr bwMode="auto">
-          <a:xfrm>
-            <a:off x="0" y="2751455"/>
-            <a:ext cx="3942392" cy="3268345"/>
-          </a:xfrm>
-          <a:prstGeom prst="rect">
-            <a:avLst/>
-          </a:prstGeom>
-          <a:noFill/>
-          <a:extLst>
-            <a:ext uri="{909E8E84-426E-40DD-AFC4-6F175D3DCCD1}">
-              <a14:hiddenFill xmlns:a14="http://schemas.microsoft.com/office/drawing/2010/main">
-                <a:solidFill>
-                  <a:srgbClr val="FFFFFF"/>
-                </a:solidFill>
-              </a14:hiddenFill>
-            </a:ext>
-          </a:extLst>
-        </p:spPr>
-      </p:pic>
-      <p:pic>
-        <p:nvPicPr>
-          <p:cNvPr id="1028" name="Picture 4">
-            <a:extLst>
-              <a:ext uri="{FF2B5EF4-FFF2-40B4-BE49-F238E27FC236}">
-                <a16:creationId xmlns:a16="http://schemas.microsoft.com/office/drawing/2014/main" id="{6B8994B3-7ED7-58C0-B06A-A63B6F4B66AD}"/>
-              </a:ext>
-            </a:extLst>
-          </p:cNvPr>
-          <p:cNvPicPr>
-            <a:picLocks noChangeAspect="1" noChangeArrowheads="1"/>
-          </p:cNvPicPr>
-          <p:nvPr/>
-        </p:nvPicPr>
-        <p:blipFill>
-          <a:blip r:embed="rId3">
-            <a:extLst>
-              <a:ext uri="{28A0092B-C50C-407E-A947-70E740481C1C}">
-                <a14:useLocalDpi xmlns:a14="http://schemas.microsoft.com/office/drawing/2010/main" val="0"/>
-              </a:ext>
-            </a:extLst>
-          </a:blip>
-          <a:srcRect/>
-          <a:stretch>
-            <a:fillRect/>
-          </a:stretch>
-        </p:blipFill>
-        <p:spPr bwMode="auto">
-          <a:xfrm>
-            <a:off x="4088166" y="2751455"/>
-            <a:ext cx="3942393" cy="3268346"/>
-          </a:xfrm>
-          <a:prstGeom prst="rect">
-            <a:avLst/>
-          </a:prstGeom>
-          <a:noFill/>
-          <a:extLst>
-            <a:ext uri="{909E8E84-426E-40DD-AFC4-6F175D3DCCD1}">
-              <a14:hiddenFill xmlns:a14="http://schemas.microsoft.com/office/drawing/2010/main">
-                <a:solidFill>
-                  <a:srgbClr val="FFFFFF"/>
-                </a:solidFill>
-              </a14:hiddenFill>
-            </a:ext>
-          </a:extLst>
-        </p:spPr>
-      </p:pic>
-      <p:pic>
-        <p:nvPicPr>
-          <p:cNvPr id="1030" name="Picture 6">
-            <a:extLst>
-              <a:ext uri="{FF2B5EF4-FFF2-40B4-BE49-F238E27FC236}">
-                <a16:creationId xmlns:a16="http://schemas.microsoft.com/office/drawing/2014/main" id="{929C7241-F25C-29F0-3E83-E721750B628C}"/>
-              </a:ext>
-            </a:extLst>
-          </p:cNvPr>
-          <p:cNvPicPr>
-            <a:picLocks noChangeAspect="1" noChangeArrowheads="1"/>
-          </p:cNvPicPr>
-          <p:nvPr/>
-        </p:nvPicPr>
-        <p:blipFill>
-          <a:blip r:embed="rId4">
-            <a:extLst>
-              <a:ext uri="{28A0092B-C50C-407E-A947-70E740481C1C}">
-                <a14:useLocalDpi xmlns:a14="http://schemas.microsoft.com/office/drawing/2010/main" val="0"/>
-              </a:ext>
-            </a:extLst>
-          </a:blip>
-          <a:srcRect/>
-          <a:stretch>
-            <a:fillRect/>
-          </a:stretch>
-        </p:blipFill>
-        <p:spPr bwMode="auto">
-          <a:xfrm>
-            <a:off x="8176332" y="2751454"/>
-            <a:ext cx="3942392" cy="3268345"/>
-          </a:xfrm>
-          <a:prstGeom prst="rect">
-            <a:avLst/>
-          </a:prstGeom>
-          <a:noFill/>
-          <a:extLst>
-            <a:ext uri="{909E8E84-426E-40DD-AFC4-6F175D3DCCD1}">
-              <a14:hiddenFill xmlns:a14="http://schemas.microsoft.com/office/drawing/2010/main">
-                <a:solidFill>
-                  <a:srgbClr val="FFFFFF"/>
-                </a:solidFill>
-              </a14:hiddenFill>
-            </a:ext>
-          </a:extLst>
-        </p:spPr>
-      </p:pic>
     </p:spTree>
     <p:extLst>
       <p:ext uri="{BB962C8B-B14F-4D97-AF65-F5344CB8AC3E}">
@@ -3733,7 +3600,7 @@
           <a:p>
             <a:r>
               <a:rPr lang="en-US" dirty="0"/>
-              <a:t>2c4q_Single Mutation – PHI 9.5</a:t>
+              <a:t>OLD_2c4q_Single Mutation – PHI 9.5</a:t>
             </a:r>
           </a:p>
         </p:txBody>
@@ -3768,29 +3635,29 @@
           <a:p>
             <a:r>
               <a:rPr lang="en-US" dirty="0"/>
-              <a:t>Pearson rank correlation coefficient: 0.080 </a:t>
+              <a:t>Pearson rank correlation coefficient: 0.285 </a:t>
             </a:r>
           </a:p>
           <a:p>
             <a:r>
               <a:rPr lang="en-US" dirty="0"/>
-              <a:t>Spearman rank correlation coefficient: 0.014 </a:t>
+              <a:t>Spearman rank correlation coefficient: 0.362 </a:t>
             </a:r>
           </a:p>
           <a:p>
             <a:r>
               <a:rPr lang="en-US" dirty="0"/>
-              <a:t>Coefficient of Determination (R^2): 0.006</a:t>
+              <a:t>Coefficient of Determination (R^2): 0.081</a:t>
             </a:r>
           </a:p>
         </p:txBody>
       </p:sp>
       <p:pic>
         <p:nvPicPr>
-          <p:cNvPr id="1026" name="Picture 2">
-            <a:extLst>
-              <a:ext uri="{FF2B5EF4-FFF2-40B4-BE49-F238E27FC236}">
-                <a16:creationId xmlns:a16="http://schemas.microsoft.com/office/drawing/2014/main" id="{4944658D-14AD-C8EA-EEFC-2620A1893979}"/>
+          <p:cNvPr id="2050" name="Picture 2">
+            <a:extLst>
+              <a:ext uri="{FF2B5EF4-FFF2-40B4-BE49-F238E27FC236}">
+                <a16:creationId xmlns:a16="http://schemas.microsoft.com/office/drawing/2014/main" id="{0246359F-629C-D318-DF83-3F43ADC1FE93}"/>
               </a:ext>
             </a:extLst>
           </p:cNvPr>
@@ -3814,8 +3681,8 @@
         </p:blipFill>
         <p:spPr bwMode="auto">
           <a:xfrm>
-            <a:off x="152400" y="3687671"/>
-            <a:ext cx="3864430" cy="2747600"/>
+            <a:off x="500557" y="3429000"/>
+            <a:ext cx="3507636" cy="2493920"/>
           </a:xfrm>
           <a:prstGeom prst="rect">
             <a:avLst/>
@@ -3834,10 +3701,10 @@
       </p:pic>
       <p:pic>
         <p:nvPicPr>
-          <p:cNvPr id="1028" name="Picture 4">
-            <a:extLst>
-              <a:ext uri="{FF2B5EF4-FFF2-40B4-BE49-F238E27FC236}">
-                <a16:creationId xmlns:a16="http://schemas.microsoft.com/office/drawing/2014/main" id="{3E96989D-5FD4-7ED8-8514-C993C9A0680F}"/>
+          <p:cNvPr id="2052" name="Picture 4">
+            <a:extLst>
+              <a:ext uri="{FF2B5EF4-FFF2-40B4-BE49-F238E27FC236}">
+                <a16:creationId xmlns:a16="http://schemas.microsoft.com/office/drawing/2014/main" id="{1BBF7101-1306-3543-D541-DD760798851C}"/>
               </a:ext>
             </a:extLst>
           </p:cNvPr>
@@ -3861,8 +3728,8 @@
         </p:blipFill>
         <p:spPr bwMode="auto">
           <a:xfrm>
-            <a:off x="4163785" y="3687670"/>
-            <a:ext cx="3864430" cy="2747600"/>
+            <a:off x="4342182" y="3429000"/>
+            <a:ext cx="3507636" cy="2493920"/>
           </a:xfrm>
           <a:prstGeom prst="rect">
             <a:avLst/>
@@ -3881,10 +3748,10 @@
       </p:pic>
       <p:pic>
         <p:nvPicPr>
-          <p:cNvPr id="1030" name="Picture 6">
-            <a:extLst>
-              <a:ext uri="{FF2B5EF4-FFF2-40B4-BE49-F238E27FC236}">
-                <a16:creationId xmlns:a16="http://schemas.microsoft.com/office/drawing/2014/main" id="{FCD80598-1091-B4DB-37A9-0E5C6B3A1647}"/>
+          <p:cNvPr id="2054" name="Picture 6">
+            <a:extLst>
+              <a:ext uri="{FF2B5EF4-FFF2-40B4-BE49-F238E27FC236}">
+                <a16:creationId xmlns:a16="http://schemas.microsoft.com/office/drawing/2014/main" id="{FE14B28F-A91B-4C52-F755-7AB73596A4C0}"/>
               </a:ext>
             </a:extLst>
           </p:cNvPr>
@@ -3908,8 +3775,8 @@
         </p:blipFill>
         <p:spPr bwMode="auto">
           <a:xfrm>
-            <a:off x="8204148" y="3687670"/>
-            <a:ext cx="3864430" cy="2747600"/>
+            <a:off x="8183807" y="3429000"/>
+            <a:ext cx="3507636" cy="2493920"/>
           </a:xfrm>
           <a:prstGeom prst="rect">
             <a:avLst/>
@@ -3930,6 +3797,744 @@
     <p:extLst>
       <p:ext uri="{BB962C8B-B14F-4D97-AF65-F5344CB8AC3E}">
         <p14:creationId xmlns:p14="http://schemas.microsoft.com/office/powerpoint/2010/main" val="1953644278"/>
+      </p:ext>
+    </p:extLst>
+  </p:cSld>
+  <p:clrMapOvr>
+    <a:masterClrMapping/>
+  </p:clrMapOvr>
+</p:sld>
+</file>
+
+<file path=ppt/slides/slide4.xml><?xml version="1.0" encoding="utf-8"?>
+<p:sld xmlns:a="http://schemas.openxmlformats.org/drawingml/2006/main" xmlns:r="http://schemas.openxmlformats.org/officeDocument/2006/relationships" xmlns:p="http://schemas.openxmlformats.org/presentationml/2006/main">
+  <p:cSld>
+    <p:spTree>
+      <p:nvGrpSpPr>
+        <p:cNvPr id="1" name=""/>
+        <p:cNvGrpSpPr/>
+        <p:nvPr/>
+      </p:nvGrpSpPr>
+      <p:grpSpPr>
+        <a:xfrm>
+          <a:off x="0" y="0"/>
+          <a:ext cx="0" cy="0"/>
+          <a:chOff x="0" y="0"/>
+          <a:chExt cx="0" cy="0"/>
+        </a:xfrm>
+      </p:grpSpPr>
+      <p:sp>
+        <p:nvSpPr>
+          <p:cNvPr id="2" name="Title 1">
+            <a:extLst>
+              <a:ext uri="{FF2B5EF4-FFF2-40B4-BE49-F238E27FC236}">
+                <a16:creationId xmlns:a16="http://schemas.microsoft.com/office/drawing/2014/main" id="{1A877E3B-C8DE-F07E-AF0F-4CF353351B7C}"/>
+              </a:ext>
+            </a:extLst>
+          </p:cNvPr>
+          <p:cNvSpPr>
+            <a:spLocks noGrp="1"/>
+          </p:cNvSpPr>
+          <p:nvPr>
+            <p:ph type="title"/>
+          </p:nvPr>
+        </p:nvSpPr>
+        <p:spPr/>
+        <p:txBody>
+          <a:bodyPr/>
+          <a:lstStyle/>
+          <a:p>
+            <a:r>
+              <a:rPr lang="en-US" dirty="0"/>
+              <a:t>2c4q_Single Mutation – PHI 9.5</a:t>
+            </a:r>
+          </a:p>
+        </p:txBody>
+      </p:sp>
+      <p:sp>
+        <p:nvSpPr>
+          <p:cNvPr id="4" name="TextBox 3">
+            <a:extLst>
+              <a:ext uri="{FF2B5EF4-FFF2-40B4-BE49-F238E27FC236}">
+                <a16:creationId xmlns:a16="http://schemas.microsoft.com/office/drawing/2014/main" id="{728302CB-C012-00EF-0450-25C9128C2913}"/>
+              </a:ext>
+            </a:extLst>
+          </p:cNvPr>
+          <p:cNvSpPr txBox="1"/>
+          <p:nvPr/>
+        </p:nvSpPr>
+        <p:spPr>
+          <a:xfrm>
+            <a:off x="838200" y="1757723"/>
+            <a:ext cx="6094990" cy="923330"/>
+          </a:xfrm>
+          <a:prstGeom prst="rect">
+            <a:avLst/>
+          </a:prstGeom>
+          <a:noFill/>
+        </p:spPr>
+        <p:txBody>
+          <a:bodyPr wrap="square">
+            <a:spAutoFit/>
+          </a:bodyPr>
+          <a:lstStyle/>
+          <a:p>
+            <a:r>
+              <a:rPr lang="en-US" dirty="0"/>
+              <a:t>Pearson rank correlation coefficient: 0.697 </a:t>
+            </a:r>
+          </a:p>
+          <a:p>
+            <a:r>
+              <a:rPr lang="en-US" dirty="0"/>
+              <a:t>Spearman rank correlation coefficient: 0.669 </a:t>
+            </a:r>
+          </a:p>
+          <a:p>
+            <a:r>
+              <a:rPr lang="en-US" dirty="0"/>
+              <a:t>Coefficient of Determination (R^2): 0.486</a:t>
+            </a:r>
+          </a:p>
+        </p:txBody>
+      </p:sp>
+      <p:pic>
+        <p:nvPicPr>
+          <p:cNvPr id="1026" name="Picture 2">
+            <a:extLst>
+              <a:ext uri="{FF2B5EF4-FFF2-40B4-BE49-F238E27FC236}">
+                <a16:creationId xmlns:a16="http://schemas.microsoft.com/office/drawing/2014/main" id="{21F848E7-CFB4-2044-FCBB-AF88D24956F6}"/>
+              </a:ext>
+            </a:extLst>
+          </p:cNvPr>
+          <p:cNvPicPr>
+            <a:picLocks noChangeAspect="1" noChangeArrowheads="1"/>
+          </p:cNvPicPr>
+          <p:nvPr/>
+        </p:nvPicPr>
+        <p:blipFill>
+          <a:blip r:embed="rId2">
+            <a:extLst>
+              <a:ext uri="{28A0092B-C50C-407E-A947-70E740481C1C}">
+                <a14:useLocalDpi xmlns:a14="http://schemas.microsoft.com/office/drawing/2010/main" val="0"/>
+              </a:ext>
+            </a:extLst>
+          </a:blip>
+          <a:srcRect/>
+          <a:stretch>
+            <a:fillRect/>
+          </a:stretch>
+        </p:blipFill>
+        <p:spPr bwMode="auto">
+          <a:xfrm>
+            <a:off x="422911" y="3341377"/>
+            <a:ext cx="3726179" cy="2649304"/>
+          </a:xfrm>
+          <a:prstGeom prst="rect">
+            <a:avLst/>
+          </a:prstGeom>
+          <a:noFill/>
+          <a:extLst>
+            <a:ext uri="{909E8E84-426E-40DD-AFC4-6F175D3DCCD1}">
+              <a14:hiddenFill xmlns:a14="http://schemas.microsoft.com/office/drawing/2010/main">
+                <a:solidFill>
+                  <a:srgbClr val="FFFFFF"/>
+                </a:solidFill>
+              </a14:hiddenFill>
+            </a:ext>
+          </a:extLst>
+        </p:spPr>
+      </p:pic>
+      <p:pic>
+        <p:nvPicPr>
+          <p:cNvPr id="1028" name="Picture 4">
+            <a:extLst>
+              <a:ext uri="{FF2B5EF4-FFF2-40B4-BE49-F238E27FC236}">
+                <a16:creationId xmlns:a16="http://schemas.microsoft.com/office/drawing/2014/main" id="{85BE724A-EC79-544F-6AC7-A7271CF914A7}"/>
+              </a:ext>
+            </a:extLst>
+          </p:cNvPr>
+          <p:cNvPicPr>
+            <a:picLocks noChangeAspect="1" noChangeArrowheads="1"/>
+          </p:cNvPicPr>
+          <p:nvPr/>
+        </p:nvPicPr>
+        <p:blipFill>
+          <a:blip r:embed="rId3">
+            <a:extLst>
+              <a:ext uri="{28A0092B-C50C-407E-A947-70E740481C1C}">
+                <a14:useLocalDpi xmlns:a14="http://schemas.microsoft.com/office/drawing/2010/main" val="0"/>
+              </a:ext>
+            </a:extLst>
+          </a:blip>
+          <a:srcRect/>
+          <a:stretch>
+            <a:fillRect/>
+          </a:stretch>
+        </p:blipFill>
+        <p:spPr bwMode="auto">
+          <a:xfrm>
+            <a:off x="4206241" y="3341377"/>
+            <a:ext cx="3726179" cy="2649304"/>
+          </a:xfrm>
+          <a:prstGeom prst="rect">
+            <a:avLst/>
+          </a:prstGeom>
+          <a:noFill/>
+          <a:extLst>
+            <a:ext uri="{909E8E84-426E-40DD-AFC4-6F175D3DCCD1}">
+              <a14:hiddenFill xmlns:a14="http://schemas.microsoft.com/office/drawing/2010/main">
+                <a:solidFill>
+                  <a:srgbClr val="FFFFFF"/>
+                </a:solidFill>
+              </a14:hiddenFill>
+            </a:ext>
+          </a:extLst>
+        </p:spPr>
+      </p:pic>
+      <p:pic>
+        <p:nvPicPr>
+          <p:cNvPr id="1030" name="Picture 6">
+            <a:extLst>
+              <a:ext uri="{FF2B5EF4-FFF2-40B4-BE49-F238E27FC236}">
+                <a16:creationId xmlns:a16="http://schemas.microsoft.com/office/drawing/2014/main" id="{C7941952-5264-AD1D-39B1-242931430CFD}"/>
+              </a:ext>
+            </a:extLst>
+          </p:cNvPr>
+          <p:cNvPicPr>
+            <a:picLocks noChangeAspect="1" noChangeArrowheads="1"/>
+          </p:cNvPicPr>
+          <p:nvPr/>
+        </p:nvPicPr>
+        <p:blipFill>
+          <a:blip r:embed="rId4">
+            <a:extLst>
+              <a:ext uri="{28A0092B-C50C-407E-A947-70E740481C1C}">
+                <a14:useLocalDpi xmlns:a14="http://schemas.microsoft.com/office/drawing/2010/main" val="0"/>
+              </a:ext>
+            </a:extLst>
+          </a:blip>
+          <a:srcRect/>
+          <a:stretch>
+            <a:fillRect/>
+          </a:stretch>
+        </p:blipFill>
+        <p:spPr bwMode="auto">
+          <a:xfrm>
+            <a:off x="7989571" y="3341376"/>
+            <a:ext cx="3726178" cy="2649303"/>
+          </a:xfrm>
+          <a:prstGeom prst="rect">
+            <a:avLst/>
+          </a:prstGeom>
+          <a:noFill/>
+          <a:extLst>
+            <a:ext uri="{909E8E84-426E-40DD-AFC4-6F175D3DCCD1}">
+              <a14:hiddenFill xmlns:a14="http://schemas.microsoft.com/office/drawing/2010/main">
+                <a:solidFill>
+                  <a:srgbClr val="FFFFFF"/>
+                </a:solidFill>
+              </a14:hiddenFill>
+            </a:ext>
+          </a:extLst>
+        </p:spPr>
+      </p:pic>
+    </p:spTree>
+    <p:extLst>
+      <p:ext uri="{BB962C8B-B14F-4D97-AF65-F5344CB8AC3E}">
+        <p14:creationId xmlns:p14="http://schemas.microsoft.com/office/powerpoint/2010/main" val="232941527"/>
+      </p:ext>
+    </p:extLst>
+  </p:cSld>
+  <p:clrMapOvr>
+    <a:masterClrMapping/>
+  </p:clrMapOvr>
+</p:sld>
+</file>
+
+<file path=ppt/slides/slide5.xml><?xml version="1.0" encoding="utf-8"?>
+<p:sld xmlns:a="http://schemas.openxmlformats.org/drawingml/2006/main" xmlns:r="http://schemas.openxmlformats.org/officeDocument/2006/relationships" xmlns:p="http://schemas.openxmlformats.org/presentationml/2006/main">
+  <p:cSld>
+    <p:spTree>
+      <p:nvGrpSpPr>
+        <p:cNvPr id="1" name=""/>
+        <p:cNvGrpSpPr/>
+        <p:nvPr/>
+      </p:nvGrpSpPr>
+      <p:grpSpPr>
+        <a:xfrm>
+          <a:off x="0" y="0"/>
+          <a:ext cx="0" cy="0"/>
+          <a:chOff x="0" y="0"/>
+          <a:chExt cx="0" cy="0"/>
+        </a:xfrm>
+      </p:grpSpPr>
+      <p:sp>
+        <p:nvSpPr>
+          <p:cNvPr id="2" name="Title 1">
+            <a:extLst>
+              <a:ext uri="{FF2B5EF4-FFF2-40B4-BE49-F238E27FC236}">
+                <a16:creationId xmlns:a16="http://schemas.microsoft.com/office/drawing/2014/main" id="{1A877E3B-C8DE-F07E-AF0F-4CF353351B7C}"/>
+              </a:ext>
+            </a:extLst>
+          </p:cNvPr>
+          <p:cNvSpPr>
+            <a:spLocks noGrp="1"/>
+          </p:cNvSpPr>
+          <p:nvPr>
+            <p:ph type="title"/>
+          </p:nvPr>
+        </p:nvSpPr>
+        <p:spPr/>
+        <p:txBody>
+          <a:bodyPr/>
+          <a:lstStyle/>
+          <a:p>
+            <a:r>
+              <a:rPr lang="en-US" dirty="0"/>
+              <a:t>2c4q_Double Mutation – PHI 9.5</a:t>
+            </a:r>
+          </a:p>
+        </p:txBody>
+      </p:sp>
+      <p:sp>
+        <p:nvSpPr>
+          <p:cNvPr id="4" name="TextBox 3">
+            <a:extLst>
+              <a:ext uri="{FF2B5EF4-FFF2-40B4-BE49-F238E27FC236}">
+                <a16:creationId xmlns:a16="http://schemas.microsoft.com/office/drawing/2014/main" id="{728302CB-C012-00EF-0450-25C9128C2913}"/>
+              </a:ext>
+            </a:extLst>
+          </p:cNvPr>
+          <p:cNvSpPr txBox="1"/>
+          <p:nvPr/>
+        </p:nvSpPr>
+        <p:spPr>
+          <a:xfrm>
+            <a:off x="838200" y="1757723"/>
+            <a:ext cx="6094990" cy="923330"/>
+          </a:xfrm>
+          <a:prstGeom prst="rect">
+            <a:avLst/>
+          </a:prstGeom>
+          <a:noFill/>
+        </p:spPr>
+        <p:txBody>
+          <a:bodyPr wrap="square">
+            <a:spAutoFit/>
+          </a:bodyPr>
+          <a:lstStyle/>
+          <a:p>
+            <a:r>
+              <a:rPr lang="en-US" dirty="0"/>
+              <a:t>Pearson rank correlation coefficient: 0.556 </a:t>
+            </a:r>
+          </a:p>
+          <a:p>
+            <a:r>
+              <a:rPr lang="en-US" dirty="0"/>
+              <a:t>Spearman rank correlation coefficient: 0.545 </a:t>
+            </a:r>
+          </a:p>
+          <a:p>
+            <a:r>
+              <a:rPr lang="en-US" dirty="0"/>
+              <a:t>Coefficient of Determination (R^2): 0.309</a:t>
+            </a:r>
+          </a:p>
+        </p:txBody>
+      </p:sp>
+      <p:pic>
+        <p:nvPicPr>
+          <p:cNvPr id="3" name="Picture 2">
+            <a:extLst>
+              <a:ext uri="{FF2B5EF4-FFF2-40B4-BE49-F238E27FC236}">
+                <a16:creationId xmlns:a16="http://schemas.microsoft.com/office/drawing/2014/main" id="{0AFB8767-CDDF-ACDB-A7DD-D8FADA83122F}"/>
+              </a:ext>
+            </a:extLst>
+          </p:cNvPr>
+          <p:cNvPicPr>
+            <a:picLocks noChangeAspect="1" noChangeArrowheads="1"/>
+          </p:cNvPicPr>
+          <p:nvPr/>
+        </p:nvPicPr>
+        <p:blipFill>
+          <a:blip r:embed="rId2">
+            <a:extLst>
+              <a:ext uri="{28A0092B-C50C-407E-A947-70E740481C1C}">
+                <a14:useLocalDpi xmlns:a14="http://schemas.microsoft.com/office/drawing/2010/main" val="0"/>
+              </a:ext>
+            </a:extLst>
+          </a:blip>
+          <a:srcRect/>
+          <a:stretch>
+            <a:fillRect/>
+          </a:stretch>
+        </p:blipFill>
+        <p:spPr bwMode="auto">
+          <a:xfrm>
+            <a:off x="118107" y="3429000"/>
+            <a:ext cx="3976370" cy="2827189"/>
+          </a:xfrm>
+          <a:prstGeom prst="rect">
+            <a:avLst/>
+          </a:prstGeom>
+          <a:noFill/>
+          <a:extLst>
+            <a:ext uri="{909E8E84-426E-40DD-AFC4-6F175D3DCCD1}">
+              <a14:hiddenFill xmlns:a14="http://schemas.microsoft.com/office/drawing/2010/main">
+                <a:solidFill>
+                  <a:srgbClr val="FFFFFF"/>
+                </a:solidFill>
+              </a14:hiddenFill>
+            </a:ext>
+          </a:extLst>
+        </p:spPr>
+      </p:pic>
+      <p:pic>
+        <p:nvPicPr>
+          <p:cNvPr id="5" name="Picture 4">
+            <a:extLst>
+              <a:ext uri="{FF2B5EF4-FFF2-40B4-BE49-F238E27FC236}">
+                <a16:creationId xmlns:a16="http://schemas.microsoft.com/office/drawing/2014/main" id="{50C1F908-E258-A555-0AAA-AFBB16B18B2D}"/>
+              </a:ext>
+            </a:extLst>
+          </p:cNvPr>
+          <p:cNvPicPr>
+            <a:picLocks noChangeAspect="1" noChangeArrowheads="1"/>
+          </p:cNvPicPr>
+          <p:nvPr/>
+        </p:nvPicPr>
+        <p:blipFill>
+          <a:blip r:embed="rId3">
+            <a:extLst>
+              <a:ext uri="{28A0092B-C50C-407E-A947-70E740481C1C}">
+                <a14:useLocalDpi xmlns:a14="http://schemas.microsoft.com/office/drawing/2010/main" val="0"/>
+              </a:ext>
+            </a:extLst>
+          </a:blip>
+          <a:srcRect/>
+          <a:stretch>
+            <a:fillRect/>
+          </a:stretch>
+        </p:blipFill>
+        <p:spPr bwMode="auto">
+          <a:xfrm>
+            <a:off x="4112262" y="3429000"/>
+            <a:ext cx="3976370" cy="2827189"/>
+          </a:xfrm>
+          <a:prstGeom prst="rect">
+            <a:avLst/>
+          </a:prstGeom>
+          <a:noFill/>
+          <a:extLst>
+            <a:ext uri="{909E8E84-426E-40DD-AFC4-6F175D3DCCD1}">
+              <a14:hiddenFill xmlns:a14="http://schemas.microsoft.com/office/drawing/2010/main">
+                <a:solidFill>
+                  <a:srgbClr val="FFFFFF"/>
+                </a:solidFill>
+              </a14:hiddenFill>
+            </a:ext>
+          </a:extLst>
+        </p:spPr>
+      </p:pic>
+      <p:pic>
+        <p:nvPicPr>
+          <p:cNvPr id="6" name="Picture 6">
+            <a:extLst>
+              <a:ext uri="{FF2B5EF4-FFF2-40B4-BE49-F238E27FC236}">
+                <a16:creationId xmlns:a16="http://schemas.microsoft.com/office/drawing/2014/main" id="{04238E4A-4F0F-6104-88F5-FB1EC8B54177}"/>
+              </a:ext>
+            </a:extLst>
+          </p:cNvPr>
+          <p:cNvPicPr>
+            <a:picLocks noChangeAspect="1" noChangeArrowheads="1"/>
+          </p:cNvPicPr>
+          <p:nvPr/>
+        </p:nvPicPr>
+        <p:blipFill>
+          <a:blip r:embed="rId4">
+            <a:extLst>
+              <a:ext uri="{28A0092B-C50C-407E-A947-70E740481C1C}">
+                <a14:useLocalDpi xmlns:a14="http://schemas.microsoft.com/office/drawing/2010/main" val="0"/>
+              </a:ext>
+            </a:extLst>
+          </a:blip>
+          <a:srcRect/>
+          <a:stretch>
+            <a:fillRect/>
+          </a:stretch>
+        </p:blipFill>
+        <p:spPr bwMode="auto">
+          <a:xfrm>
+            <a:off x="8097524" y="3429001"/>
+            <a:ext cx="3976369" cy="2827188"/>
+          </a:xfrm>
+          <a:prstGeom prst="rect">
+            <a:avLst/>
+          </a:prstGeom>
+          <a:noFill/>
+          <a:extLst>
+            <a:ext uri="{909E8E84-426E-40DD-AFC4-6F175D3DCCD1}">
+              <a14:hiddenFill xmlns:a14="http://schemas.microsoft.com/office/drawing/2010/main">
+                <a:solidFill>
+                  <a:srgbClr val="FFFFFF"/>
+                </a:solidFill>
+              </a14:hiddenFill>
+            </a:ext>
+          </a:extLst>
+        </p:spPr>
+      </p:pic>
+    </p:spTree>
+    <p:extLst>
+      <p:ext uri="{BB962C8B-B14F-4D97-AF65-F5344CB8AC3E}">
+        <p14:creationId xmlns:p14="http://schemas.microsoft.com/office/powerpoint/2010/main" val="44389158"/>
+      </p:ext>
+    </p:extLst>
+  </p:cSld>
+  <p:clrMapOvr>
+    <a:masterClrMapping/>
+  </p:clrMapOvr>
+</p:sld>
+</file>
+
+<file path=ppt/slides/slide6.xml><?xml version="1.0" encoding="utf-8"?>
+<p:sld xmlns:a="http://schemas.openxmlformats.org/drawingml/2006/main" xmlns:r="http://schemas.openxmlformats.org/officeDocument/2006/relationships" xmlns:p="http://schemas.openxmlformats.org/presentationml/2006/main">
+  <p:cSld>
+    <p:spTree>
+      <p:nvGrpSpPr>
+        <p:cNvPr id="1" name=""/>
+        <p:cNvGrpSpPr/>
+        <p:nvPr/>
+      </p:nvGrpSpPr>
+      <p:grpSpPr>
+        <a:xfrm>
+          <a:off x="0" y="0"/>
+          <a:ext cx="0" cy="0"/>
+          <a:chOff x="0" y="0"/>
+          <a:chExt cx="0" cy="0"/>
+        </a:xfrm>
+      </p:grpSpPr>
+      <p:sp>
+        <p:nvSpPr>
+          <p:cNvPr id="2" name="Title 1">
+            <a:extLst>
+              <a:ext uri="{FF2B5EF4-FFF2-40B4-BE49-F238E27FC236}">
+                <a16:creationId xmlns:a16="http://schemas.microsoft.com/office/drawing/2014/main" id="{1A877E3B-C8DE-F07E-AF0F-4CF353351B7C}"/>
+              </a:ext>
+            </a:extLst>
+          </p:cNvPr>
+          <p:cNvSpPr>
+            <a:spLocks noGrp="1"/>
+          </p:cNvSpPr>
+          <p:nvPr>
+            <p:ph type="title"/>
+          </p:nvPr>
+        </p:nvSpPr>
+        <p:spPr/>
+        <p:txBody>
+          <a:bodyPr/>
+          <a:lstStyle/>
+          <a:p>
+            <a:r>
+              <a:rPr lang="en-US" dirty="0"/>
+              <a:t>2c4q_Triple Mutation – PHI 9.5</a:t>
+            </a:r>
+          </a:p>
+        </p:txBody>
+      </p:sp>
+      <p:sp>
+        <p:nvSpPr>
+          <p:cNvPr id="4" name="TextBox 3">
+            <a:extLst>
+              <a:ext uri="{FF2B5EF4-FFF2-40B4-BE49-F238E27FC236}">
+                <a16:creationId xmlns:a16="http://schemas.microsoft.com/office/drawing/2014/main" id="{728302CB-C012-00EF-0450-25C9128C2913}"/>
+              </a:ext>
+            </a:extLst>
+          </p:cNvPr>
+          <p:cNvSpPr txBox="1"/>
+          <p:nvPr/>
+        </p:nvSpPr>
+        <p:spPr>
+          <a:xfrm>
+            <a:off x="838200" y="1757723"/>
+            <a:ext cx="6094990" cy="923330"/>
+          </a:xfrm>
+          <a:prstGeom prst="rect">
+            <a:avLst/>
+          </a:prstGeom>
+          <a:noFill/>
+        </p:spPr>
+        <p:txBody>
+          <a:bodyPr wrap="square">
+            <a:spAutoFit/>
+          </a:bodyPr>
+          <a:lstStyle/>
+          <a:p>
+            <a:r>
+              <a:rPr lang="en-US" dirty="0"/>
+              <a:t>Pearson rank correlation coefficient: 0.581 </a:t>
+            </a:r>
+          </a:p>
+          <a:p>
+            <a:r>
+              <a:rPr lang="en-US" dirty="0"/>
+              <a:t>Spearman rank correlation coefficient: 0.615 </a:t>
+            </a:r>
+          </a:p>
+          <a:p>
+            <a:r>
+              <a:rPr lang="en-US" dirty="0"/>
+              <a:t>Coefficient of Determination (R^2): 0.338</a:t>
+            </a:r>
+          </a:p>
+        </p:txBody>
+      </p:sp>
+      <p:pic>
+        <p:nvPicPr>
+          <p:cNvPr id="3074" name="Picture 2">
+            <a:extLst>
+              <a:ext uri="{FF2B5EF4-FFF2-40B4-BE49-F238E27FC236}">
+                <a16:creationId xmlns:a16="http://schemas.microsoft.com/office/drawing/2014/main" id="{6AF8847E-48FA-2DC2-1716-E98EC541B665}"/>
+              </a:ext>
+            </a:extLst>
+          </p:cNvPr>
+          <p:cNvPicPr>
+            <a:picLocks noChangeAspect="1" noChangeArrowheads="1"/>
+          </p:cNvPicPr>
+          <p:nvPr/>
+        </p:nvPicPr>
+        <p:blipFill>
+          <a:blip r:embed="rId2">
+            <a:extLst>
+              <a:ext uri="{28A0092B-C50C-407E-A947-70E740481C1C}">
+                <a14:useLocalDpi xmlns:a14="http://schemas.microsoft.com/office/drawing/2010/main" val="0"/>
+              </a:ext>
+            </a:extLst>
+          </a:blip>
+          <a:srcRect/>
+          <a:stretch>
+            <a:fillRect/>
+          </a:stretch>
+        </p:blipFill>
+        <p:spPr bwMode="auto">
+          <a:xfrm>
+            <a:off x="151635" y="3428999"/>
+            <a:ext cx="3962910" cy="2817619"/>
+          </a:xfrm>
+          <a:prstGeom prst="rect">
+            <a:avLst/>
+          </a:prstGeom>
+          <a:noFill/>
+          <a:extLst>
+            <a:ext uri="{909E8E84-426E-40DD-AFC4-6F175D3DCCD1}">
+              <a14:hiddenFill xmlns:a14="http://schemas.microsoft.com/office/drawing/2010/main">
+                <a:solidFill>
+                  <a:srgbClr val="FFFFFF"/>
+                </a:solidFill>
+              </a14:hiddenFill>
+            </a:ext>
+          </a:extLst>
+        </p:spPr>
+      </p:pic>
+      <p:pic>
+        <p:nvPicPr>
+          <p:cNvPr id="3076" name="Picture 4">
+            <a:extLst>
+              <a:ext uri="{FF2B5EF4-FFF2-40B4-BE49-F238E27FC236}">
+                <a16:creationId xmlns:a16="http://schemas.microsoft.com/office/drawing/2014/main" id="{C7EA3BAD-8EA4-A0F4-3F47-8B6B424F8BC1}"/>
+              </a:ext>
+            </a:extLst>
+          </p:cNvPr>
+          <p:cNvPicPr>
+            <a:picLocks noChangeAspect="1" noChangeArrowheads="1"/>
+          </p:cNvPicPr>
+          <p:nvPr/>
+        </p:nvPicPr>
+        <p:blipFill>
+          <a:blip r:embed="rId3">
+            <a:extLst>
+              <a:ext uri="{28A0092B-C50C-407E-A947-70E740481C1C}">
+                <a14:useLocalDpi xmlns:a14="http://schemas.microsoft.com/office/drawing/2010/main" val="0"/>
+              </a:ext>
+            </a:extLst>
+          </a:blip>
+          <a:srcRect/>
+          <a:stretch>
+            <a:fillRect/>
+          </a:stretch>
+        </p:blipFill>
+        <p:spPr bwMode="auto">
+          <a:xfrm>
+            <a:off x="4114545" y="3429000"/>
+            <a:ext cx="3962910" cy="2817619"/>
+          </a:xfrm>
+          <a:prstGeom prst="rect">
+            <a:avLst/>
+          </a:prstGeom>
+          <a:noFill/>
+          <a:extLst>
+            <a:ext uri="{909E8E84-426E-40DD-AFC4-6F175D3DCCD1}">
+              <a14:hiddenFill xmlns:a14="http://schemas.microsoft.com/office/drawing/2010/main">
+                <a:solidFill>
+                  <a:srgbClr val="FFFFFF"/>
+                </a:solidFill>
+              </a14:hiddenFill>
+            </a:ext>
+          </a:extLst>
+        </p:spPr>
+      </p:pic>
+      <p:pic>
+        <p:nvPicPr>
+          <p:cNvPr id="3078" name="Picture 6">
+            <a:extLst>
+              <a:ext uri="{FF2B5EF4-FFF2-40B4-BE49-F238E27FC236}">
+                <a16:creationId xmlns:a16="http://schemas.microsoft.com/office/drawing/2014/main" id="{DC0E546F-B422-61CB-71FA-1819522F6F46}"/>
+              </a:ext>
+            </a:extLst>
+          </p:cNvPr>
+          <p:cNvPicPr>
+            <a:picLocks noChangeAspect="1" noChangeArrowheads="1"/>
+          </p:cNvPicPr>
+          <p:nvPr/>
+        </p:nvPicPr>
+        <p:blipFill>
+          <a:blip r:embed="rId4">
+            <a:extLst>
+              <a:ext uri="{28A0092B-C50C-407E-A947-70E740481C1C}">
+                <a14:useLocalDpi xmlns:a14="http://schemas.microsoft.com/office/drawing/2010/main" val="0"/>
+              </a:ext>
+            </a:extLst>
+          </a:blip>
+          <a:srcRect/>
+          <a:stretch>
+            <a:fillRect/>
+          </a:stretch>
+        </p:blipFill>
+        <p:spPr bwMode="auto">
+          <a:xfrm>
+            <a:off x="8077455" y="3428998"/>
+            <a:ext cx="3962910" cy="2817619"/>
+          </a:xfrm>
+          <a:prstGeom prst="rect">
+            <a:avLst/>
+          </a:prstGeom>
+          <a:noFill/>
+          <a:extLst>
+            <a:ext uri="{909E8E84-426E-40DD-AFC4-6F175D3DCCD1}">
+              <a14:hiddenFill xmlns:a14="http://schemas.microsoft.com/office/drawing/2010/main">
+                <a:solidFill>
+                  <a:srgbClr val="FFFFFF"/>
+                </a:solidFill>
+              </a14:hiddenFill>
+            </a:ext>
+          </a:extLst>
+        </p:spPr>
+      </p:pic>
+    </p:spTree>
+    <p:extLst>
+      <p:ext uri="{BB962C8B-B14F-4D97-AF65-F5344CB8AC3E}">
+        <p14:creationId xmlns:p14="http://schemas.microsoft.com/office/powerpoint/2010/main" val="3044150997"/>
       </p:ext>
     </p:extLst>
   </p:cSld>

--- a/graphs/2c4q_Mutation_Graphs.pptx
+++ b/graphs/2c4q_Mutation_Graphs.pptx
@@ -11,6 +11,10 @@
     <p:sldId id="285" r:id="rId5"/>
     <p:sldId id="283" r:id="rId6"/>
     <p:sldId id="284" r:id="rId7"/>
+    <p:sldId id="287" r:id="rId8"/>
+    <p:sldId id="286" r:id="rId9"/>
+    <p:sldId id="288" r:id="rId10"/>
+    <p:sldId id="289" r:id="rId11"/>
   </p:sldIdLst>
   <p:sldSz cx="12192000" cy="6858000"/>
   <p:notesSz cx="6858000" cy="9144000"/>
@@ -264,7 +268,7 @@
           <a:p>
             <a:fld id="{49F24598-E0FC-E241-BAA2-BE1A2687DE9E}" type="datetimeFigureOut">
               <a:rPr lang="en-US" smtClean="0"/>
-              <a:t>6/12/24</a:t>
+              <a:t>6/24/24</a:t>
             </a:fld>
             <a:endParaRPr lang="en-US"/>
           </a:p>
@@ -462,7 +466,7 @@
           <a:p>
             <a:fld id="{49F24598-E0FC-E241-BAA2-BE1A2687DE9E}" type="datetimeFigureOut">
               <a:rPr lang="en-US" smtClean="0"/>
-              <a:t>6/12/24</a:t>
+              <a:t>6/24/24</a:t>
             </a:fld>
             <a:endParaRPr lang="en-US"/>
           </a:p>
@@ -670,7 +674,7 @@
           <a:p>
             <a:fld id="{49F24598-E0FC-E241-BAA2-BE1A2687DE9E}" type="datetimeFigureOut">
               <a:rPr lang="en-US" smtClean="0"/>
-              <a:t>6/12/24</a:t>
+              <a:t>6/24/24</a:t>
             </a:fld>
             <a:endParaRPr lang="en-US"/>
           </a:p>
@@ -868,7 +872,7 @@
           <a:p>
             <a:fld id="{49F24598-E0FC-E241-BAA2-BE1A2687DE9E}" type="datetimeFigureOut">
               <a:rPr lang="en-US" smtClean="0"/>
-              <a:t>6/12/24</a:t>
+              <a:t>6/24/24</a:t>
             </a:fld>
             <a:endParaRPr lang="en-US"/>
           </a:p>
@@ -1143,7 +1147,7 @@
           <a:p>
             <a:fld id="{49F24598-E0FC-E241-BAA2-BE1A2687DE9E}" type="datetimeFigureOut">
               <a:rPr lang="en-US" smtClean="0"/>
-              <a:t>6/12/24</a:t>
+              <a:t>6/24/24</a:t>
             </a:fld>
             <a:endParaRPr lang="en-US"/>
           </a:p>
@@ -1408,7 +1412,7 @@
           <a:p>
             <a:fld id="{49F24598-E0FC-E241-BAA2-BE1A2687DE9E}" type="datetimeFigureOut">
               <a:rPr lang="en-US" smtClean="0"/>
-              <a:t>6/12/24</a:t>
+              <a:t>6/24/24</a:t>
             </a:fld>
             <a:endParaRPr lang="en-US"/>
           </a:p>
@@ -1820,7 +1824,7 @@
           <a:p>
             <a:fld id="{49F24598-E0FC-E241-BAA2-BE1A2687DE9E}" type="datetimeFigureOut">
               <a:rPr lang="en-US" smtClean="0"/>
-              <a:t>6/12/24</a:t>
+              <a:t>6/24/24</a:t>
             </a:fld>
             <a:endParaRPr lang="en-US"/>
           </a:p>
@@ -1961,7 +1965,7 @@
           <a:p>
             <a:fld id="{49F24598-E0FC-E241-BAA2-BE1A2687DE9E}" type="datetimeFigureOut">
               <a:rPr lang="en-US" smtClean="0"/>
-              <a:t>6/12/24</a:t>
+              <a:t>6/24/24</a:t>
             </a:fld>
             <a:endParaRPr lang="en-US"/>
           </a:p>
@@ -2074,7 +2078,7 @@
           <a:p>
             <a:fld id="{49F24598-E0FC-E241-BAA2-BE1A2687DE9E}" type="datetimeFigureOut">
               <a:rPr lang="en-US" smtClean="0"/>
-              <a:t>6/12/24</a:t>
+              <a:t>6/24/24</a:t>
             </a:fld>
             <a:endParaRPr lang="en-US"/>
           </a:p>
@@ -2385,7 +2389,7 @@
           <a:p>
             <a:fld id="{49F24598-E0FC-E241-BAA2-BE1A2687DE9E}" type="datetimeFigureOut">
               <a:rPr lang="en-US" smtClean="0"/>
-              <a:t>6/12/24</a:t>
+              <a:t>6/24/24</a:t>
             </a:fld>
             <a:endParaRPr lang="en-US"/>
           </a:p>
@@ -2673,7 +2677,7 @@
           <a:p>
             <a:fld id="{49F24598-E0FC-E241-BAA2-BE1A2687DE9E}" type="datetimeFigureOut">
               <a:rPr lang="en-US" smtClean="0"/>
-              <a:t>6/12/24</a:t>
+              <a:t>6/24/24</a:t>
             </a:fld>
             <a:endParaRPr lang="en-US"/>
           </a:p>
@@ -2914,7 +2918,7 @@
           <a:p>
             <a:fld id="{49F24598-E0FC-E241-BAA2-BE1A2687DE9E}" type="datetimeFigureOut">
               <a:rPr lang="en-US" smtClean="0"/>
-              <a:t>6/12/24</a:t>
+              <a:t>6/24/24</a:t>
             </a:fld>
             <a:endParaRPr lang="en-US"/>
           </a:p>
@@ -3397,6 +3401,252 @@
 </p:sld>
 </file>
 
+<file path=ppt/slides/slide10.xml><?xml version="1.0" encoding="utf-8"?>
+<p:sld xmlns:a="http://schemas.openxmlformats.org/drawingml/2006/main" xmlns:r="http://schemas.openxmlformats.org/officeDocument/2006/relationships" xmlns:p="http://schemas.openxmlformats.org/presentationml/2006/main">
+  <p:cSld>
+    <p:spTree>
+      <p:nvGrpSpPr>
+        <p:cNvPr id="1" name=""/>
+        <p:cNvGrpSpPr/>
+        <p:nvPr/>
+      </p:nvGrpSpPr>
+      <p:grpSpPr>
+        <a:xfrm>
+          <a:off x="0" y="0"/>
+          <a:ext cx="0" cy="0"/>
+          <a:chOff x="0" y="0"/>
+          <a:chExt cx="0" cy="0"/>
+        </a:xfrm>
+      </p:grpSpPr>
+      <p:sp>
+        <p:nvSpPr>
+          <p:cNvPr id="2" name="Title 1">
+            <a:extLst>
+              <a:ext uri="{FF2B5EF4-FFF2-40B4-BE49-F238E27FC236}">
+                <a16:creationId xmlns:a16="http://schemas.microsoft.com/office/drawing/2014/main" id="{A92C9A3D-9D08-15A8-8FAE-79FC709F62F2}"/>
+              </a:ext>
+            </a:extLst>
+          </p:cNvPr>
+          <p:cNvSpPr>
+            <a:spLocks noGrp="1"/>
+          </p:cNvSpPr>
+          <p:nvPr>
+            <p:ph type="title"/>
+          </p:nvPr>
+        </p:nvSpPr>
+        <p:spPr/>
+        <p:txBody>
+          <a:bodyPr/>
+          <a:lstStyle/>
+          <a:p>
+            <a:r>
+              <a:rPr lang="en-US" dirty="0"/>
+              <a:t>77-ACCUGAAAAUAACCCAUGU - Testing</a:t>
+            </a:r>
+          </a:p>
+        </p:txBody>
+      </p:sp>
+      <p:sp>
+        <p:nvSpPr>
+          <p:cNvPr id="4" name="TextBox 3">
+            <a:extLst>
+              <a:ext uri="{FF2B5EF4-FFF2-40B4-BE49-F238E27FC236}">
+                <a16:creationId xmlns:a16="http://schemas.microsoft.com/office/drawing/2014/main" id="{61EF7D25-501D-2B09-12B1-AC07CE82EB1B}"/>
+              </a:ext>
+            </a:extLst>
+          </p:cNvPr>
+          <p:cNvSpPr txBox="1"/>
+          <p:nvPr/>
+        </p:nvSpPr>
+        <p:spPr>
+          <a:xfrm>
+            <a:off x="838200" y="1757723"/>
+            <a:ext cx="6094990" cy="923330"/>
+          </a:xfrm>
+          <a:prstGeom prst="rect">
+            <a:avLst/>
+          </a:prstGeom>
+          <a:noFill/>
+        </p:spPr>
+        <p:txBody>
+          <a:bodyPr wrap="square">
+            <a:spAutoFit/>
+          </a:bodyPr>
+          <a:lstStyle/>
+          <a:p>
+            <a:r>
+              <a:rPr lang="en-US" dirty="0"/>
+              <a:t>Pearson rank correlation coefficient: 0.000 </a:t>
+            </a:r>
+          </a:p>
+          <a:p>
+            <a:r>
+              <a:rPr lang="en-US" dirty="0"/>
+              <a:t>Spearman rank correlation coefficient: 0.028 </a:t>
+            </a:r>
+          </a:p>
+          <a:p>
+            <a:r>
+              <a:rPr lang="en-US" dirty="0"/>
+              <a:t>Coefficient of Determination (R^2): 0.000</a:t>
+            </a:r>
+          </a:p>
+        </p:txBody>
+      </p:sp>
+      <p:pic>
+        <p:nvPicPr>
+          <p:cNvPr id="2050" name="Picture 2">
+            <a:extLst>
+              <a:ext uri="{FF2B5EF4-FFF2-40B4-BE49-F238E27FC236}">
+                <a16:creationId xmlns:a16="http://schemas.microsoft.com/office/drawing/2014/main" id="{35D7C4AB-B715-369D-DDFC-DBDB5E614A0B}"/>
+              </a:ext>
+            </a:extLst>
+          </p:cNvPr>
+          <p:cNvPicPr>
+            <a:picLocks noChangeAspect="1" noChangeArrowheads="1"/>
+          </p:cNvPicPr>
+          <p:nvPr/>
+        </p:nvPicPr>
+        <p:blipFill>
+          <a:blip r:embed="rId2">
+            <a:extLst>
+              <a:ext uri="{28A0092B-C50C-407E-A947-70E740481C1C}">
+                <a14:useLocalDpi xmlns:a14="http://schemas.microsoft.com/office/drawing/2010/main" val="0"/>
+              </a:ext>
+            </a:extLst>
+          </a:blip>
+          <a:srcRect/>
+          <a:stretch>
+            <a:fillRect/>
+          </a:stretch>
+        </p:blipFill>
+        <p:spPr bwMode="auto">
+          <a:xfrm>
+            <a:off x="167937" y="3931068"/>
+            <a:ext cx="3717758" cy="2670637"/>
+          </a:xfrm>
+          <a:prstGeom prst="rect">
+            <a:avLst/>
+          </a:prstGeom>
+          <a:noFill/>
+          <a:extLst>
+            <a:ext uri="{909E8E84-426E-40DD-AFC4-6F175D3DCCD1}">
+              <a14:hiddenFill xmlns:a14="http://schemas.microsoft.com/office/drawing/2010/main">
+                <a:solidFill>
+                  <a:srgbClr val="FFFFFF"/>
+                </a:solidFill>
+              </a14:hiddenFill>
+            </a:ext>
+          </a:extLst>
+        </p:spPr>
+      </p:pic>
+      <p:pic>
+        <p:nvPicPr>
+          <p:cNvPr id="2052" name="Picture 4">
+            <a:extLst>
+              <a:ext uri="{FF2B5EF4-FFF2-40B4-BE49-F238E27FC236}">
+                <a16:creationId xmlns:a16="http://schemas.microsoft.com/office/drawing/2014/main" id="{F2957D9B-9D92-67FD-C3A5-859E5DDC0884}"/>
+              </a:ext>
+            </a:extLst>
+          </p:cNvPr>
+          <p:cNvPicPr>
+            <a:picLocks noChangeAspect="1" noChangeArrowheads="1"/>
+          </p:cNvPicPr>
+          <p:nvPr/>
+        </p:nvPicPr>
+        <p:blipFill>
+          <a:blip r:embed="rId3">
+            <a:extLst>
+              <a:ext uri="{28A0092B-C50C-407E-A947-70E740481C1C}">
+                <a14:useLocalDpi xmlns:a14="http://schemas.microsoft.com/office/drawing/2010/main" val="0"/>
+              </a:ext>
+            </a:extLst>
+          </a:blip>
+          <a:srcRect/>
+          <a:stretch>
+            <a:fillRect/>
+          </a:stretch>
+        </p:blipFill>
+        <p:spPr bwMode="auto">
+          <a:xfrm>
+            <a:off x="4237121" y="3931069"/>
+            <a:ext cx="3717758" cy="2670637"/>
+          </a:xfrm>
+          <a:prstGeom prst="rect">
+            <a:avLst/>
+          </a:prstGeom>
+          <a:noFill/>
+          <a:extLst>
+            <a:ext uri="{909E8E84-426E-40DD-AFC4-6F175D3DCCD1}">
+              <a14:hiddenFill xmlns:a14="http://schemas.microsoft.com/office/drawing/2010/main">
+                <a:solidFill>
+                  <a:srgbClr val="FFFFFF"/>
+                </a:solidFill>
+              </a14:hiddenFill>
+            </a:ext>
+          </a:extLst>
+        </p:spPr>
+      </p:pic>
+      <p:pic>
+        <p:nvPicPr>
+          <p:cNvPr id="2054" name="Picture 6">
+            <a:extLst>
+              <a:ext uri="{FF2B5EF4-FFF2-40B4-BE49-F238E27FC236}">
+                <a16:creationId xmlns:a16="http://schemas.microsoft.com/office/drawing/2014/main" id="{82AF10F0-8F30-3BD4-8278-A9E104B5B32A}"/>
+              </a:ext>
+            </a:extLst>
+          </p:cNvPr>
+          <p:cNvPicPr>
+            <a:picLocks noChangeAspect="1" noChangeArrowheads="1"/>
+          </p:cNvPicPr>
+          <p:nvPr/>
+        </p:nvPicPr>
+        <p:blipFill>
+          <a:blip r:embed="rId4">
+            <a:extLst>
+              <a:ext uri="{28A0092B-C50C-407E-A947-70E740481C1C}">
+                <a14:useLocalDpi xmlns:a14="http://schemas.microsoft.com/office/drawing/2010/main" val="0"/>
+              </a:ext>
+            </a:extLst>
+          </a:blip>
+          <a:srcRect/>
+          <a:stretch>
+            <a:fillRect/>
+          </a:stretch>
+        </p:blipFill>
+        <p:spPr bwMode="auto">
+          <a:xfrm>
+            <a:off x="8228597" y="3931067"/>
+            <a:ext cx="3717758" cy="2670638"/>
+          </a:xfrm>
+          <a:prstGeom prst="rect">
+            <a:avLst/>
+          </a:prstGeom>
+          <a:noFill/>
+          <a:extLst>
+            <a:ext uri="{909E8E84-426E-40DD-AFC4-6F175D3DCCD1}">
+              <a14:hiddenFill xmlns:a14="http://schemas.microsoft.com/office/drawing/2010/main">
+                <a:solidFill>
+                  <a:srgbClr val="FFFFFF"/>
+                </a:solidFill>
+              </a14:hiddenFill>
+            </a:ext>
+          </a:extLst>
+        </p:spPr>
+      </p:pic>
+    </p:spTree>
+    <p:extLst>
+      <p:ext uri="{BB962C8B-B14F-4D97-AF65-F5344CB8AC3E}">
+        <p14:creationId xmlns:p14="http://schemas.microsoft.com/office/powerpoint/2010/main" val="3236453658"/>
+      </p:ext>
+    </p:extLst>
+  </p:cSld>
+  <p:clrMapOvr>
+    <a:masterClrMapping/>
+  </p:clrMapOvr>
+</p:sld>
+</file>
+
 <file path=ppt/slides/slide2.xml><?xml version="1.0" encoding="utf-8"?>
 <p:sld xmlns:a="http://schemas.openxmlformats.org/drawingml/2006/main" xmlns:r="http://schemas.openxmlformats.org/officeDocument/2006/relationships" xmlns:p="http://schemas.openxmlformats.org/presentationml/2006/main">
   <p:cSld>
@@ -4535,6 +4785,744 @@
     <p:extLst>
       <p:ext uri="{BB962C8B-B14F-4D97-AF65-F5344CB8AC3E}">
         <p14:creationId xmlns:p14="http://schemas.microsoft.com/office/powerpoint/2010/main" val="3044150997"/>
+      </p:ext>
+    </p:extLst>
+  </p:cSld>
+  <p:clrMapOvr>
+    <a:masterClrMapping/>
+  </p:clrMapOvr>
+</p:sld>
+</file>
+
+<file path=ppt/slides/slide7.xml><?xml version="1.0" encoding="utf-8"?>
+<p:sld xmlns:a="http://schemas.openxmlformats.org/drawingml/2006/main" xmlns:r="http://schemas.openxmlformats.org/officeDocument/2006/relationships" xmlns:p="http://schemas.openxmlformats.org/presentationml/2006/main">
+  <p:cSld>
+    <p:spTree>
+      <p:nvGrpSpPr>
+        <p:cNvPr id="1" name=""/>
+        <p:cNvGrpSpPr/>
+        <p:nvPr/>
+      </p:nvGrpSpPr>
+      <p:grpSpPr>
+        <a:xfrm>
+          <a:off x="0" y="0"/>
+          <a:ext cx="0" cy="0"/>
+          <a:chOff x="0" y="0"/>
+          <a:chExt cx="0" cy="0"/>
+        </a:xfrm>
+      </p:grpSpPr>
+      <p:sp>
+        <p:nvSpPr>
+          <p:cNvPr id="2" name="Title 1">
+            <a:extLst>
+              <a:ext uri="{FF2B5EF4-FFF2-40B4-BE49-F238E27FC236}">
+                <a16:creationId xmlns:a16="http://schemas.microsoft.com/office/drawing/2014/main" id="{1A877E3B-C8DE-F07E-AF0F-4CF353351B7C}"/>
+              </a:ext>
+            </a:extLst>
+          </p:cNvPr>
+          <p:cNvSpPr>
+            <a:spLocks noGrp="1"/>
+          </p:cNvSpPr>
+          <p:nvPr>
+            <p:ph type="title"/>
+          </p:nvPr>
+        </p:nvSpPr>
+        <p:spPr/>
+        <p:txBody>
+          <a:bodyPr/>
+          <a:lstStyle/>
+          <a:p>
+            <a:r>
+              <a:rPr lang="en-US" dirty="0"/>
+              <a:t>2c4q_Quadruple Mutation – PHI 9.5</a:t>
+            </a:r>
+          </a:p>
+        </p:txBody>
+      </p:sp>
+      <p:sp>
+        <p:nvSpPr>
+          <p:cNvPr id="4" name="TextBox 3">
+            <a:extLst>
+              <a:ext uri="{FF2B5EF4-FFF2-40B4-BE49-F238E27FC236}">
+                <a16:creationId xmlns:a16="http://schemas.microsoft.com/office/drawing/2014/main" id="{728302CB-C012-00EF-0450-25C9128C2913}"/>
+              </a:ext>
+            </a:extLst>
+          </p:cNvPr>
+          <p:cNvSpPr txBox="1"/>
+          <p:nvPr/>
+        </p:nvSpPr>
+        <p:spPr>
+          <a:xfrm>
+            <a:off x="838200" y="1757723"/>
+            <a:ext cx="6094990" cy="923330"/>
+          </a:xfrm>
+          <a:prstGeom prst="rect">
+            <a:avLst/>
+          </a:prstGeom>
+          <a:noFill/>
+        </p:spPr>
+        <p:txBody>
+          <a:bodyPr wrap="square">
+            <a:spAutoFit/>
+          </a:bodyPr>
+          <a:lstStyle/>
+          <a:p>
+            <a:r>
+              <a:rPr lang="en-US" dirty="0"/>
+              <a:t>Pearson rank correlation coefficient: -0.478 </a:t>
+            </a:r>
+          </a:p>
+          <a:p>
+            <a:r>
+              <a:rPr lang="en-US" dirty="0"/>
+              <a:t>Spearman rank correlation coefficient: -0.607 </a:t>
+            </a:r>
+          </a:p>
+          <a:p>
+            <a:r>
+              <a:rPr lang="en-US" dirty="0"/>
+              <a:t>Coefficient of Determination (R^2): 0.228</a:t>
+            </a:r>
+          </a:p>
+        </p:txBody>
+      </p:sp>
+      <p:pic>
+        <p:nvPicPr>
+          <p:cNvPr id="2050" name="Picture 2">
+            <a:extLst>
+              <a:ext uri="{FF2B5EF4-FFF2-40B4-BE49-F238E27FC236}">
+                <a16:creationId xmlns:a16="http://schemas.microsoft.com/office/drawing/2014/main" id="{A00FDEC1-AC60-22AF-9EE5-D7009434FD0A}"/>
+              </a:ext>
+            </a:extLst>
+          </p:cNvPr>
+          <p:cNvPicPr>
+            <a:picLocks noChangeAspect="1" noChangeArrowheads="1"/>
+          </p:cNvPicPr>
+          <p:nvPr/>
+        </p:nvPicPr>
+        <p:blipFill>
+          <a:blip r:embed="rId2">
+            <a:extLst>
+              <a:ext uri="{28A0092B-C50C-407E-A947-70E740481C1C}">
+                <a14:useLocalDpi xmlns:a14="http://schemas.microsoft.com/office/drawing/2010/main" val="0"/>
+              </a:ext>
+            </a:extLst>
+          </a:blip>
+          <a:srcRect/>
+          <a:stretch>
+            <a:fillRect/>
+          </a:stretch>
+        </p:blipFill>
+        <p:spPr bwMode="auto">
+          <a:xfrm>
+            <a:off x="47641" y="3777915"/>
+            <a:ext cx="3838054" cy="2714959"/>
+          </a:xfrm>
+          <a:prstGeom prst="rect">
+            <a:avLst/>
+          </a:prstGeom>
+          <a:noFill/>
+          <a:extLst>
+            <a:ext uri="{909E8E84-426E-40DD-AFC4-6F175D3DCCD1}">
+              <a14:hiddenFill xmlns:a14="http://schemas.microsoft.com/office/drawing/2010/main">
+                <a:solidFill>
+                  <a:srgbClr val="FFFFFF"/>
+                </a:solidFill>
+              </a14:hiddenFill>
+            </a:ext>
+          </a:extLst>
+        </p:spPr>
+      </p:pic>
+      <p:pic>
+        <p:nvPicPr>
+          <p:cNvPr id="2052" name="Picture 4">
+            <a:extLst>
+              <a:ext uri="{FF2B5EF4-FFF2-40B4-BE49-F238E27FC236}">
+                <a16:creationId xmlns:a16="http://schemas.microsoft.com/office/drawing/2014/main" id="{53723BB6-C5D4-6E00-CAD6-88FEB6501D0A}"/>
+              </a:ext>
+            </a:extLst>
+          </p:cNvPr>
+          <p:cNvPicPr>
+            <a:picLocks noChangeAspect="1" noChangeArrowheads="1"/>
+          </p:cNvPicPr>
+          <p:nvPr/>
+        </p:nvPicPr>
+        <p:blipFill>
+          <a:blip r:embed="rId3">
+            <a:extLst>
+              <a:ext uri="{28A0092B-C50C-407E-A947-70E740481C1C}">
+                <a14:useLocalDpi xmlns:a14="http://schemas.microsoft.com/office/drawing/2010/main" val="0"/>
+              </a:ext>
+            </a:extLst>
+          </a:blip>
+          <a:srcRect/>
+          <a:stretch>
+            <a:fillRect/>
+          </a:stretch>
+        </p:blipFill>
+        <p:spPr bwMode="auto">
+          <a:xfrm>
+            <a:off x="4176973" y="3777915"/>
+            <a:ext cx="3838054" cy="2714959"/>
+          </a:xfrm>
+          <a:prstGeom prst="rect">
+            <a:avLst/>
+          </a:prstGeom>
+          <a:noFill/>
+          <a:extLst>
+            <a:ext uri="{909E8E84-426E-40DD-AFC4-6F175D3DCCD1}">
+              <a14:hiddenFill xmlns:a14="http://schemas.microsoft.com/office/drawing/2010/main">
+                <a:solidFill>
+                  <a:srgbClr val="FFFFFF"/>
+                </a:solidFill>
+              </a14:hiddenFill>
+            </a:ext>
+          </a:extLst>
+        </p:spPr>
+      </p:pic>
+      <p:pic>
+        <p:nvPicPr>
+          <p:cNvPr id="2054" name="Picture 6">
+            <a:extLst>
+              <a:ext uri="{FF2B5EF4-FFF2-40B4-BE49-F238E27FC236}">
+                <a16:creationId xmlns:a16="http://schemas.microsoft.com/office/drawing/2014/main" id="{B648BFAF-7907-6B73-423B-FB7C63DF93C7}"/>
+              </a:ext>
+            </a:extLst>
+          </p:cNvPr>
+          <p:cNvPicPr>
+            <a:picLocks noChangeAspect="1" noChangeArrowheads="1"/>
+          </p:cNvPicPr>
+          <p:nvPr/>
+        </p:nvPicPr>
+        <p:blipFill>
+          <a:blip r:embed="rId4">
+            <a:extLst>
+              <a:ext uri="{28A0092B-C50C-407E-A947-70E740481C1C}">
+                <a14:useLocalDpi xmlns:a14="http://schemas.microsoft.com/office/drawing/2010/main" val="0"/>
+              </a:ext>
+            </a:extLst>
+          </a:blip>
+          <a:srcRect/>
+          <a:stretch>
+            <a:fillRect/>
+          </a:stretch>
+        </p:blipFill>
+        <p:spPr bwMode="auto">
+          <a:xfrm>
+            <a:off x="8306305" y="3777915"/>
+            <a:ext cx="3838054" cy="2714959"/>
+          </a:xfrm>
+          <a:prstGeom prst="rect">
+            <a:avLst/>
+          </a:prstGeom>
+          <a:noFill/>
+          <a:extLst>
+            <a:ext uri="{909E8E84-426E-40DD-AFC4-6F175D3DCCD1}">
+              <a14:hiddenFill xmlns:a14="http://schemas.microsoft.com/office/drawing/2010/main">
+                <a:solidFill>
+                  <a:srgbClr val="FFFFFF"/>
+                </a:solidFill>
+              </a14:hiddenFill>
+            </a:ext>
+          </a:extLst>
+        </p:spPr>
+      </p:pic>
+    </p:spTree>
+    <p:extLst>
+      <p:ext uri="{BB962C8B-B14F-4D97-AF65-F5344CB8AC3E}">
+        <p14:creationId xmlns:p14="http://schemas.microsoft.com/office/powerpoint/2010/main" val="3151215357"/>
+      </p:ext>
+    </p:extLst>
+  </p:cSld>
+  <p:clrMapOvr>
+    <a:masterClrMapping/>
+  </p:clrMapOvr>
+</p:sld>
+</file>
+
+<file path=ppt/slides/slide8.xml><?xml version="1.0" encoding="utf-8"?>
+<p:sld xmlns:a="http://schemas.openxmlformats.org/drawingml/2006/main" xmlns:r="http://schemas.openxmlformats.org/officeDocument/2006/relationships" xmlns:p="http://schemas.openxmlformats.org/presentationml/2006/main">
+  <p:cSld>
+    <p:spTree>
+      <p:nvGrpSpPr>
+        <p:cNvPr id="1" name=""/>
+        <p:cNvGrpSpPr/>
+        <p:nvPr/>
+      </p:nvGrpSpPr>
+      <p:grpSpPr>
+        <a:xfrm>
+          <a:off x="0" y="0"/>
+          <a:ext cx="0" cy="0"/>
+          <a:chOff x="0" y="0"/>
+          <a:chExt cx="0" cy="0"/>
+        </a:xfrm>
+      </p:grpSpPr>
+      <p:sp>
+        <p:nvSpPr>
+          <p:cNvPr id="2" name="Title 1">
+            <a:extLst>
+              <a:ext uri="{FF2B5EF4-FFF2-40B4-BE49-F238E27FC236}">
+                <a16:creationId xmlns:a16="http://schemas.microsoft.com/office/drawing/2014/main" id="{1A877E3B-C8DE-F07E-AF0F-4CF353351B7C}"/>
+              </a:ext>
+            </a:extLst>
+          </p:cNvPr>
+          <p:cNvSpPr>
+            <a:spLocks noGrp="1"/>
+          </p:cNvSpPr>
+          <p:nvPr>
+            <p:ph type="title"/>
+          </p:nvPr>
+        </p:nvSpPr>
+        <p:spPr/>
+        <p:txBody>
+          <a:bodyPr/>
+          <a:lstStyle/>
+          <a:p>
+            <a:r>
+              <a:rPr lang="en-US" dirty="0"/>
+              <a:t>2c4q_AF_Quadruple Mutation – PHI 9.5</a:t>
+            </a:r>
+          </a:p>
+        </p:txBody>
+      </p:sp>
+      <p:sp>
+        <p:nvSpPr>
+          <p:cNvPr id="4" name="TextBox 3">
+            <a:extLst>
+              <a:ext uri="{FF2B5EF4-FFF2-40B4-BE49-F238E27FC236}">
+                <a16:creationId xmlns:a16="http://schemas.microsoft.com/office/drawing/2014/main" id="{728302CB-C012-00EF-0450-25C9128C2913}"/>
+              </a:ext>
+            </a:extLst>
+          </p:cNvPr>
+          <p:cNvSpPr txBox="1"/>
+          <p:nvPr/>
+        </p:nvSpPr>
+        <p:spPr>
+          <a:xfrm>
+            <a:off x="838200" y="1757723"/>
+            <a:ext cx="6094990" cy="923330"/>
+          </a:xfrm>
+          <a:prstGeom prst="rect">
+            <a:avLst/>
+          </a:prstGeom>
+          <a:noFill/>
+        </p:spPr>
+        <p:txBody>
+          <a:bodyPr wrap="square">
+            <a:spAutoFit/>
+          </a:bodyPr>
+          <a:lstStyle/>
+          <a:p>
+            <a:r>
+              <a:rPr lang="en-US" dirty="0"/>
+              <a:t>Pearson rank correlation coefficient: -0.010 </a:t>
+            </a:r>
+          </a:p>
+          <a:p>
+            <a:r>
+              <a:rPr lang="en-US" dirty="0"/>
+              <a:t>Spearman rank correlation coefficient: 0.009 </a:t>
+            </a:r>
+          </a:p>
+          <a:p>
+            <a:r>
+              <a:rPr lang="en-US" dirty="0"/>
+              <a:t>Coefficient of Determination (R^2): 0.000</a:t>
+            </a:r>
+          </a:p>
+        </p:txBody>
+      </p:sp>
+      <p:pic>
+        <p:nvPicPr>
+          <p:cNvPr id="3" name="Picture 2">
+            <a:extLst>
+              <a:ext uri="{FF2B5EF4-FFF2-40B4-BE49-F238E27FC236}">
+                <a16:creationId xmlns:a16="http://schemas.microsoft.com/office/drawing/2014/main" id="{E6638320-5907-327A-936E-CDF456A72F8A}"/>
+              </a:ext>
+            </a:extLst>
+          </p:cNvPr>
+          <p:cNvPicPr>
+            <a:picLocks noChangeAspect="1" noChangeArrowheads="1"/>
+          </p:cNvPicPr>
+          <p:nvPr/>
+        </p:nvPicPr>
+        <p:blipFill>
+          <a:blip r:embed="rId2">
+            <a:extLst>
+              <a:ext uri="{28A0092B-C50C-407E-A947-70E740481C1C}">
+                <a14:useLocalDpi xmlns:a14="http://schemas.microsoft.com/office/drawing/2010/main" val="0"/>
+              </a:ext>
+            </a:extLst>
+          </a:blip>
+          <a:srcRect/>
+          <a:stretch>
+            <a:fillRect/>
+          </a:stretch>
+        </p:blipFill>
+        <p:spPr bwMode="auto">
+          <a:xfrm>
+            <a:off x="152399" y="3697379"/>
+            <a:ext cx="3781223" cy="2716227"/>
+          </a:xfrm>
+          <a:prstGeom prst="rect">
+            <a:avLst/>
+          </a:prstGeom>
+          <a:noFill/>
+          <a:extLst>
+            <a:ext uri="{909E8E84-426E-40DD-AFC4-6F175D3DCCD1}">
+              <a14:hiddenFill xmlns:a14="http://schemas.microsoft.com/office/drawing/2010/main">
+                <a:solidFill>
+                  <a:srgbClr val="FFFFFF"/>
+                </a:solidFill>
+              </a14:hiddenFill>
+            </a:ext>
+          </a:extLst>
+        </p:spPr>
+      </p:pic>
+      <p:pic>
+        <p:nvPicPr>
+          <p:cNvPr id="5" name="Picture 4">
+            <a:extLst>
+              <a:ext uri="{FF2B5EF4-FFF2-40B4-BE49-F238E27FC236}">
+                <a16:creationId xmlns:a16="http://schemas.microsoft.com/office/drawing/2014/main" id="{6F1BB38A-5081-AFD8-8463-4BD6D3793263}"/>
+              </a:ext>
+            </a:extLst>
+          </p:cNvPr>
+          <p:cNvPicPr>
+            <a:picLocks noChangeAspect="1" noChangeArrowheads="1"/>
+          </p:cNvPicPr>
+          <p:nvPr/>
+        </p:nvPicPr>
+        <p:blipFill>
+          <a:blip r:embed="rId3">
+            <a:extLst>
+              <a:ext uri="{28A0092B-C50C-407E-A947-70E740481C1C}">
+                <a14:useLocalDpi xmlns:a14="http://schemas.microsoft.com/office/drawing/2010/main" val="0"/>
+              </a:ext>
+            </a:extLst>
+          </a:blip>
+          <a:srcRect/>
+          <a:stretch>
+            <a:fillRect/>
+          </a:stretch>
+        </p:blipFill>
+        <p:spPr bwMode="auto">
+          <a:xfrm>
+            <a:off x="4205388" y="3697380"/>
+            <a:ext cx="3781223" cy="2716227"/>
+          </a:xfrm>
+          <a:prstGeom prst="rect">
+            <a:avLst/>
+          </a:prstGeom>
+          <a:noFill/>
+          <a:extLst>
+            <a:ext uri="{909E8E84-426E-40DD-AFC4-6F175D3DCCD1}">
+              <a14:hiddenFill xmlns:a14="http://schemas.microsoft.com/office/drawing/2010/main">
+                <a:solidFill>
+                  <a:srgbClr val="FFFFFF"/>
+                </a:solidFill>
+              </a14:hiddenFill>
+            </a:ext>
+          </a:extLst>
+        </p:spPr>
+      </p:pic>
+      <p:pic>
+        <p:nvPicPr>
+          <p:cNvPr id="6" name="Picture 6">
+            <a:extLst>
+              <a:ext uri="{FF2B5EF4-FFF2-40B4-BE49-F238E27FC236}">
+                <a16:creationId xmlns:a16="http://schemas.microsoft.com/office/drawing/2014/main" id="{4FF4D366-F595-0D2E-9F74-BF3AB4FF9A70}"/>
+              </a:ext>
+            </a:extLst>
+          </p:cNvPr>
+          <p:cNvPicPr>
+            <a:picLocks noChangeAspect="1" noChangeArrowheads="1"/>
+          </p:cNvPicPr>
+          <p:nvPr/>
+        </p:nvPicPr>
+        <p:blipFill>
+          <a:blip r:embed="rId4">
+            <a:extLst>
+              <a:ext uri="{28A0092B-C50C-407E-A947-70E740481C1C}">
+                <a14:useLocalDpi xmlns:a14="http://schemas.microsoft.com/office/drawing/2010/main" val="0"/>
+              </a:ext>
+            </a:extLst>
+          </a:blip>
+          <a:srcRect/>
+          <a:stretch>
+            <a:fillRect/>
+          </a:stretch>
+        </p:blipFill>
+        <p:spPr bwMode="auto">
+          <a:xfrm>
+            <a:off x="8258377" y="3697379"/>
+            <a:ext cx="3781223" cy="2716227"/>
+          </a:xfrm>
+          <a:prstGeom prst="rect">
+            <a:avLst/>
+          </a:prstGeom>
+          <a:noFill/>
+          <a:extLst>
+            <a:ext uri="{909E8E84-426E-40DD-AFC4-6F175D3DCCD1}">
+              <a14:hiddenFill xmlns:a14="http://schemas.microsoft.com/office/drawing/2010/main">
+                <a:solidFill>
+                  <a:srgbClr val="FFFFFF"/>
+                </a:solidFill>
+              </a14:hiddenFill>
+            </a:ext>
+          </a:extLst>
+        </p:spPr>
+      </p:pic>
+    </p:spTree>
+    <p:extLst>
+      <p:ext uri="{BB962C8B-B14F-4D97-AF65-F5344CB8AC3E}">
+        <p14:creationId xmlns:p14="http://schemas.microsoft.com/office/powerpoint/2010/main" val="905122595"/>
+      </p:ext>
+    </p:extLst>
+  </p:cSld>
+  <p:clrMapOvr>
+    <a:masterClrMapping/>
+  </p:clrMapOvr>
+</p:sld>
+</file>
+
+<file path=ppt/slides/slide9.xml><?xml version="1.0" encoding="utf-8"?>
+<p:sld xmlns:a="http://schemas.openxmlformats.org/drawingml/2006/main" xmlns:r="http://schemas.openxmlformats.org/officeDocument/2006/relationships" xmlns:p="http://schemas.openxmlformats.org/presentationml/2006/main">
+  <p:cSld>
+    <p:spTree>
+      <p:nvGrpSpPr>
+        <p:cNvPr id="1" name=""/>
+        <p:cNvGrpSpPr/>
+        <p:nvPr/>
+      </p:nvGrpSpPr>
+      <p:grpSpPr>
+        <a:xfrm>
+          <a:off x="0" y="0"/>
+          <a:ext cx="0" cy="0"/>
+          <a:chOff x="0" y="0"/>
+          <a:chExt cx="0" cy="0"/>
+        </a:xfrm>
+      </p:grpSpPr>
+      <p:sp>
+        <p:nvSpPr>
+          <p:cNvPr id="2" name="Title 1">
+            <a:extLst>
+              <a:ext uri="{FF2B5EF4-FFF2-40B4-BE49-F238E27FC236}">
+                <a16:creationId xmlns:a16="http://schemas.microsoft.com/office/drawing/2014/main" id="{A92C9A3D-9D08-15A8-8FAE-79FC709F62F2}"/>
+              </a:ext>
+            </a:extLst>
+          </p:cNvPr>
+          <p:cNvSpPr>
+            <a:spLocks noGrp="1"/>
+          </p:cNvSpPr>
+          <p:nvPr>
+            <p:ph type="title"/>
+          </p:nvPr>
+        </p:nvSpPr>
+        <p:spPr/>
+        <p:txBody>
+          <a:bodyPr/>
+          <a:lstStyle/>
+          <a:p>
+            <a:r>
+              <a:rPr lang="en-US" dirty="0"/>
+              <a:t>66-CCAUAAGGCACACCCAUGU - Testing</a:t>
+            </a:r>
+          </a:p>
+        </p:txBody>
+      </p:sp>
+      <p:sp>
+        <p:nvSpPr>
+          <p:cNvPr id="4" name="TextBox 3">
+            <a:extLst>
+              <a:ext uri="{FF2B5EF4-FFF2-40B4-BE49-F238E27FC236}">
+                <a16:creationId xmlns:a16="http://schemas.microsoft.com/office/drawing/2014/main" id="{61EF7D25-501D-2B09-12B1-AC07CE82EB1B}"/>
+              </a:ext>
+            </a:extLst>
+          </p:cNvPr>
+          <p:cNvSpPr txBox="1"/>
+          <p:nvPr/>
+        </p:nvSpPr>
+        <p:spPr>
+          <a:xfrm>
+            <a:off x="838200" y="1757723"/>
+            <a:ext cx="6094990" cy="923330"/>
+          </a:xfrm>
+          <a:prstGeom prst="rect">
+            <a:avLst/>
+          </a:prstGeom>
+          <a:noFill/>
+        </p:spPr>
+        <p:txBody>
+          <a:bodyPr wrap="square">
+            <a:spAutoFit/>
+          </a:bodyPr>
+          <a:lstStyle/>
+          <a:p>
+            <a:r>
+              <a:rPr lang="en-US" dirty="0"/>
+              <a:t>Pearson rank correlation coefficient: 0.000 </a:t>
+            </a:r>
+          </a:p>
+          <a:p>
+            <a:r>
+              <a:rPr lang="en-US" dirty="0"/>
+              <a:t>Spearman rank correlation coefficient: 0.028 </a:t>
+            </a:r>
+          </a:p>
+          <a:p>
+            <a:r>
+              <a:rPr lang="en-US" dirty="0"/>
+              <a:t>Coefficient of Determination (R^2): 0.000</a:t>
+            </a:r>
+          </a:p>
+        </p:txBody>
+      </p:sp>
+      <p:pic>
+        <p:nvPicPr>
+          <p:cNvPr id="1026" name="Picture 2">
+            <a:extLst>
+              <a:ext uri="{FF2B5EF4-FFF2-40B4-BE49-F238E27FC236}">
+                <a16:creationId xmlns:a16="http://schemas.microsoft.com/office/drawing/2014/main" id="{1166147D-397B-A09B-CBB6-536E735FFF5E}"/>
+              </a:ext>
+            </a:extLst>
+          </p:cNvPr>
+          <p:cNvPicPr>
+            <a:picLocks noChangeAspect="1" noChangeArrowheads="1"/>
+          </p:cNvPicPr>
+          <p:nvPr/>
+        </p:nvPicPr>
+        <p:blipFill>
+          <a:blip r:embed="rId2">
+            <a:extLst>
+              <a:ext uri="{28A0092B-C50C-407E-A947-70E740481C1C}">
+                <a14:useLocalDpi xmlns:a14="http://schemas.microsoft.com/office/drawing/2010/main" val="0"/>
+              </a:ext>
+            </a:extLst>
+          </a:blip>
+          <a:srcRect/>
+          <a:stretch>
+            <a:fillRect/>
+          </a:stretch>
+        </p:blipFill>
+        <p:spPr bwMode="auto">
+          <a:xfrm>
+            <a:off x="151701" y="3646165"/>
+            <a:ext cx="3962866" cy="2846710"/>
+          </a:xfrm>
+          <a:prstGeom prst="rect">
+            <a:avLst/>
+          </a:prstGeom>
+          <a:noFill/>
+          <a:extLst>
+            <a:ext uri="{909E8E84-426E-40DD-AFC4-6F175D3DCCD1}">
+              <a14:hiddenFill xmlns:a14="http://schemas.microsoft.com/office/drawing/2010/main">
+                <a:solidFill>
+                  <a:srgbClr val="FFFFFF"/>
+                </a:solidFill>
+              </a14:hiddenFill>
+            </a:ext>
+          </a:extLst>
+        </p:spPr>
+      </p:pic>
+      <p:pic>
+        <p:nvPicPr>
+          <p:cNvPr id="1028" name="Picture 4">
+            <a:extLst>
+              <a:ext uri="{FF2B5EF4-FFF2-40B4-BE49-F238E27FC236}">
+                <a16:creationId xmlns:a16="http://schemas.microsoft.com/office/drawing/2014/main" id="{6B1ACB9A-93DE-709B-DBED-13C1CD040C32}"/>
+              </a:ext>
+            </a:extLst>
+          </p:cNvPr>
+          <p:cNvPicPr>
+            <a:picLocks noChangeAspect="1" noChangeArrowheads="1"/>
+          </p:cNvPicPr>
+          <p:nvPr/>
+        </p:nvPicPr>
+        <p:blipFill>
+          <a:blip r:embed="rId3">
+            <a:extLst>
+              <a:ext uri="{28A0092B-C50C-407E-A947-70E740481C1C}">
+                <a14:useLocalDpi xmlns:a14="http://schemas.microsoft.com/office/drawing/2010/main" val="0"/>
+              </a:ext>
+            </a:extLst>
+          </a:blip>
+          <a:srcRect/>
+          <a:stretch>
+            <a:fillRect/>
+          </a:stretch>
+        </p:blipFill>
+        <p:spPr bwMode="auto">
+          <a:xfrm>
+            <a:off x="4114567" y="3646165"/>
+            <a:ext cx="3962866" cy="2846710"/>
+          </a:xfrm>
+          <a:prstGeom prst="rect">
+            <a:avLst/>
+          </a:prstGeom>
+          <a:noFill/>
+          <a:extLst>
+            <a:ext uri="{909E8E84-426E-40DD-AFC4-6F175D3DCCD1}">
+              <a14:hiddenFill xmlns:a14="http://schemas.microsoft.com/office/drawing/2010/main">
+                <a:solidFill>
+                  <a:srgbClr val="FFFFFF"/>
+                </a:solidFill>
+              </a14:hiddenFill>
+            </a:ext>
+          </a:extLst>
+        </p:spPr>
+      </p:pic>
+      <p:pic>
+        <p:nvPicPr>
+          <p:cNvPr id="1030" name="Picture 6">
+            <a:extLst>
+              <a:ext uri="{FF2B5EF4-FFF2-40B4-BE49-F238E27FC236}">
+                <a16:creationId xmlns:a16="http://schemas.microsoft.com/office/drawing/2014/main" id="{F589F46B-FA36-7876-9312-06F553D48E90}"/>
+              </a:ext>
+            </a:extLst>
+          </p:cNvPr>
+          <p:cNvPicPr>
+            <a:picLocks noChangeAspect="1" noChangeArrowheads="1"/>
+          </p:cNvPicPr>
+          <p:nvPr/>
+        </p:nvPicPr>
+        <p:blipFill>
+          <a:blip r:embed="rId4">
+            <a:extLst>
+              <a:ext uri="{28A0092B-C50C-407E-A947-70E740481C1C}">
+                <a14:useLocalDpi xmlns:a14="http://schemas.microsoft.com/office/drawing/2010/main" val="0"/>
+              </a:ext>
+            </a:extLst>
+          </a:blip>
+          <a:srcRect/>
+          <a:stretch>
+            <a:fillRect/>
+          </a:stretch>
+        </p:blipFill>
+        <p:spPr bwMode="auto">
+          <a:xfrm>
+            <a:off x="8077433" y="3646165"/>
+            <a:ext cx="3962866" cy="2846710"/>
+          </a:xfrm>
+          <a:prstGeom prst="rect">
+            <a:avLst/>
+          </a:prstGeom>
+          <a:noFill/>
+          <a:extLst>
+            <a:ext uri="{909E8E84-426E-40DD-AFC4-6F175D3DCCD1}">
+              <a14:hiddenFill xmlns:a14="http://schemas.microsoft.com/office/drawing/2010/main">
+                <a:solidFill>
+                  <a:srgbClr val="FFFFFF"/>
+                </a:solidFill>
+              </a14:hiddenFill>
+            </a:ext>
+          </a:extLst>
+        </p:spPr>
+      </p:pic>
+    </p:spTree>
+    <p:extLst>
+      <p:ext uri="{BB962C8B-B14F-4D97-AF65-F5344CB8AC3E}">
+        <p14:creationId xmlns:p14="http://schemas.microsoft.com/office/powerpoint/2010/main" val="2768047055"/>
       </p:ext>
     </p:extLst>
   </p:cSld>

--- a/graphs/2c4q_Mutation_Graphs.pptx
+++ b/graphs/2c4q_Mutation_Graphs.pptx
@@ -268,7 +268,7 @@
           <a:p>
             <a:fld id="{49F24598-E0FC-E241-BAA2-BE1A2687DE9E}" type="datetimeFigureOut">
               <a:rPr lang="en-US" smtClean="0"/>
-              <a:t>6/24/24</a:t>
+              <a:t>6/25/24</a:t>
             </a:fld>
             <a:endParaRPr lang="en-US"/>
           </a:p>
@@ -466,7 +466,7 @@
           <a:p>
             <a:fld id="{49F24598-E0FC-E241-BAA2-BE1A2687DE9E}" type="datetimeFigureOut">
               <a:rPr lang="en-US" smtClean="0"/>
-              <a:t>6/24/24</a:t>
+              <a:t>6/25/24</a:t>
             </a:fld>
             <a:endParaRPr lang="en-US"/>
           </a:p>
@@ -674,7 +674,7 @@
           <a:p>
             <a:fld id="{49F24598-E0FC-E241-BAA2-BE1A2687DE9E}" type="datetimeFigureOut">
               <a:rPr lang="en-US" smtClean="0"/>
-              <a:t>6/24/24</a:t>
+              <a:t>6/25/24</a:t>
             </a:fld>
             <a:endParaRPr lang="en-US"/>
           </a:p>
@@ -872,7 +872,7 @@
           <a:p>
             <a:fld id="{49F24598-E0FC-E241-BAA2-BE1A2687DE9E}" type="datetimeFigureOut">
               <a:rPr lang="en-US" smtClean="0"/>
-              <a:t>6/24/24</a:t>
+              <a:t>6/25/24</a:t>
             </a:fld>
             <a:endParaRPr lang="en-US"/>
           </a:p>
@@ -1147,7 +1147,7 @@
           <a:p>
             <a:fld id="{49F24598-E0FC-E241-BAA2-BE1A2687DE9E}" type="datetimeFigureOut">
               <a:rPr lang="en-US" smtClean="0"/>
-              <a:t>6/24/24</a:t>
+              <a:t>6/25/24</a:t>
             </a:fld>
             <a:endParaRPr lang="en-US"/>
           </a:p>
@@ -1412,7 +1412,7 @@
           <a:p>
             <a:fld id="{49F24598-E0FC-E241-BAA2-BE1A2687DE9E}" type="datetimeFigureOut">
               <a:rPr lang="en-US" smtClean="0"/>
-              <a:t>6/24/24</a:t>
+              <a:t>6/25/24</a:t>
             </a:fld>
             <a:endParaRPr lang="en-US"/>
           </a:p>
@@ -1824,7 +1824,7 @@
           <a:p>
             <a:fld id="{49F24598-E0FC-E241-BAA2-BE1A2687DE9E}" type="datetimeFigureOut">
               <a:rPr lang="en-US" smtClean="0"/>
-              <a:t>6/24/24</a:t>
+              <a:t>6/25/24</a:t>
             </a:fld>
             <a:endParaRPr lang="en-US"/>
           </a:p>
@@ -1965,7 +1965,7 @@
           <a:p>
             <a:fld id="{49F24598-E0FC-E241-BAA2-BE1A2687DE9E}" type="datetimeFigureOut">
               <a:rPr lang="en-US" smtClean="0"/>
-              <a:t>6/24/24</a:t>
+              <a:t>6/25/24</a:t>
             </a:fld>
             <a:endParaRPr lang="en-US"/>
           </a:p>
@@ -2078,7 +2078,7 @@
           <a:p>
             <a:fld id="{49F24598-E0FC-E241-BAA2-BE1A2687DE9E}" type="datetimeFigureOut">
               <a:rPr lang="en-US" smtClean="0"/>
-              <a:t>6/24/24</a:t>
+              <a:t>6/25/24</a:t>
             </a:fld>
             <a:endParaRPr lang="en-US"/>
           </a:p>
@@ -2389,7 +2389,7 @@
           <a:p>
             <a:fld id="{49F24598-E0FC-E241-BAA2-BE1A2687DE9E}" type="datetimeFigureOut">
               <a:rPr lang="en-US" smtClean="0"/>
-              <a:t>6/24/24</a:t>
+              <a:t>6/25/24</a:t>
             </a:fld>
             <a:endParaRPr lang="en-US"/>
           </a:p>
@@ -2677,7 +2677,7 @@
           <a:p>
             <a:fld id="{49F24598-E0FC-E241-BAA2-BE1A2687DE9E}" type="datetimeFigureOut">
               <a:rPr lang="en-US" smtClean="0"/>
-              <a:t>6/24/24</a:t>
+              <a:t>6/25/24</a:t>
             </a:fld>
             <a:endParaRPr lang="en-US"/>
           </a:p>
@@ -2918,7 +2918,7 @@
           <a:p>
             <a:fld id="{49F24598-E0FC-E241-BAA2-BE1A2687DE9E}" type="datetimeFigureOut">
               <a:rPr lang="en-US" smtClean="0"/>
-              <a:t>6/24/24</a:t>
+              <a:t>6/25/24</a:t>
             </a:fld>
             <a:endParaRPr lang="en-US"/>
           </a:p>
@@ -3402,7 +3402,7 @@
 </file>
 
 <file path=ppt/slides/slide10.xml><?xml version="1.0" encoding="utf-8"?>
-<p:sld xmlns:a="http://schemas.openxmlformats.org/drawingml/2006/main" xmlns:r="http://schemas.openxmlformats.org/officeDocument/2006/relationships" xmlns:p="http://schemas.openxmlformats.org/presentationml/2006/main">
+<p:sld xmlns:a="http://schemas.openxmlformats.org/drawingml/2006/main" xmlns:r="http://schemas.openxmlformats.org/officeDocument/2006/relationships" xmlns:p="http://schemas.openxmlformats.org/presentationml/2006/main" show="0">
   <p:cSld>
     <p:spTree>
       <p:nvGrpSpPr>
@@ -5115,29 +5115,29 @@
           <a:p>
             <a:r>
               <a:rPr lang="en-US" dirty="0"/>
-              <a:t>Pearson rank correlation coefficient: -0.010 </a:t>
+              <a:t>Pearson rank correlation coefficient: -0.169 </a:t>
             </a:r>
           </a:p>
           <a:p>
             <a:r>
               <a:rPr lang="en-US" dirty="0"/>
-              <a:t>Spearman rank correlation coefficient: 0.009 </a:t>
+              <a:t>Spearman rank correlation coefficient: 0.070 </a:t>
             </a:r>
           </a:p>
           <a:p>
             <a:r>
               <a:rPr lang="en-US" dirty="0"/>
-              <a:t>Coefficient of Determination (R^2): 0.000</a:t>
+              <a:t>Coefficient of Determination (R^2): 0.029</a:t>
             </a:r>
           </a:p>
         </p:txBody>
       </p:sp>
       <p:pic>
         <p:nvPicPr>
-          <p:cNvPr id="3" name="Picture 2">
-            <a:extLst>
-              <a:ext uri="{FF2B5EF4-FFF2-40B4-BE49-F238E27FC236}">
-                <a16:creationId xmlns:a16="http://schemas.microsoft.com/office/drawing/2014/main" id="{E6638320-5907-327A-936E-CDF456A72F8A}"/>
+          <p:cNvPr id="1026" name="Picture 2">
+            <a:extLst>
+              <a:ext uri="{FF2B5EF4-FFF2-40B4-BE49-F238E27FC236}">
+                <a16:creationId xmlns:a16="http://schemas.microsoft.com/office/drawing/2014/main" id="{BEB43E5E-2B51-59E8-61BC-83792B770DCB}"/>
               </a:ext>
             </a:extLst>
           </p:cNvPr>
@@ -5161,8 +5161,8 @@
         </p:blipFill>
         <p:spPr bwMode="auto">
           <a:xfrm>
-            <a:off x="152399" y="3697379"/>
-            <a:ext cx="3781223" cy="2716227"/>
+            <a:off x="297780" y="3465846"/>
+            <a:ext cx="3768894" cy="2666037"/>
           </a:xfrm>
           <a:prstGeom prst="rect">
             <a:avLst/>
@@ -5181,10 +5181,10 @@
       </p:pic>
       <p:pic>
         <p:nvPicPr>
-          <p:cNvPr id="5" name="Picture 4">
-            <a:extLst>
-              <a:ext uri="{FF2B5EF4-FFF2-40B4-BE49-F238E27FC236}">
-                <a16:creationId xmlns:a16="http://schemas.microsoft.com/office/drawing/2014/main" id="{6F1BB38A-5081-AFD8-8463-4BD6D3793263}"/>
+          <p:cNvPr id="1028" name="Picture 4">
+            <a:extLst>
+              <a:ext uri="{FF2B5EF4-FFF2-40B4-BE49-F238E27FC236}">
+                <a16:creationId xmlns:a16="http://schemas.microsoft.com/office/drawing/2014/main" id="{EA69EC90-AF83-E094-4F5C-5A14B6502DE7}"/>
               </a:ext>
             </a:extLst>
           </p:cNvPr>
@@ -5208,8 +5208,8 @@
         </p:blipFill>
         <p:spPr bwMode="auto">
           <a:xfrm>
-            <a:off x="4205388" y="3697380"/>
-            <a:ext cx="3781223" cy="2716227"/>
+            <a:off x="4325208" y="3465846"/>
+            <a:ext cx="3768894" cy="2666037"/>
           </a:xfrm>
           <a:prstGeom prst="rect">
             <a:avLst/>
@@ -5228,10 +5228,10 @@
       </p:pic>
       <p:pic>
         <p:nvPicPr>
-          <p:cNvPr id="6" name="Picture 6">
-            <a:extLst>
-              <a:ext uri="{FF2B5EF4-FFF2-40B4-BE49-F238E27FC236}">
-                <a16:creationId xmlns:a16="http://schemas.microsoft.com/office/drawing/2014/main" id="{4FF4D366-F595-0D2E-9F74-BF3AB4FF9A70}"/>
+          <p:cNvPr id="1030" name="Picture 6">
+            <a:extLst>
+              <a:ext uri="{FF2B5EF4-FFF2-40B4-BE49-F238E27FC236}">
+                <a16:creationId xmlns:a16="http://schemas.microsoft.com/office/drawing/2014/main" id="{A5136943-B8EF-53E6-19C8-3FB7EE04F81D}"/>
               </a:ext>
             </a:extLst>
           </p:cNvPr>
@@ -5255,8 +5255,8 @@
         </p:blipFill>
         <p:spPr bwMode="auto">
           <a:xfrm>
-            <a:off x="8258377" y="3697379"/>
-            <a:ext cx="3781223" cy="2716227"/>
+            <a:off x="8125326" y="3465845"/>
+            <a:ext cx="3768894" cy="2666037"/>
           </a:xfrm>
           <a:prstGeom prst="rect">
             <a:avLst/>
@@ -5287,7 +5287,7 @@
 </file>
 
 <file path=ppt/slides/slide9.xml><?xml version="1.0" encoding="utf-8"?>
-<p:sld xmlns:a="http://schemas.openxmlformats.org/drawingml/2006/main" xmlns:r="http://schemas.openxmlformats.org/officeDocument/2006/relationships" xmlns:p="http://schemas.openxmlformats.org/presentationml/2006/main">
+<p:sld xmlns:a="http://schemas.openxmlformats.org/drawingml/2006/main" xmlns:r="http://schemas.openxmlformats.org/officeDocument/2006/relationships" xmlns:p="http://schemas.openxmlformats.org/presentationml/2006/main" show="0">
   <p:cSld>
     <p:spTree>
       <p:nvGrpSpPr>

--- a/graphs/2c4q_Mutation_Graphs.pptx
+++ b/graphs/2c4q_Mutation_Graphs.pptx
@@ -4,6 +4,9 @@
   <p:sldMasterIdLst>
     <p:sldMasterId id="2147483648" r:id="rId1"/>
   </p:sldMasterIdLst>
+  <p:notesMasterIdLst>
+    <p:notesMasterId r:id="rId13"/>
+  </p:notesMasterIdLst>
   <p:sldIdLst>
     <p:sldId id="256" r:id="rId2"/>
     <p:sldId id="281" r:id="rId3"/>
@@ -13,8 +16,9 @@
     <p:sldId id="284" r:id="rId7"/>
     <p:sldId id="287" r:id="rId8"/>
     <p:sldId id="286" r:id="rId9"/>
-    <p:sldId id="288" r:id="rId10"/>
-    <p:sldId id="289" r:id="rId11"/>
+    <p:sldId id="290" r:id="rId10"/>
+    <p:sldId id="288" r:id="rId11"/>
+    <p:sldId id="289" r:id="rId12"/>
   </p:sldIdLst>
   <p:sldSz cx="12192000" cy="6858000"/>
   <p:notesSz cx="6858000" cy="9144000"/>
@@ -121,6 +125,691 @@
 </p:presentation>
 </file>
 
+<file path=ppt/notesMasters/notesMaster1.xml><?xml version="1.0" encoding="utf-8"?>
+<p:notesMaster xmlns:a="http://schemas.openxmlformats.org/drawingml/2006/main" xmlns:r="http://schemas.openxmlformats.org/officeDocument/2006/relationships" xmlns:p="http://schemas.openxmlformats.org/presentationml/2006/main">
+  <p:cSld>
+    <p:bg>
+      <p:bgRef idx="1001">
+        <a:schemeClr val="bg1"/>
+      </p:bgRef>
+    </p:bg>
+    <p:spTree>
+      <p:nvGrpSpPr>
+        <p:cNvPr id="1" name=""/>
+        <p:cNvGrpSpPr/>
+        <p:nvPr/>
+      </p:nvGrpSpPr>
+      <p:grpSpPr>
+        <a:xfrm>
+          <a:off x="0" y="0"/>
+          <a:ext cx="0" cy="0"/>
+          <a:chOff x="0" y="0"/>
+          <a:chExt cx="0" cy="0"/>
+        </a:xfrm>
+      </p:grpSpPr>
+      <p:sp>
+        <p:nvSpPr>
+          <p:cNvPr id="2" name="Header Placeholder 1"/>
+          <p:cNvSpPr>
+            <a:spLocks noGrp="1"/>
+          </p:cNvSpPr>
+          <p:nvPr>
+            <p:ph type="hdr" sz="quarter"/>
+          </p:nvPr>
+        </p:nvSpPr>
+        <p:spPr>
+          <a:xfrm>
+            <a:off x="0" y="0"/>
+            <a:ext cx="2971800" cy="458788"/>
+          </a:xfrm>
+          <a:prstGeom prst="rect">
+            <a:avLst/>
+          </a:prstGeom>
+        </p:spPr>
+        <p:txBody>
+          <a:bodyPr vert="horz" lIns="91440" tIns="45720" rIns="91440" bIns="45720" rtlCol="0"/>
+          <a:lstStyle>
+            <a:lvl1pPr algn="l">
+              <a:defRPr sz="1200"/>
+            </a:lvl1pPr>
+          </a:lstStyle>
+          <a:p>
+            <a:endParaRPr lang="en-US"/>
+          </a:p>
+        </p:txBody>
+      </p:sp>
+      <p:sp>
+        <p:nvSpPr>
+          <p:cNvPr id="3" name="Date Placeholder 2"/>
+          <p:cNvSpPr>
+            <a:spLocks noGrp="1"/>
+          </p:cNvSpPr>
+          <p:nvPr>
+            <p:ph type="dt" idx="1"/>
+          </p:nvPr>
+        </p:nvSpPr>
+        <p:spPr>
+          <a:xfrm>
+            <a:off x="3884613" y="0"/>
+            <a:ext cx="2971800" cy="458788"/>
+          </a:xfrm>
+          <a:prstGeom prst="rect">
+            <a:avLst/>
+          </a:prstGeom>
+        </p:spPr>
+        <p:txBody>
+          <a:bodyPr vert="horz" lIns="91440" tIns="45720" rIns="91440" bIns="45720" rtlCol="0"/>
+          <a:lstStyle>
+            <a:lvl1pPr algn="r">
+              <a:defRPr sz="1200"/>
+            </a:lvl1pPr>
+          </a:lstStyle>
+          <a:p>
+            <a:fld id="{7623281A-8D51-F24D-A44D-801F90768EA0}" type="datetimeFigureOut">
+              <a:rPr lang="en-US" smtClean="0"/>
+              <a:t>7/9/24</a:t>
+            </a:fld>
+            <a:endParaRPr lang="en-US"/>
+          </a:p>
+        </p:txBody>
+      </p:sp>
+      <p:sp>
+        <p:nvSpPr>
+          <p:cNvPr id="4" name="Slide Image Placeholder 3"/>
+          <p:cNvSpPr>
+            <a:spLocks noGrp="1" noRot="1" noChangeAspect="1"/>
+          </p:cNvSpPr>
+          <p:nvPr>
+            <p:ph type="sldImg" idx="2"/>
+          </p:nvPr>
+        </p:nvSpPr>
+        <p:spPr>
+          <a:xfrm>
+            <a:off x="685800" y="1143000"/>
+            <a:ext cx="5486400" cy="3086100"/>
+          </a:xfrm>
+          <a:prstGeom prst="rect">
+            <a:avLst/>
+          </a:prstGeom>
+          <a:noFill/>
+          <a:ln w="12700">
+            <a:solidFill>
+              <a:prstClr val="black"/>
+            </a:solidFill>
+          </a:ln>
+        </p:spPr>
+        <p:txBody>
+          <a:bodyPr vert="horz" lIns="91440" tIns="45720" rIns="91440" bIns="45720" rtlCol="0" anchor="ctr"/>
+          <a:lstStyle/>
+          <a:p>
+            <a:endParaRPr lang="en-US"/>
+          </a:p>
+        </p:txBody>
+      </p:sp>
+      <p:sp>
+        <p:nvSpPr>
+          <p:cNvPr id="5" name="Notes Placeholder 4"/>
+          <p:cNvSpPr>
+            <a:spLocks noGrp="1"/>
+          </p:cNvSpPr>
+          <p:nvPr>
+            <p:ph type="body" sz="quarter" idx="3"/>
+          </p:nvPr>
+        </p:nvSpPr>
+        <p:spPr>
+          <a:xfrm>
+            <a:off x="685800" y="4400550"/>
+            <a:ext cx="5486400" cy="3600450"/>
+          </a:xfrm>
+          <a:prstGeom prst="rect">
+            <a:avLst/>
+          </a:prstGeom>
+        </p:spPr>
+        <p:txBody>
+          <a:bodyPr vert="horz" lIns="91440" tIns="45720" rIns="91440" bIns="45720" rtlCol="0"/>
+          <a:lstStyle/>
+          <a:p>
+            <a:pPr lvl="0"/>
+            <a:r>
+              <a:rPr lang="en-US"/>
+              <a:t>Click to edit Master text styles</a:t>
+            </a:r>
+          </a:p>
+          <a:p>
+            <a:pPr lvl="1"/>
+            <a:r>
+              <a:rPr lang="en-US"/>
+              <a:t>Second level</a:t>
+            </a:r>
+          </a:p>
+          <a:p>
+            <a:pPr lvl="2"/>
+            <a:r>
+              <a:rPr lang="en-US"/>
+              <a:t>Third level</a:t>
+            </a:r>
+          </a:p>
+          <a:p>
+            <a:pPr lvl="3"/>
+            <a:r>
+              <a:rPr lang="en-US"/>
+              <a:t>Fourth level</a:t>
+            </a:r>
+          </a:p>
+          <a:p>
+            <a:pPr lvl="4"/>
+            <a:r>
+              <a:rPr lang="en-US"/>
+              <a:t>Fifth level</a:t>
+            </a:r>
+          </a:p>
+        </p:txBody>
+      </p:sp>
+      <p:sp>
+        <p:nvSpPr>
+          <p:cNvPr id="6" name="Footer Placeholder 5"/>
+          <p:cNvSpPr>
+            <a:spLocks noGrp="1"/>
+          </p:cNvSpPr>
+          <p:nvPr>
+            <p:ph type="ftr" sz="quarter" idx="4"/>
+          </p:nvPr>
+        </p:nvSpPr>
+        <p:spPr>
+          <a:xfrm>
+            <a:off x="0" y="8685213"/>
+            <a:ext cx="2971800" cy="458787"/>
+          </a:xfrm>
+          <a:prstGeom prst="rect">
+            <a:avLst/>
+          </a:prstGeom>
+        </p:spPr>
+        <p:txBody>
+          <a:bodyPr vert="horz" lIns="91440" tIns="45720" rIns="91440" bIns="45720" rtlCol="0" anchor="b"/>
+          <a:lstStyle>
+            <a:lvl1pPr algn="l">
+              <a:defRPr sz="1200"/>
+            </a:lvl1pPr>
+          </a:lstStyle>
+          <a:p>
+            <a:endParaRPr lang="en-US"/>
+          </a:p>
+        </p:txBody>
+      </p:sp>
+      <p:sp>
+        <p:nvSpPr>
+          <p:cNvPr id="7" name="Slide Number Placeholder 6"/>
+          <p:cNvSpPr>
+            <a:spLocks noGrp="1"/>
+          </p:cNvSpPr>
+          <p:nvPr>
+            <p:ph type="sldNum" sz="quarter" idx="5"/>
+          </p:nvPr>
+        </p:nvSpPr>
+        <p:spPr>
+          <a:xfrm>
+            <a:off x="3884613" y="8685213"/>
+            <a:ext cx="2971800" cy="458787"/>
+          </a:xfrm>
+          <a:prstGeom prst="rect">
+            <a:avLst/>
+          </a:prstGeom>
+        </p:spPr>
+        <p:txBody>
+          <a:bodyPr vert="horz" lIns="91440" tIns="45720" rIns="91440" bIns="45720" rtlCol="0" anchor="b"/>
+          <a:lstStyle>
+            <a:lvl1pPr algn="r">
+              <a:defRPr sz="1200"/>
+            </a:lvl1pPr>
+          </a:lstStyle>
+          <a:p>
+            <a:fld id="{8E56A5B0-A2AA-0E4F-BF3A-A5C158D54A12}" type="slidenum">
+              <a:rPr lang="en-US" smtClean="0"/>
+              <a:t>‹#›</a:t>
+            </a:fld>
+            <a:endParaRPr lang="en-US"/>
+          </a:p>
+        </p:txBody>
+      </p:sp>
+    </p:spTree>
+    <p:extLst>
+      <p:ext uri="{BB962C8B-B14F-4D97-AF65-F5344CB8AC3E}">
+        <p14:creationId xmlns:p14="http://schemas.microsoft.com/office/powerpoint/2010/main" val="1241443361"/>
+      </p:ext>
+    </p:extLst>
+  </p:cSld>
+  <p:clrMap bg1="lt1" tx1="dk1" bg2="lt2" tx2="dk2" accent1="accent1" accent2="accent2" accent3="accent3" accent4="accent4" accent5="accent5" accent6="accent6" hlink="hlink" folHlink="folHlink"/>
+  <p:notesStyle>
+    <a:lvl1pPr marL="0" algn="l" defTabSz="914400" rtl="0" eaLnBrk="1" latinLnBrk="0" hangingPunct="1">
+      <a:defRPr sz="1200" kern="1200">
+        <a:solidFill>
+          <a:schemeClr val="tx1"/>
+        </a:solidFill>
+        <a:latin typeface="+mn-lt"/>
+        <a:ea typeface="+mn-ea"/>
+        <a:cs typeface="+mn-cs"/>
+      </a:defRPr>
+    </a:lvl1pPr>
+    <a:lvl2pPr marL="457200" algn="l" defTabSz="914400" rtl="0" eaLnBrk="1" latinLnBrk="0" hangingPunct="1">
+      <a:defRPr sz="1200" kern="1200">
+        <a:solidFill>
+          <a:schemeClr val="tx1"/>
+        </a:solidFill>
+        <a:latin typeface="+mn-lt"/>
+        <a:ea typeface="+mn-ea"/>
+        <a:cs typeface="+mn-cs"/>
+      </a:defRPr>
+    </a:lvl2pPr>
+    <a:lvl3pPr marL="914400" algn="l" defTabSz="914400" rtl="0" eaLnBrk="1" latinLnBrk="0" hangingPunct="1">
+      <a:defRPr sz="1200" kern="1200">
+        <a:solidFill>
+          <a:schemeClr val="tx1"/>
+        </a:solidFill>
+        <a:latin typeface="+mn-lt"/>
+        <a:ea typeface="+mn-ea"/>
+        <a:cs typeface="+mn-cs"/>
+      </a:defRPr>
+    </a:lvl3pPr>
+    <a:lvl4pPr marL="1371600" algn="l" defTabSz="914400" rtl="0" eaLnBrk="1" latinLnBrk="0" hangingPunct="1">
+      <a:defRPr sz="1200" kern="1200">
+        <a:solidFill>
+          <a:schemeClr val="tx1"/>
+        </a:solidFill>
+        <a:latin typeface="+mn-lt"/>
+        <a:ea typeface="+mn-ea"/>
+        <a:cs typeface="+mn-cs"/>
+      </a:defRPr>
+    </a:lvl4pPr>
+    <a:lvl5pPr marL="1828800" algn="l" defTabSz="914400" rtl="0" eaLnBrk="1" latinLnBrk="0" hangingPunct="1">
+      <a:defRPr sz="1200" kern="1200">
+        <a:solidFill>
+          <a:schemeClr val="tx1"/>
+        </a:solidFill>
+        <a:latin typeface="+mn-lt"/>
+        <a:ea typeface="+mn-ea"/>
+        <a:cs typeface="+mn-cs"/>
+      </a:defRPr>
+    </a:lvl5pPr>
+    <a:lvl6pPr marL="2286000" algn="l" defTabSz="914400" rtl="0" eaLnBrk="1" latinLnBrk="0" hangingPunct="1">
+      <a:defRPr sz="1200" kern="1200">
+        <a:solidFill>
+          <a:schemeClr val="tx1"/>
+        </a:solidFill>
+        <a:latin typeface="+mn-lt"/>
+        <a:ea typeface="+mn-ea"/>
+        <a:cs typeface="+mn-cs"/>
+      </a:defRPr>
+    </a:lvl6pPr>
+    <a:lvl7pPr marL="2743200" algn="l" defTabSz="914400" rtl="0" eaLnBrk="1" latinLnBrk="0" hangingPunct="1">
+      <a:defRPr sz="1200" kern="1200">
+        <a:solidFill>
+          <a:schemeClr val="tx1"/>
+        </a:solidFill>
+        <a:latin typeface="+mn-lt"/>
+        <a:ea typeface="+mn-ea"/>
+        <a:cs typeface="+mn-cs"/>
+      </a:defRPr>
+    </a:lvl7pPr>
+    <a:lvl8pPr marL="3200400" algn="l" defTabSz="914400" rtl="0" eaLnBrk="1" latinLnBrk="0" hangingPunct="1">
+      <a:defRPr sz="1200" kern="1200">
+        <a:solidFill>
+          <a:schemeClr val="tx1"/>
+        </a:solidFill>
+        <a:latin typeface="+mn-lt"/>
+        <a:ea typeface="+mn-ea"/>
+        <a:cs typeface="+mn-cs"/>
+      </a:defRPr>
+    </a:lvl8pPr>
+    <a:lvl9pPr marL="3657600" algn="l" defTabSz="914400" rtl="0" eaLnBrk="1" latinLnBrk="0" hangingPunct="1">
+      <a:defRPr sz="1200" kern="1200">
+        <a:solidFill>
+          <a:schemeClr val="tx1"/>
+        </a:solidFill>
+        <a:latin typeface="+mn-lt"/>
+        <a:ea typeface="+mn-ea"/>
+        <a:cs typeface="+mn-cs"/>
+      </a:defRPr>
+    </a:lvl9pPr>
+  </p:notesStyle>
+</p:notesMaster>
+</file>
+
+<file path=ppt/notesSlides/notesSlide1.xml><?xml version="1.0" encoding="utf-8"?>
+<p:notes xmlns:a="http://schemas.openxmlformats.org/drawingml/2006/main" xmlns:r="http://schemas.openxmlformats.org/officeDocument/2006/relationships" xmlns:p="http://schemas.openxmlformats.org/presentationml/2006/main">
+  <p:cSld>
+    <p:spTree>
+      <p:nvGrpSpPr>
+        <p:cNvPr id="1" name=""/>
+        <p:cNvGrpSpPr/>
+        <p:nvPr/>
+      </p:nvGrpSpPr>
+      <p:grpSpPr>
+        <a:xfrm>
+          <a:off x="0" y="0"/>
+          <a:ext cx="0" cy="0"/>
+          <a:chOff x="0" y="0"/>
+          <a:chExt cx="0" cy="0"/>
+        </a:xfrm>
+      </p:grpSpPr>
+      <p:sp>
+        <p:nvSpPr>
+          <p:cNvPr id="2" name="Slide Image Placeholder 1"/>
+          <p:cNvSpPr>
+            <a:spLocks noGrp="1" noRot="1" noChangeAspect="1"/>
+          </p:cNvSpPr>
+          <p:nvPr>
+            <p:ph type="sldImg"/>
+          </p:nvPr>
+        </p:nvSpPr>
+        <p:spPr/>
+      </p:sp>
+      <p:sp>
+        <p:nvSpPr>
+          <p:cNvPr id="3" name="Notes Placeholder 2"/>
+          <p:cNvSpPr>
+            <a:spLocks noGrp="1"/>
+          </p:cNvSpPr>
+          <p:nvPr>
+            <p:ph type="body" idx="1"/>
+          </p:nvPr>
+        </p:nvSpPr>
+        <p:spPr/>
+        <p:txBody>
+          <a:bodyPr/>
+          <a:lstStyle/>
+          <a:p>
+            <a:endParaRPr lang="en-US" dirty="0"/>
+          </a:p>
+        </p:txBody>
+      </p:sp>
+      <p:sp>
+        <p:nvSpPr>
+          <p:cNvPr id="4" name="Slide Number Placeholder 3"/>
+          <p:cNvSpPr>
+            <a:spLocks noGrp="1"/>
+          </p:cNvSpPr>
+          <p:nvPr>
+            <p:ph type="sldNum" sz="quarter" idx="5"/>
+          </p:nvPr>
+        </p:nvSpPr>
+        <p:spPr/>
+        <p:txBody>
+          <a:bodyPr/>
+          <a:lstStyle/>
+          <a:p>
+            <a:fld id="{8E56A5B0-A2AA-0E4F-BF3A-A5C158D54A12}" type="slidenum">
+              <a:rPr lang="en-US" smtClean="0"/>
+              <a:t>2</a:t>
+            </a:fld>
+            <a:endParaRPr lang="en-US"/>
+          </a:p>
+        </p:txBody>
+      </p:sp>
+    </p:spTree>
+    <p:extLst>
+      <p:ext uri="{BB962C8B-B14F-4D97-AF65-F5344CB8AC3E}">
+        <p14:creationId xmlns:p14="http://schemas.microsoft.com/office/powerpoint/2010/main" val="1937648843"/>
+      </p:ext>
+    </p:extLst>
+  </p:cSld>
+  <p:clrMapOvr>
+    <a:masterClrMapping/>
+  </p:clrMapOvr>
+</p:notes>
+</file>
+
+<file path=ppt/notesSlides/notesSlide2.xml><?xml version="1.0" encoding="utf-8"?>
+<p:notes xmlns:a="http://schemas.openxmlformats.org/drawingml/2006/main" xmlns:r="http://schemas.openxmlformats.org/officeDocument/2006/relationships" xmlns:p="http://schemas.openxmlformats.org/presentationml/2006/main">
+  <p:cSld>
+    <p:spTree>
+      <p:nvGrpSpPr>
+        <p:cNvPr id="1" name=""/>
+        <p:cNvGrpSpPr/>
+        <p:nvPr/>
+      </p:nvGrpSpPr>
+      <p:grpSpPr>
+        <a:xfrm>
+          <a:off x="0" y="0"/>
+          <a:ext cx="0" cy="0"/>
+          <a:chOff x="0" y="0"/>
+          <a:chExt cx="0" cy="0"/>
+        </a:xfrm>
+      </p:grpSpPr>
+      <p:sp>
+        <p:nvSpPr>
+          <p:cNvPr id="2" name="Slide Image Placeholder 1"/>
+          <p:cNvSpPr>
+            <a:spLocks noGrp="1" noRot="1" noChangeAspect="1"/>
+          </p:cNvSpPr>
+          <p:nvPr>
+            <p:ph type="sldImg"/>
+          </p:nvPr>
+        </p:nvSpPr>
+        <p:spPr/>
+      </p:sp>
+      <p:sp>
+        <p:nvSpPr>
+          <p:cNvPr id="3" name="Notes Placeholder 2"/>
+          <p:cNvSpPr>
+            <a:spLocks noGrp="1"/>
+          </p:cNvSpPr>
+          <p:nvPr>
+            <p:ph type="body" idx="1"/>
+          </p:nvPr>
+        </p:nvSpPr>
+        <p:spPr/>
+        <p:txBody>
+          <a:bodyPr/>
+          <a:lstStyle/>
+          <a:p>
+            <a:endParaRPr lang="en-US" dirty="0"/>
+          </a:p>
+        </p:txBody>
+      </p:sp>
+      <p:sp>
+        <p:nvSpPr>
+          <p:cNvPr id="4" name="Slide Number Placeholder 3"/>
+          <p:cNvSpPr>
+            <a:spLocks noGrp="1"/>
+          </p:cNvSpPr>
+          <p:nvPr>
+            <p:ph type="sldNum" sz="quarter" idx="5"/>
+          </p:nvPr>
+        </p:nvSpPr>
+        <p:spPr/>
+        <p:txBody>
+          <a:bodyPr/>
+          <a:lstStyle/>
+          <a:p>
+            <a:fld id="{8E56A5B0-A2AA-0E4F-BF3A-A5C158D54A12}" type="slidenum">
+              <a:rPr lang="en-US" smtClean="0"/>
+              <a:t>7</a:t>
+            </a:fld>
+            <a:endParaRPr lang="en-US"/>
+          </a:p>
+        </p:txBody>
+      </p:sp>
+    </p:spTree>
+    <p:extLst>
+      <p:ext uri="{BB962C8B-B14F-4D97-AF65-F5344CB8AC3E}">
+        <p14:creationId xmlns:p14="http://schemas.microsoft.com/office/powerpoint/2010/main" val="3336729869"/>
+      </p:ext>
+    </p:extLst>
+  </p:cSld>
+  <p:clrMapOvr>
+    <a:masterClrMapping/>
+  </p:clrMapOvr>
+</p:notes>
+</file>
+
+<file path=ppt/notesSlides/notesSlide3.xml><?xml version="1.0" encoding="utf-8"?>
+<p:notes xmlns:a="http://schemas.openxmlformats.org/drawingml/2006/main" xmlns:r="http://schemas.openxmlformats.org/officeDocument/2006/relationships" xmlns:p="http://schemas.openxmlformats.org/presentationml/2006/main">
+  <p:cSld>
+    <p:spTree>
+      <p:nvGrpSpPr>
+        <p:cNvPr id="1" name=""/>
+        <p:cNvGrpSpPr/>
+        <p:nvPr/>
+      </p:nvGrpSpPr>
+      <p:grpSpPr>
+        <a:xfrm>
+          <a:off x="0" y="0"/>
+          <a:ext cx="0" cy="0"/>
+          <a:chOff x="0" y="0"/>
+          <a:chExt cx="0" cy="0"/>
+        </a:xfrm>
+      </p:grpSpPr>
+      <p:sp>
+        <p:nvSpPr>
+          <p:cNvPr id="2" name="Slide Image Placeholder 1"/>
+          <p:cNvSpPr>
+            <a:spLocks noGrp="1" noRot="1" noChangeAspect="1"/>
+          </p:cNvSpPr>
+          <p:nvPr>
+            <p:ph type="sldImg"/>
+          </p:nvPr>
+        </p:nvSpPr>
+        <p:spPr/>
+      </p:sp>
+      <p:sp>
+        <p:nvSpPr>
+          <p:cNvPr id="3" name="Notes Placeholder 2"/>
+          <p:cNvSpPr>
+            <a:spLocks noGrp="1"/>
+          </p:cNvSpPr>
+          <p:nvPr>
+            <p:ph type="body" idx="1"/>
+          </p:nvPr>
+        </p:nvSpPr>
+        <p:spPr/>
+        <p:txBody>
+          <a:bodyPr/>
+          <a:lstStyle/>
+          <a:p>
+            <a:endParaRPr lang="en-US" dirty="0"/>
+          </a:p>
+        </p:txBody>
+      </p:sp>
+      <p:sp>
+        <p:nvSpPr>
+          <p:cNvPr id="4" name="Slide Number Placeholder 3"/>
+          <p:cNvSpPr>
+            <a:spLocks noGrp="1"/>
+          </p:cNvSpPr>
+          <p:nvPr>
+            <p:ph type="sldNum" sz="quarter" idx="5"/>
+          </p:nvPr>
+        </p:nvSpPr>
+        <p:spPr/>
+        <p:txBody>
+          <a:bodyPr/>
+          <a:lstStyle/>
+          <a:p>
+            <a:fld id="{8E56A5B0-A2AA-0E4F-BF3A-A5C158D54A12}" type="slidenum">
+              <a:rPr lang="en-US" smtClean="0"/>
+              <a:t>8</a:t>
+            </a:fld>
+            <a:endParaRPr lang="en-US"/>
+          </a:p>
+        </p:txBody>
+      </p:sp>
+    </p:spTree>
+    <p:extLst>
+      <p:ext uri="{BB962C8B-B14F-4D97-AF65-F5344CB8AC3E}">
+        <p14:creationId xmlns:p14="http://schemas.microsoft.com/office/powerpoint/2010/main" val="3496867191"/>
+      </p:ext>
+    </p:extLst>
+  </p:cSld>
+  <p:clrMapOvr>
+    <a:masterClrMapping/>
+  </p:clrMapOvr>
+</p:notes>
+</file>
+
+<file path=ppt/notesSlides/notesSlide4.xml><?xml version="1.0" encoding="utf-8"?>
+<p:notes xmlns:a="http://schemas.openxmlformats.org/drawingml/2006/main" xmlns:r="http://schemas.openxmlformats.org/officeDocument/2006/relationships" xmlns:p="http://schemas.openxmlformats.org/presentationml/2006/main">
+  <p:cSld>
+    <p:spTree>
+      <p:nvGrpSpPr>
+        <p:cNvPr id="1" name=""/>
+        <p:cNvGrpSpPr/>
+        <p:nvPr/>
+      </p:nvGrpSpPr>
+      <p:grpSpPr>
+        <a:xfrm>
+          <a:off x="0" y="0"/>
+          <a:ext cx="0" cy="0"/>
+          <a:chOff x="0" y="0"/>
+          <a:chExt cx="0" cy="0"/>
+        </a:xfrm>
+      </p:grpSpPr>
+      <p:sp>
+        <p:nvSpPr>
+          <p:cNvPr id="2" name="Slide Image Placeholder 1"/>
+          <p:cNvSpPr>
+            <a:spLocks noGrp="1" noRot="1" noChangeAspect="1"/>
+          </p:cNvSpPr>
+          <p:nvPr>
+            <p:ph type="sldImg"/>
+          </p:nvPr>
+        </p:nvSpPr>
+        <p:spPr/>
+      </p:sp>
+      <p:sp>
+        <p:nvSpPr>
+          <p:cNvPr id="3" name="Notes Placeholder 2"/>
+          <p:cNvSpPr>
+            <a:spLocks noGrp="1"/>
+          </p:cNvSpPr>
+          <p:nvPr>
+            <p:ph type="body" idx="1"/>
+          </p:nvPr>
+        </p:nvSpPr>
+        <p:spPr/>
+        <p:txBody>
+          <a:bodyPr/>
+          <a:lstStyle/>
+          <a:p>
+            <a:endParaRPr lang="en-US" dirty="0"/>
+          </a:p>
+        </p:txBody>
+      </p:sp>
+      <p:sp>
+        <p:nvSpPr>
+          <p:cNvPr id="4" name="Slide Number Placeholder 3"/>
+          <p:cNvSpPr>
+            <a:spLocks noGrp="1"/>
+          </p:cNvSpPr>
+          <p:nvPr>
+            <p:ph type="sldNum" sz="quarter" idx="5"/>
+          </p:nvPr>
+        </p:nvSpPr>
+        <p:spPr/>
+        <p:txBody>
+          <a:bodyPr/>
+          <a:lstStyle/>
+          <a:p>
+            <a:fld id="{8E56A5B0-A2AA-0E4F-BF3A-A5C158D54A12}" type="slidenum">
+              <a:rPr lang="en-US" smtClean="0"/>
+              <a:t>9</a:t>
+            </a:fld>
+            <a:endParaRPr lang="en-US"/>
+          </a:p>
+        </p:txBody>
+      </p:sp>
+    </p:spTree>
+    <p:extLst>
+      <p:ext uri="{BB962C8B-B14F-4D97-AF65-F5344CB8AC3E}">
+        <p14:creationId xmlns:p14="http://schemas.microsoft.com/office/powerpoint/2010/main" val="1200546293"/>
+      </p:ext>
+    </p:extLst>
+  </p:cSld>
+  <p:clrMapOvr>
+    <a:masterClrMapping/>
+  </p:clrMapOvr>
+</p:notes>
+</file>
+
 <file path=ppt/slideLayouts/slideLayout1.xml><?xml version="1.0" encoding="utf-8"?>
 <p:sldLayout xmlns:a="http://schemas.openxmlformats.org/drawingml/2006/main" xmlns:r="http://schemas.openxmlformats.org/officeDocument/2006/relationships" xmlns:p="http://schemas.openxmlformats.org/presentationml/2006/main" type="title" preserve="1">
   <p:cSld name="Title Slide">
@@ -268,7 +957,7 @@
           <a:p>
             <a:fld id="{49F24598-E0FC-E241-BAA2-BE1A2687DE9E}" type="datetimeFigureOut">
               <a:rPr lang="en-US" smtClean="0"/>
-              <a:t>6/25/24</a:t>
+              <a:t>7/9/24</a:t>
             </a:fld>
             <a:endParaRPr lang="en-US"/>
           </a:p>
@@ -466,7 +1155,7 @@
           <a:p>
             <a:fld id="{49F24598-E0FC-E241-BAA2-BE1A2687DE9E}" type="datetimeFigureOut">
               <a:rPr lang="en-US" smtClean="0"/>
-              <a:t>6/25/24</a:t>
+              <a:t>7/9/24</a:t>
             </a:fld>
             <a:endParaRPr lang="en-US"/>
           </a:p>
@@ -674,7 +1363,7 @@
           <a:p>
             <a:fld id="{49F24598-E0FC-E241-BAA2-BE1A2687DE9E}" type="datetimeFigureOut">
               <a:rPr lang="en-US" smtClean="0"/>
-              <a:t>6/25/24</a:t>
+              <a:t>7/9/24</a:t>
             </a:fld>
             <a:endParaRPr lang="en-US"/>
           </a:p>
@@ -872,7 +1561,7 @@
           <a:p>
             <a:fld id="{49F24598-E0FC-E241-BAA2-BE1A2687DE9E}" type="datetimeFigureOut">
               <a:rPr lang="en-US" smtClean="0"/>
-              <a:t>6/25/24</a:t>
+              <a:t>7/9/24</a:t>
             </a:fld>
             <a:endParaRPr lang="en-US"/>
           </a:p>
@@ -1147,7 +1836,7 @@
           <a:p>
             <a:fld id="{49F24598-E0FC-E241-BAA2-BE1A2687DE9E}" type="datetimeFigureOut">
               <a:rPr lang="en-US" smtClean="0"/>
-              <a:t>6/25/24</a:t>
+              <a:t>7/9/24</a:t>
             </a:fld>
             <a:endParaRPr lang="en-US"/>
           </a:p>
@@ -1412,7 +2101,7 @@
           <a:p>
             <a:fld id="{49F24598-E0FC-E241-BAA2-BE1A2687DE9E}" type="datetimeFigureOut">
               <a:rPr lang="en-US" smtClean="0"/>
-              <a:t>6/25/24</a:t>
+              <a:t>7/9/24</a:t>
             </a:fld>
             <a:endParaRPr lang="en-US"/>
           </a:p>
@@ -1824,7 +2513,7 @@
           <a:p>
             <a:fld id="{49F24598-E0FC-E241-BAA2-BE1A2687DE9E}" type="datetimeFigureOut">
               <a:rPr lang="en-US" smtClean="0"/>
-              <a:t>6/25/24</a:t>
+              <a:t>7/9/24</a:t>
             </a:fld>
             <a:endParaRPr lang="en-US"/>
           </a:p>
@@ -1965,7 +2654,7 @@
           <a:p>
             <a:fld id="{49F24598-E0FC-E241-BAA2-BE1A2687DE9E}" type="datetimeFigureOut">
               <a:rPr lang="en-US" smtClean="0"/>
-              <a:t>6/25/24</a:t>
+              <a:t>7/9/24</a:t>
             </a:fld>
             <a:endParaRPr lang="en-US"/>
           </a:p>
@@ -2078,7 +2767,7 @@
           <a:p>
             <a:fld id="{49F24598-E0FC-E241-BAA2-BE1A2687DE9E}" type="datetimeFigureOut">
               <a:rPr lang="en-US" smtClean="0"/>
-              <a:t>6/25/24</a:t>
+              <a:t>7/9/24</a:t>
             </a:fld>
             <a:endParaRPr lang="en-US"/>
           </a:p>
@@ -2389,7 +3078,7 @@
           <a:p>
             <a:fld id="{49F24598-E0FC-E241-BAA2-BE1A2687DE9E}" type="datetimeFigureOut">
               <a:rPr lang="en-US" smtClean="0"/>
-              <a:t>6/25/24</a:t>
+              <a:t>7/9/24</a:t>
             </a:fld>
             <a:endParaRPr lang="en-US"/>
           </a:p>
@@ -2677,7 +3366,7 @@
           <a:p>
             <a:fld id="{49F24598-E0FC-E241-BAA2-BE1A2687DE9E}" type="datetimeFigureOut">
               <a:rPr lang="en-US" smtClean="0"/>
-              <a:t>6/25/24</a:t>
+              <a:t>7/9/24</a:t>
             </a:fld>
             <a:endParaRPr lang="en-US"/>
           </a:p>
@@ -2918,7 +3607,7 @@
           <a:p>
             <a:fld id="{49F24598-E0FC-E241-BAA2-BE1A2687DE9E}" type="datetimeFigureOut">
               <a:rPr lang="en-US" smtClean="0"/>
-              <a:t>6/25/24</a:t>
+              <a:t>7/9/24</a:t>
             </a:fld>
             <a:endParaRPr lang="en-US"/>
           </a:p>
@@ -3441,6 +4130,252 @@
           <a:p>
             <a:r>
               <a:rPr lang="en-US" dirty="0"/>
+              <a:t>66-CCAUAAGGCACACCCAUGU - Testing</a:t>
+            </a:r>
+          </a:p>
+        </p:txBody>
+      </p:sp>
+      <p:sp>
+        <p:nvSpPr>
+          <p:cNvPr id="4" name="TextBox 3">
+            <a:extLst>
+              <a:ext uri="{FF2B5EF4-FFF2-40B4-BE49-F238E27FC236}">
+                <a16:creationId xmlns:a16="http://schemas.microsoft.com/office/drawing/2014/main" id="{61EF7D25-501D-2B09-12B1-AC07CE82EB1B}"/>
+              </a:ext>
+            </a:extLst>
+          </p:cNvPr>
+          <p:cNvSpPr txBox="1"/>
+          <p:nvPr/>
+        </p:nvSpPr>
+        <p:spPr>
+          <a:xfrm>
+            <a:off x="838200" y="1757723"/>
+            <a:ext cx="6094990" cy="923330"/>
+          </a:xfrm>
+          <a:prstGeom prst="rect">
+            <a:avLst/>
+          </a:prstGeom>
+          <a:noFill/>
+        </p:spPr>
+        <p:txBody>
+          <a:bodyPr wrap="square">
+            <a:spAutoFit/>
+          </a:bodyPr>
+          <a:lstStyle/>
+          <a:p>
+            <a:r>
+              <a:rPr lang="en-US" dirty="0"/>
+              <a:t>Pearson rank correlation coefficient: 0.000 </a:t>
+            </a:r>
+          </a:p>
+          <a:p>
+            <a:r>
+              <a:rPr lang="en-US" dirty="0"/>
+              <a:t>Spearman rank correlation coefficient: 0.028 </a:t>
+            </a:r>
+          </a:p>
+          <a:p>
+            <a:r>
+              <a:rPr lang="en-US" dirty="0"/>
+              <a:t>Coefficient of Determination (R^2): 0.000</a:t>
+            </a:r>
+          </a:p>
+        </p:txBody>
+      </p:sp>
+      <p:pic>
+        <p:nvPicPr>
+          <p:cNvPr id="1026" name="Picture 2">
+            <a:extLst>
+              <a:ext uri="{FF2B5EF4-FFF2-40B4-BE49-F238E27FC236}">
+                <a16:creationId xmlns:a16="http://schemas.microsoft.com/office/drawing/2014/main" id="{1166147D-397B-A09B-CBB6-536E735FFF5E}"/>
+              </a:ext>
+            </a:extLst>
+          </p:cNvPr>
+          <p:cNvPicPr>
+            <a:picLocks noChangeAspect="1" noChangeArrowheads="1"/>
+          </p:cNvPicPr>
+          <p:nvPr/>
+        </p:nvPicPr>
+        <p:blipFill>
+          <a:blip r:embed="rId2">
+            <a:extLst>
+              <a:ext uri="{28A0092B-C50C-407E-A947-70E740481C1C}">
+                <a14:useLocalDpi xmlns:a14="http://schemas.microsoft.com/office/drawing/2010/main" val="0"/>
+              </a:ext>
+            </a:extLst>
+          </a:blip>
+          <a:srcRect/>
+          <a:stretch>
+            <a:fillRect/>
+          </a:stretch>
+        </p:blipFill>
+        <p:spPr bwMode="auto">
+          <a:xfrm>
+            <a:off x="151701" y="3646165"/>
+            <a:ext cx="3962866" cy="2846710"/>
+          </a:xfrm>
+          <a:prstGeom prst="rect">
+            <a:avLst/>
+          </a:prstGeom>
+          <a:noFill/>
+          <a:extLst>
+            <a:ext uri="{909E8E84-426E-40DD-AFC4-6F175D3DCCD1}">
+              <a14:hiddenFill xmlns:a14="http://schemas.microsoft.com/office/drawing/2010/main">
+                <a:solidFill>
+                  <a:srgbClr val="FFFFFF"/>
+                </a:solidFill>
+              </a14:hiddenFill>
+            </a:ext>
+          </a:extLst>
+        </p:spPr>
+      </p:pic>
+      <p:pic>
+        <p:nvPicPr>
+          <p:cNvPr id="1028" name="Picture 4">
+            <a:extLst>
+              <a:ext uri="{FF2B5EF4-FFF2-40B4-BE49-F238E27FC236}">
+                <a16:creationId xmlns:a16="http://schemas.microsoft.com/office/drawing/2014/main" id="{6B1ACB9A-93DE-709B-DBED-13C1CD040C32}"/>
+              </a:ext>
+            </a:extLst>
+          </p:cNvPr>
+          <p:cNvPicPr>
+            <a:picLocks noChangeAspect="1" noChangeArrowheads="1"/>
+          </p:cNvPicPr>
+          <p:nvPr/>
+        </p:nvPicPr>
+        <p:blipFill>
+          <a:blip r:embed="rId3">
+            <a:extLst>
+              <a:ext uri="{28A0092B-C50C-407E-A947-70E740481C1C}">
+                <a14:useLocalDpi xmlns:a14="http://schemas.microsoft.com/office/drawing/2010/main" val="0"/>
+              </a:ext>
+            </a:extLst>
+          </a:blip>
+          <a:srcRect/>
+          <a:stretch>
+            <a:fillRect/>
+          </a:stretch>
+        </p:blipFill>
+        <p:spPr bwMode="auto">
+          <a:xfrm>
+            <a:off x="4114567" y="3646165"/>
+            <a:ext cx="3962866" cy="2846710"/>
+          </a:xfrm>
+          <a:prstGeom prst="rect">
+            <a:avLst/>
+          </a:prstGeom>
+          <a:noFill/>
+          <a:extLst>
+            <a:ext uri="{909E8E84-426E-40DD-AFC4-6F175D3DCCD1}">
+              <a14:hiddenFill xmlns:a14="http://schemas.microsoft.com/office/drawing/2010/main">
+                <a:solidFill>
+                  <a:srgbClr val="FFFFFF"/>
+                </a:solidFill>
+              </a14:hiddenFill>
+            </a:ext>
+          </a:extLst>
+        </p:spPr>
+      </p:pic>
+      <p:pic>
+        <p:nvPicPr>
+          <p:cNvPr id="1030" name="Picture 6">
+            <a:extLst>
+              <a:ext uri="{FF2B5EF4-FFF2-40B4-BE49-F238E27FC236}">
+                <a16:creationId xmlns:a16="http://schemas.microsoft.com/office/drawing/2014/main" id="{F589F46B-FA36-7876-9312-06F553D48E90}"/>
+              </a:ext>
+            </a:extLst>
+          </p:cNvPr>
+          <p:cNvPicPr>
+            <a:picLocks noChangeAspect="1" noChangeArrowheads="1"/>
+          </p:cNvPicPr>
+          <p:nvPr/>
+        </p:nvPicPr>
+        <p:blipFill>
+          <a:blip r:embed="rId4">
+            <a:extLst>
+              <a:ext uri="{28A0092B-C50C-407E-A947-70E740481C1C}">
+                <a14:useLocalDpi xmlns:a14="http://schemas.microsoft.com/office/drawing/2010/main" val="0"/>
+              </a:ext>
+            </a:extLst>
+          </a:blip>
+          <a:srcRect/>
+          <a:stretch>
+            <a:fillRect/>
+          </a:stretch>
+        </p:blipFill>
+        <p:spPr bwMode="auto">
+          <a:xfrm>
+            <a:off x="8077433" y="3646165"/>
+            <a:ext cx="3962866" cy="2846710"/>
+          </a:xfrm>
+          <a:prstGeom prst="rect">
+            <a:avLst/>
+          </a:prstGeom>
+          <a:noFill/>
+          <a:extLst>
+            <a:ext uri="{909E8E84-426E-40DD-AFC4-6F175D3DCCD1}">
+              <a14:hiddenFill xmlns:a14="http://schemas.microsoft.com/office/drawing/2010/main">
+                <a:solidFill>
+                  <a:srgbClr val="FFFFFF"/>
+                </a:solidFill>
+              </a14:hiddenFill>
+            </a:ext>
+          </a:extLst>
+        </p:spPr>
+      </p:pic>
+    </p:spTree>
+    <p:extLst>
+      <p:ext uri="{BB962C8B-B14F-4D97-AF65-F5344CB8AC3E}">
+        <p14:creationId xmlns:p14="http://schemas.microsoft.com/office/powerpoint/2010/main" val="2768047055"/>
+      </p:ext>
+    </p:extLst>
+  </p:cSld>
+  <p:clrMapOvr>
+    <a:masterClrMapping/>
+  </p:clrMapOvr>
+</p:sld>
+</file>
+
+<file path=ppt/slides/slide11.xml><?xml version="1.0" encoding="utf-8"?>
+<p:sld xmlns:a="http://schemas.openxmlformats.org/drawingml/2006/main" xmlns:r="http://schemas.openxmlformats.org/officeDocument/2006/relationships" xmlns:p="http://schemas.openxmlformats.org/presentationml/2006/main" show="0">
+  <p:cSld>
+    <p:spTree>
+      <p:nvGrpSpPr>
+        <p:cNvPr id="1" name=""/>
+        <p:cNvGrpSpPr/>
+        <p:nvPr/>
+      </p:nvGrpSpPr>
+      <p:grpSpPr>
+        <a:xfrm>
+          <a:off x="0" y="0"/>
+          <a:ext cx="0" cy="0"/>
+          <a:chOff x="0" y="0"/>
+          <a:chExt cx="0" cy="0"/>
+        </a:xfrm>
+      </p:grpSpPr>
+      <p:sp>
+        <p:nvSpPr>
+          <p:cNvPr id="2" name="Title 1">
+            <a:extLst>
+              <a:ext uri="{FF2B5EF4-FFF2-40B4-BE49-F238E27FC236}">
+                <a16:creationId xmlns:a16="http://schemas.microsoft.com/office/drawing/2014/main" id="{A92C9A3D-9D08-15A8-8FAE-79FC709F62F2}"/>
+              </a:ext>
+            </a:extLst>
+          </p:cNvPr>
+          <p:cNvSpPr>
+            <a:spLocks noGrp="1"/>
+          </p:cNvSpPr>
+          <p:nvPr>
+            <p:ph type="title"/>
+          </p:nvPr>
+        </p:nvSpPr>
+        <p:spPr/>
+        <p:txBody>
+          <a:bodyPr/>
+          <a:lstStyle/>
+          <a:p>
+            <a:r>
+              <a:rPr lang="en-US" dirty="0"/>
               <a:t>77-ACCUGAAAAUAACCCAUGU - Testing</a:t>
             </a:r>
           </a:p>
@@ -3706,7 +4641,7 @@
         </p:nvSpPr>
         <p:spPr>
           <a:xfrm>
-            <a:off x="741872" y="2251494"/>
+            <a:off x="766913" y="2274516"/>
             <a:ext cx="2539221" cy="369332"/>
           </a:xfrm>
           <a:prstGeom prst="rect">
@@ -3741,7 +4676,7 @@
         </p:nvSpPr>
         <p:spPr>
           <a:xfrm>
-            <a:off x="4548116" y="2251494"/>
+            <a:off x="5424726" y="2274516"/>
             <a:ext cx="1342547" cy="369332"/>
           </a:xfrm>
           <a:prstGeom prst="rect">
@@ -3776,7 +4711,7 @@
         </p:nvSpPr>
         <p:spPr>
           <a:xfrm>
-            <a:off x="8582403" y="2251494"/>
+            <a:off x="9511231" y="2274516"/>
             <a:ext cx="1288494" cy="369332"/>
           </a:xfrm>
           <a:prstGeom prst="rect">
@@ -3797,6 +4732,147 @@
           </a:p>
         </p:txBody>
       </p:sp>
+      <p:pic>
+        <p:nvPicPr>
+          <p:cNvPr id="1026" name="Picture 2">
+            <a:extLst>
+              <a:ext uri="{FF2B5EF4-FFF2-40B4-BE49-F238E27FC236}">
+                <a16:creationId xmlns:a16="http://schemas.microsoft.com/office/drawing/2014/main" id="{828BA61C-0A76-09BF-A1E1-AAFE0659454C}"/>
+              </a:ext>
+            </a:extLst>
+          </p:cNvPr>
+          <p:cNvPicPr>
+            <a:picLocks noChangeAspect="1" noChangeArrowheads="1"/>
+          </p:cNvPicPr>
+          <p:nvPr/>
+        </p:nvPicPr>
+        <p:blipFill>
+          <a:blip r:embed="rId3">
+            <a:extLst>
+              <a:ext uri="{28A0092B-C50C-407E-A947-70E740481C1C}">
+                <a14:useLocalDpi xmlns:a14="http://schemas.microsoft.com/office/drawing/2010/main" val="0"/>
+              </a:ext>
+            </a:extLst>
+          </a:blip>
+          <a:srcRect/>
+          <a:stretch>
+            <a:fillRect/>
+          </a:stretch>
+        </p:blipFill>
+        <p:spPr bwMode="auto">
+          <a:xfrm>
+            <a:off x="-27439" y="2909127"/>
+            <a:ext cx="4127927" cy="3422158"/>
+          </a:xfrm>
+          <a:prstGeom prst="rect">
+            <a:avLst/>
+          </a:prstGeom>
+          <a:noFill/>
+          <a:extLst>
+            <a:ext uri="{909E8E84-426E-40DD-AFC4-6F175D3DCCD1}">
+              <a14:hiddenFill xmlns:a14="http://schemas.microsoft.com/office/drawing/2010/main">
+                <a:solidFill>
+                  <a:srgbClr val="FFFFFF"/>
+                </a:solidFill>
+              </a14:hiddenFill>
+            </a:ext>
+          </a:extLst>
+        </p:spPr>
+      </p:pic>
+      <p:pic>
+        <p:nvPicPr>
+          <p:cNvPr id="1028" name="Picture 4">
+            <a:extLst>
+              <a:ext uri="{FF2B5EF4-FFF2-40B4-BE49-F238E27FC236}">
+                <a16:creationId xmlns:a16="http://schemas.microsoft.com/office/drawing/2014/main" id="{0F67F769-A994-E5C4-EE76-1994B88EC7F0}"/>
+              </a:ext>
+            </a:extLst>
+          </p:cNvPr>
+          <p:cNvPicPr>
+            <a:picLocks noChangeAspect="1" noChangeArrowheads="1"/>
+          </p:cNvPicPr>
+          <p:nvPr/>
+        </p:nvPicPr>
+        <p:blipFill>
+          <a:blip r:embed="rId4">
+            <a:extLst>
+              <a:ext uri="{28A0092B-C50C-407E-A947-70E740481C1C}">
+                <a14:useLocalDpi xmlns:a14="http://schemas.microsoft.com/office/drawing/2010/main" val="0"/>
+              </a:ext>
+            </a:extLst>
+          </a:blip>
+          <a:srcRect/>
+          <a:stretch>
+            <a:fillRect/>
+          </a:stretch>
+        </p:blipFill>
+        <p:spPr bwMode="auto">
+          <a:xfrm>
+            <a:off x="4032036" y="2909128"/>
+            <a:ext cx="4127928" cy="3422159"/>
+          </a:xfrm>
+          <a:prstGeom prst="rect">
+            <a:avLst/>
+          </a:prstGeom>
+          <a:noFill/>
+          <a:extLst>
+            <a:ext uri="{909E8E84-426E-40DD-AFC4-6F175D3DCCD1}">
+              <a14:hiddenFill xmlns:a14="http://schemas.microsoft.com/office/drawing/2010/main">
+                <a:solidFill>
+                  <a:srgbClr val="FFFFFF"/>
+                </a:solidFill>
+              </a14:hiddenFill>
+            </a:ext>
+          </a:extLst>
+        </p:spPr>
+      </p:pic>
+      <p:pic>
+        <p:nvPicPr>
+          <p:cNvPr id="1030" name="Picture 6">
+            <a:extLst>
+              <a:ext uri="{FF2B5EF4-FFF2-40B4-BE49-F238E27FC236}">
+                <a16:creationId xmlns:a16="http://schemas.microsoft.com/office/drawing/2014/main" id="{78FA1D81-9BA2-67EE-7A73-533E75CA78F5}"/>
+              </a:ext>
+            </a:extLst>
+          </p:cNvPr>
+          <p:cNvPicPr>
+            <a:picLocks noChangeAspect="1" noChangeArrowheads="1"/>
+          </p:cNvPicPr>
+          <p:nvPr/>
+        </p:nvPicPr>
+        <p:blipFill>
+          <a:blip r:embed="rId5">
+            <a:extLst>
+              <a:ext uri="{28A0092B-C50C-407E-A947-70E740481C1C}">
+                <a14:useLocalDpi xmlns:a14="http://schemas.microsoft.com/office/drawing/2010/main" val="0"/>
+              </a:ext>
+            </a:extLst>
+          </a:blip>
+          <a:srcRect/>
+          <a:stretch>
+            <a:fillRect/>
+          </a:stretch>
+        </p:blipFill>
+        <p:spPr bwMode="auto">
+          <a:xfrm>
+            <a:off x="8091514" y="2909127"/>
+            <a:ext cx="4127928" cy="3422159"/>
+          </a:xfrm>
+          <a:prstGeom prst="rect">
+            <a:avLst/>
+          </a:prstGeom>
+          <a:noFill/>
+          <a:extLst>
+            <a:ext uri="{909E8E84-426E-40DD-AFC4-6F175D3DCCD1}">
+              <a14:hiddenFill xmlns:a14="http://schemas.microsoft.com/office/drawing/2010/main">
+                <a:solidFill>
+                  <a:srgbClr val="FFFFFF"/>
+                </a:solidFill>
+              </a14:hiddenFill>
+            </a:ext>
+          </a:extLst>
+        </p:spPr>
+      </p:pic>
     </p:spTree>
     <p:extLst>
       <p:ext uri="{BB962C8B-B14F-4D97-AF65-F5344CB8AC3E}">
@@ -3811,7 +4887,7 @@
 </file>
 
 <file path=ppt/slides/slide3.xml><?xml version="1.0" encoding="utf-8"?>
-<p:sld xmlns:a="http://schemas.openxmlformats.org/drawingml/2006/main" xmlns:r="http://schemas.openxmlformats.org/officeDocument/2006/relationships" xmlns:p="http://schemas.openxmlformats.org/presentationml/2006/main">
+<p:sld xmlns:a="http://schemas.openxmlformats.org/drawingml/2006/main" xmlns:r="http://schemas.openxmlformats.org/officeDocument/2006/relationships" xmlns:p="http://schemas.openxmlformats.org/presentationml/2006/main" show="0">
   <p:cSld>
     <p:spTree>
       <p:nvGrpSpPr>
@@ -3850,7 +4926,15 @@
           <a:p>
             <a:r>
               <a:rPr lang="en-US" dirty="0"/>
-              <a:t>OLD_2c4q_Single Mutation – PHI 9.5</a:t>
+              <a:t>(</a:t>
+            </a:r>
+            <a:r>
+              <a:rPr lang="en-US" dirty="0" err="1"/>
+              <a:t>half_AA_seq</a:t>
+            </a:r>
+            <a:r>
+              <a:rPr lang="en-US" dirty="0"/>
+              <a:t>)2c4q_Single Mutation – PHI 9.5</a:t>
             </a:r>
           </a:p>
         </p:txBody>
@@ -4901,7 +5985,7 @@
           <p:nvPr/>
         </p:nvPicPr>
         <p:blipFill>
-          <a:blip r:embed="rId2">
+          <a:blip r:embed="rId3">
             <a:extLst>
               <a:ext uri="{28A0092B-C50C-407E-A947-70E740481C1C}">
                 <a14:useLocalDpi xmlns:a14="http://schemas.microsoft.com/office/drawing/2010/main" val="0"/>
@@ -4915,7 +5999,7 @@
         </p:blipFill>
         <p:spPr bwMode="auto">
           <a:xfrm>
-            <a:off x="47641" y="3777915"/>
+            <a:off x="95282" y="2966461"/>
             <a:ext cx="3838054" cy="2714959"/>
           </a:xfrm>
           <a:prstGeom prst="rect">
@@ -4948,7 +6032,7 @@
           <p:nvPr/>
         </p:nvPicPr>
         <p:blipFill>
-          <a:blip r:embed="rId3">
+          <a:blip r:embed="rId4">
             <a:extLst>
               <a:ext uri="{28A0092B-C50C-407E-A947-70E740481C1C}">
                 <a14:useLocalDpi xmlns:a14="http://schemas.microsoft.com/office/drawing/2010/main" val="0"/>
@@ -4962,7 +6046,7 @@
         </p:blipFill>
         <p:spPr bwMode="auto">
           <a:xfrm>
-            <a:off x="4176973" y="3777915"/>
+            <a:off x="4224614" y="2966461"/>
             <a:ext cx="3838054" cy="2714959"/>
           </a:xfrm>
           <a:prstGeom prst="rect">
@@ -4995,7 +6079,7 @@
           <p:nvPr/>
         </p:nvPicPr>
         <p:blipFill>
-          <a:blip r:embed="rId4">
+          <a:blip r:embed="rId5">
             <a:extLst>
               <a:ext uri="{28A0092B-C50C-407E-A947-70E740481C1C}">
                 <a14:useLocalDpi xmlns:a14="http://schemas.microsoft.com/office/drawing/2010/main" val="0"/>
@@ -5009,7 +6093,7 @@
         </p:blipFill>
         <p:spPr bwMode="auto">
           <a:xfrm>
-            <a:off x="8306305" y="3777915"/>
+            <a:off x="8353946" y="2966461"/>
             <a:ext cx="3838054" cy="2714959"/>
           </a:xfrm>
           <a:prstGeom prst="rect">
@@ -5115,7 +6199,7 @@
           <a:p>
             <a:r>
               <a:rPr lang="en-US" dirty="0"/>
-              <a:t>Pearson rank correlation coefficient: -0.169 </a:t>
+              <a:t>Pearson rank correlation coefficient: -0.174 </a:t>
             </a:r>
           </a:p>
           <a:p>
@@ -5127,17 +6211,17 @@
           <a:p>
             <a:r>
               <a:rPr lang="en-US" dirty="0"/>
-              <a:t>Coefficient of Determination (R^2): 0.029</a:t>
+              <a:t>Coefficient of Determination (R^2): 0.030</a:t>
             </a:r>
           </a:p>
         </p:txBody>
       </p:sp>
       <p:pic>
         <p:nvPicPr>
-          <p:cNvPr id="1026" name="Picture 2">
-            <a:extLst>
-              <a:ext uri="{FF2B5EF4-FFF2-40B4-BE49-F238E27FC236}">
-                <a16:creationId xmlns:a16="http://schemas.microsoft.com/office/drawing/2014/main" id="{BEB43E5E-2B51-59E8-61BC-83792B770DCB}"/>
+          <p:cNvPr id="1032" name="Picture 8">
+            <a:extLst>
+              <a:ext uri="{FF2B5EF4-FFF2-40B4-BE49-F238E27FC236}">
+                <a16:creationId xmlns:a16="http://schemas.microsoft.com/office/drawing/2014/main" id="{906B0394-AB3E-2497-56D1-49B049435571}"/>
               </a:ext>
             </a:extLst>
           </p:cNvPr>
@@ -5147,7 +6231,7 @@
           <p:nvPr/>
         </p:nvPicPr>
         <p:blipFill>
-          <a:blip r:embed="rId2">
+          <a:blip r:embed="rId3">
             <a:extLst>
               <a:ext uri="{28A0092B-C50C-407E-A947-70E740481C1C}">
                 <a14:useLocalDpi xmlns:a14="http://schemas.microsoft.com/office/drawing/2010/main" val="0"/>
@@ -5161,8 +6245,8 @@
         </p:blipFill>
         <p:spPr bwMode="auto">
           <a:xfrm>
-            <a:off x="297780" y="3465846"/>
-            <a:ext cx="3768894" cy="2666037"/>
+            <a:off x="0" y="2859770"/>
+            <a:ext cx="3919287" cy="2772422"/>
           </a:xfrm>
           <a:prstGeom prst="rect">
             <a:avLst/>
@@ -5181,10 +6265,10 @@
       </p:pic>
       <p:pic>
         <p:nvPicPr>
-          <p:cNvPr id="1028" name="Picture 4">
-            <a:extLst>
-              <a:ext uri="{FF2B5EF4-FFF2-40B4-BE49-F238E27FC236}">
-                <a16:creationId xmlns:a16="http://schemas.microsoft.com/office/drawing/2014/main" id="{EA69EC90-AF83-E094-4F5C-5A14B6502DE7}"/>
+          <p:cNvPr id="1034" name="Picture 10">
+            <a:extLst>
+              <a:ext uri="{FF2B5EF4-FFF2-40B4-BE49-F238E27FC236}">
+                <a16:creationId xmlns:a16="http://schemas.microsoft.com/office/drawing/2014/main" id="{082331DF-4202-5F18-CAA7-6E1398F3EC8C}"/>
               </a:ext>
             </a:extLst>
           </p:cNvPr>
@@ -5194,7 +6278,7 @@
           <p:nvPr/>
         </p:nvPicPr>
         <p:blipFill>
-          <a:blip r:embed="rId3">
+          <a:blip r:embed="rId4">
             <a:extLst>
               <a:ext uri="{28A0092B-C50C-407E-A947-70E740481C1C}">
                 <a14:useLocalDpi xmlns:a14="http://schemas.microsoft.com/office/drawing/2010/main" val="0"/>
@@ -5208,8 +6292,8 @@
         </p:blipFill>
         <p:spPr bwMode="auto">
           <a:xfrm>
-            <a:off x="4325208" y="3465846"/>
-            <a:ext cx="3768894" cy="2666037"/>
+            <a:off x="4037096" y="2859771"/>
+            <a:ext cx="3919287" cy="2772422"/>
           </a:xfrm>
           <a:prstGeom prst="rect">
             <a:avLst/>
@@ -5228,10 +6312,10 @@
       </p:pic>
       <p:pic>
         <p:nvPicPr>
-          <p:cNvPr id="1030" name="Picture 6">
-            <a:extLst>
-              <a:ext uri="{FF2B5EF4-FFF2-40B4-BE49-F238E27FC236}">
-                <a16:creationId xmlns:a16="http://schemas.microsoft.com/office/drawing/2014/main" id="{A5136943-B8EF-53E6-19C8-3FB7EE04F81D}"/>
+          <p:cNvPr id="1036" name="Picture 12">
+            <a:extLst>
+              <a:ext uri="{FF2B5EF4-FFF2-40B4-BE49-F238E27FC236}">
+                <a16:creationId xmlns:a16="http://schemas.microsoft.com/office/drawing/2014/main" id="{90BF985E-EF78-6D56-50C2-A454B4073120}"/>
               </a:ext>
             </a:extLst>
           </p:cNvPr>
@@ -5241,7 +6325,7 @@
           <p:nvPr/>
         </p:nvPicPr>
         <p:blipFill>
-          <a:blip r:embed="rId4">
+          <a:blip r:embed="rId5">
             <a:extLst>
               <a:ext uri="{28A0092B-C50C-407E-A947-70E740481C1C}">
                 <a14:useLocalDpi xmlns:a14="http://schemas.microsoft.com/office/drawing/2010/main" val="0"/>
@@ -5255,8 +6339,8 @@
         </p:blipFill>
         <p:spPr bwMode="auto">
           <a:xfrm>
-            <a:off x="8125326" y="3465845"/>
-            <a:ext cx="3768894" cy="2666037"/>
+            <a:off x="8074192" y="2859771"/>
+            <a:ext cx="3919287" cy="2772421"/>
           </a:xfrm>
           <a:prstGeom prst="rect">
             <a:avLst/>
@@ -5287,7 +6371,7 @@
 </file>
 
 <file path=ppt/slides/slide9.xml><?xml version="1.0" encoding="utf-8"?>
-<p:sld xmlns:a="http://schemas.openxmlformats.org/drawingml/2006/main" xmlns:r="http://schemas.openxmlformats.org/officeDocument/2006/relationships" xmlns:p="http://schemas.openxmlformats.org/presentationml/2006/main" show="0">
+<p:sld xmlns:a="http://schemas.openxmlformats.org/drawingml/2006/main" xmlns:r="http://schemas.openxmlformats.org/officeDocument/2006/relationships" xmlns:p="http://schemas.openxmlformats.org/presentationml/2006/main">
   <p:cSld>
     <p:spTree>
       <p:nvGrpSpPr>
@@ -5308,7 +6392,7 @@
           <p:cNvPr id="2" name="Title 1">
             <a:extLst>
               <a:ext uri="{FF2B5EF4-FFF2-40B4-BE49-F238E27FC236}">
-                <a16:creationId xmlns:a16="http://schemas.microsoft.com/office/drawing/2014/main" id="{A92C9A3D-9D08-15A8-8FAE-79FC709F62F2}"/>
+                <a16:creationId xmlns:a16="http://schemas.microsoft.com/office/drawing/2014/main" id="{1A877E3B-C8DE-F07E-AF0F-4CF353351B7C}"/>
               </a:ext>
             </a:extLst>
           </p:cNvPr>
@@ -5321,69 +6405,24 @@
         </p:nvSpPr>
         <p:spPr/>
         <p:txBody>
-          <a:bodyPr/>
-          <a:lstStyle/>
-          <a:p>
-            <a:r>
-              <a:rPr lang="en-US" dirty="0"/>
-              <a:t>66-CCAUAAGGCACACCCAUGU - Testing</a:t>
-            </a:r>
-          </a:p>
-        </p:txBody>
-      </p:sp>
-      <p:sp>
-        <p:nvSpPr>
-          <p:cNvPr id="4" name="TextBox 3">
-            <a:extLst>
-              <a:ext uri="{FF2B5EF4-FFF2-40B4-BE49-F238E27FC236}">
-                <a16:creationId xmlns:a16="http://schemas.microsoft.com/office/drawing/2014/main" id="{61EF7D25-501D-2B09-12B1-AC07CE82EB1B}"/>
-              </a:ext>
-            </a:extLst>
-          </p:cNvPr>
-          <p:cNvSpPr txBox="1"/>
-          <p:nvPr/>
-        </p:nvSpPr>
-        <p:spPr>
-          <a:xfrm>
-            <a:off x="838200" y="1757723"/>
-            <a:ext cx="6094990" cy="923330"/>
-          </a:xfrm>
-          <a:prstGeom prst="rect">
-            <a:avLst/>
-          </a:prstGeom>
-          <a:noFill/>
-        </p:spPr>
-        <p:txBody>
-          <a:bodyPr wrap="square">
-            <a:spAutoFit/>
+          <a:bodyPr>
+            <a:normAutofit/>
           </a:bodyPr>
           <a:lstStyle/>
           <a:p>
             <a:r>
-              <a:rPr lang="en-US" dirty="0"/>
-              <a:t>Pearson rank correlation coefficient: 0.000 </a:t>
-            </a:r>
-          </a:p>
-          <a:p>
-            <a:r>
-              <a:rPr lang="en-US" dirty="0"/>
-              <a:t>Spearman rank correlation coefficient: 0.028 </a:t>
-            </a:r>
-          </a:p>
-          <a:p>
-            <a:r>
-              <a:rPr lang="en-US" dirty="0"/>
-              <a:t>Coefficient of Determination (R^2): 0.000</a:t>
+              <a:rPr lang="en-US" sz="3200" dirty="0"/>
+              <a:t>2c4q_AF_Quadruple Mutation – Remove Low Expected Energy</a:t>
             </a:r>
           </a:p>
         </p:txBody>
       </p:sp>
       <p:pic>
         <p:nvPicPr>
-          <p:cNvPr id="1026" name="Picture 2">
-            <a:extLst>
-              <a:ext uri="{FF2B5EF4-FFF2-40B4-BE49-F238E27FC236}">
-                <a16:creationId xmlns:a16="http://schemas.microsoft.com/office/drawing/2014/main" id="{1166147D-397B-A09B-CBB6-536E735FFF5E}"/>
+          <p:cNvPr id="1032" name="Picture 8">
+            <a:extLst>
+              <a:ext uri="{FF2B5EF4-FFF2-40B4-BE49-F238E27FC236}">
+                <a16:creationId xmlns:a16="http://schemas.microsoft.com/office/drawing/2014/main" id="{906B0394-AB3E-2497-56D1-49B049435571}"/>
               </a:ext>
             </a:extLst>
           </p:cNvPr>
@@ -5393,7 +6432,7 @@
           <p:nvPr/>
         </p:nvPicPr>
         <p:blipFill>
-          <a:blip r:embed="rId2">
+          <a:blip r:embed="rId3">
             <a:extLst>
               <a:ext uri="{28A0092B-C50C-407E-A947-70E740481C1C}">
                 <a14:useLocalDpi xmlns:a14="http://schemas.microsoft.com/office/drawing/2010/main" val="0"/>
@@ -5407,8 +6446,8 @@
         </p:blipFill>
         <p:spPr bwMode="auto">
           <a:xfrm>
-            <a:off x="151701" y="3646165"/>
-            <a:ext cx="3962866" cy="2846710"/>
+            <a:off x="578623" y="1424241"/>
+            <a:ext cx="3235869" cy="2288986"/>
           </a:xfrm>
           <a:prstGeom prst="rect">
             <a:avLst/>
@@ -5427,10 +6466,10 @@
       </p:pic>
       <p:pic>
         <p:nvPicPr>
-          <p:cNvPr id="1028" name="Picture 4">
-            <a:extLst>
-              <a:ext uri="{FF2B5EF4-FFF2-40B4-BE49-F238E27FC236}">
-                <a16:creationId xmlns:a16="http://schemas.microsoft.com/office/drawing/2014/main" id="{6B1ACB9A-93DE-709B-DBED-13C1CD040C32}"/>
+          <p:cNvPr id="1034" name="Picture 10">
+            <a:extLst>
+              <a:ext uri="{FF2B5EF4-FFF2-40B4-BE49-F238E27FC236}">
+                <a16:creationId xmlns:a16="http://schemas.microsoft.com/office/drawing/2014/main" id="{082331DF-4202-5F18-CAA7-6E1398F3EC8C}"/>
               </a:ext>
             </a:extLst>
           </p:cNvPr>
@@ -5440,7 +6479,7 @@
           <p:nvPr/>
         </p:nvPicPr>
         <p:blipFill>
-          <a:blip r:embed="rId3">
+          <a:blip r:embed="rId4">
             <a:extLst>
               <a:ext uri="{28A0092B-C50C-407E-A947-70E740481C1C}">
                 <a14:useLocalDpi xmlns:a14="http://schemas.microsoft.com/office/drawing/2010/main" val="0"/>
@@ -5454,8 +6493,8 @@
         </p:blipFill>
         <p:spPr bwMode="auto">
           <a:xfrm>
-            <a:off x="4114567" y="3646165"/>
-            <a:ext cx="3962866" cy="2846710"/>
+            <a:off x="4361235" y="1424241"/>
+            <a:ext cx="3235869" cy="2288986"/>
           </a:xfrm>
           <a:prstGeom prst="rect">
             <a:avLst/>
@@ -5474,10 +6513,10 @@
       </p:pic>
       <p:pic>
         <p:nvPicPr>
-          <p:cNvPr id="1030" name="Picture 6">
-            <a:extLst>
-              <a:ext uri="{FF2B5EF4-FFF2-40B4-BE49-F238E27FC236}">
-                <a16:creationId xmlns:a16="http://schemas.microsoft.com/office/drawing/2014/main" id="{F589F46B-FA36-7876-9312-06F553D48E90}"/>
+          <p:cNvPr id="1036" name="Picture 12">
+            <a:extLst>
+              <a:ext uri="{FF2B5EF4-FFF2-40B4-BE49-F238E27FC236}">
+                <a16:creationId xmlns:a16="http://schemas.microsoft.com/office/drawing/2014/main" id="{90BF985E-EF78-6D56-50C2-A454B4073120}"/>
               </a:ext>
             </a:extLst>
           </p:cNvPr>
@@ -5487,7 +6526,7 @@
           <p:nvPr/>
         </p:nvPicPr>
         <p:blipFill>
-          <a:blip r:embed="rId4">
+          <a:blip r:embed="rId5">
             <a:extLst>
               <a:ext uri="{28A0092B-C50C-407E-A947-70E740481C1C}">
                 <a14:useLocalDpi xmlns:a14="http://schemas.microsoft.com/office/drawing/2010/main" val="0"/>
@@ -5501,8 +6540,8 @@
         </p:blipFill>
         <p:spPr bwMode="auto">
           <a:xfrm>
-            <a:off x="8077433" y="3646165"/>
-            <a:ext cx="3962866" cy="2846710"/>
+            <a:off x="8316070" y="1424240"/>
+            <a:ext cx="3235867" cy="2288985"/>
           </a:xfrm>
           <a:prstGeom prst="rect">
             <a:avLst/>
@@ -5519,10 +6558,363 @@
           </a:extLst>
         </p:spPr>
       </p:pic>
+      <p:sp>
+        <p:nvSpPr>
+          <p:cNvPr id="3" name="Oval 2">
+            <a:extLst>
+              <a:ext uri="{FF2B5EF4-FFF2-40B4-BE49-F238E27FC236}">
+                <a16:creationId xmlns:a16="http://schemas.microsoft.com/office/drawing/2014/main" id="{4B7237FE-8CED-CC24-14C1-532B11DB9EDB}"/>
+              </a:ext>
+            </a:extLst>
+          </p:cNvPr>
+          <p:cNvSpPr/>
+          <p:nvPr/>
+        </p:nvSpPr>
+        <p:spPr>
+          <a:xfrm>
+            <a:off x="989592" y="1802963"/>
+            <a:ext cx="603398" cy="1264802"/>
+          </a:xfrm>
+          <a:prstGeom prst="ellipse">
+            <a:avLst/>
+          </a:prstGeom>
+          <a:noFill/>
+          <a:ln w="57150">
+            <a:solidFill>
+              <a:srgbClr val="FF0000"/>
+            </a:solidFill>
+          </a:ln>
+        </p:spPr>
+        <p:style>
+          <a:lnRef idx="2">
+            <a:schemeClr val="accent1">
+              <a:shade val="15000"/>
+            </a:schemeClr>
+          </a:lnRef>
+          <a:fillRef idx="1">
+            <a:schemeClr val="accent1"/>
+          </a:fillRef>
+          <a:effectRef idx="0">
+            <a:schemeClr val="accent1"/>
+          </a:effectRef>
+          <a:fontRef idx="minor">
+            <a:schemeClr val="lt1"/>
+          </a:fontRef>
+        </p:style>
+        <p:txBody>
+          <a:bodyPr rtlCol="0" anchor="ctr"/>
+          <a:lstStyle/>
+          <a:p>
+            <a:pPr algn="ctr"/>
+            <a:endParaRPr lang="en-US">
+              <a:ln>
+                <a:solidFill>
+                  <a:srgbClr val="FF0000"/>
+                </a:solidFill>
+              </a:ln>
+              <a:noFill/>
+            </a:endParaRPr>
+          </a:p>
+        </p:txBody>
+      </p:sp>
+      <p:pic>
+        <p:nvPicPr>
+          <p:cNvPr id="1026" name="Picture 2">
+            <a:extLst>
+              <a:ext uri="{FF2B5EF4-FFF2-40B4-BE49-F238E27FC236}">
+                <a16:creationId xmlns:a16="http://schemas.microsoft.com/office/drawing/2014/main" id="{5451760D-6383-AC9E-F452-0FF7047F3BB4}"/>
+              </a:ext>
+            </a:extLst>
+          </p:cNvPr>
+          <p:cNvPicPr>
+            <a:picLocks noChangeAspect="1" noChangeArrowheads="1"/>
+          </p:cNvPicPr>
+          <p:nvPr/>
+        </p:nvPicPr>
+        <p:blipFill>
+          <a:blip r:embed="rId6">
+            <a:extLst>
+              <a:ext uri="{28A0092B-C50C-407E-A947-70E740481C1C}">
+                <a14:useLocalDpi xmlns:a14="http://schemas.microsoft.com/office/drawing/2010/main" val="0"/>
+              </a:ext>
+            </a:extLst>
+          </a:blip>
+          <a:srcRect/>
+          <a:stretch>
+            <a:fillRect/>
+          </a:stretch>
+        </p:blipFill>
+        <p:spPr bwMode="auto">
+          <a:xfrm>
+            <a:off x="407370" y="4273122"/>
+            <a:ext cx="3219399" cy="2288985"/>
+          </a:xfrm>
+          <a:prstGeom prst="rect">
+            <a:avLst/>
+          </a:prstGeom>
+          <a:noFill/>
+          <a:extLst>
+            <a:ext uri="{909E8E84-426E-40DD-AFC4-6F175D3DCCD1}">
+              <a14:hiddenFill xmlns:a14="http://schemas.microsoft.com/office/drawing/2010/main">
+                <a:solidFill>
+                  <a:srgbClr val="FFFFFF"/>
+                </a:solidFill>
+              </a14:hiddenFill>
+            </a:ext>
+          </a:extLst>
+        </p:spPr>
+      </p:pic>
+      <p:sp>
+        <p:nvSpPr>
+          <p:cNvPr id="7" name="Oval 6">
+            <a:extLst>
+              <a:ext uri="{FF2B5EF4-FFF2-40B4-BE49-F238E27FC236}">
+                <a16:creationId xmlns:a16="http://schemas.microsoft.com/office/drawing/2014/main" id="{4004D990-01E0-16EB-37C5-85CE7867C5DD}"/>
+              </a:ext>
+            </a:extLst>
+          </p:cNvPr>
+          <p:cNvSpPr/>
+          <p:nvPr/>
+        </p:nvSpPr>
+        <p:spPr>
+          <a:xfrm>
+            <a:off x="4751147" y="1883645"/>
+            <a:ext cx="603398" cy="1264802"/>
+          </a:xfrm>
+          <a:prstGeom prst="ellipse">
+            <a:avLst/>
+          </a:prstGeom>
+          <a:noFill/>
+          <a:ln w="57150">
+            <a:solidFill>
+              <a:srgbClr val="FF0000"/>
+            </a:solidFill>
+          </a:ln>
+        </p:spPr>
+        <p:style>
+          <a:lnRef idx="2">
+            <a:schemeClr val="accent1">
+              <a:shade val="15000"/>
+            </a:schemeClr>
+          </a:lnRef>
+          <a:fillRef idx="1">
+            <a:schemeClr val="accent1"/>
+          </a:fillRef>
+          <a:effectRef idx="0">
+            <a:schemeClr val="accent1"/>
+          </a:effectRef>
+          <a:fontRef idx="minor">
+            <a:schemeClr val="lt1"/>
+          </a:fontRef>
+        </p:style>
+        <p:txBody>
+          <a:bodyPr rtlCol="0" anchor="ctr"/>
+          <a:lstStyle/>
+          <a:p>
+            <a:pPr algn="ctr"/>
+            <a:endParaRPr lang="en-US">
+              <a:ln>
+                <a:solidFill>
+                  <a:srgbClr val="FF0000"/>
+                </a:solidFill>
+              </a:ln>
+              <a:noFill/>
+            </a:endParaRPr>
+          </a:p>
+        </p:txBody>
+      </p:sp>
+      <p:sp>
+        <p:nvSpPr>
+          <p:cNvPr id="8" name="Oval 7">
+            <a:extLst>
+              <a:ext uri="{FF2B5EF4-FFF2-40B4-BE49-F238E27FC236}">
+                <a16:creationId xmlns:a16="http://schemas.microsoft.com/office/drawing/2014/main" id="{33E6E0B1-BEBE-924B-44A4-8932B2ECC5E0}"/>
+              </a:ext>
+            </a:extLst>
+          </p:cNvPr>
+          <p:cNvSpPr/>
+          <p:nvPr/>
+        </p:nvSpPr>
+        <p:spPr>
+          <a:xfrm>
+            <a:off x="8705473" y="1920948"/>
+            <a:ext cx="603398" cy="1264802"/>
+          </a:xfrm>
+          <a:prstGeom prst="ellipse">
+            <a:avLst/>
+          </a:prstGeom>
+          <a:noFill/>
+          <a:ln w="57150">
+            <a:solidFill>
+              <a:srgbClr val="FF0000"/>
+            </a:solidFill>
+          </a:ln>
+        </p:spPr>
+        <p:style>
+          <a:lnRef idx="2">
+            <a:schemeClr val="accent1">
+              <a:shade val="15000"/>
+            </a:schemeClr>
+          </a:lnRef>
+          <a:fillRef idx="1">
+            <a:schemeClr val="accent1"/>
+          </a:fillRef>
+          <a:effectRef idx="0">
+            <a:schemeClr val="accent1"/>
+          </a:effectRef>
+          <a:fontRef idx="minor">
+            <a:schemeClr val="lt1"/>
+          </a:fontRef>
+        </p:style>
+        <p:txBody>
+          <a:bodyPr rtlCol="0" anchor="ctr"/>
+          <a:lstStyle/>
+          <a:p>
+            <a:pPr algn="ctr"/>
+            <a:endParaRPr lang="en-US">
+              <a:ln>
+                <a:solidFill>
+                  <a:srgbClr val="FF0000"/>
+                </a:solidFill>
+              </a:ln>
+              <a:noFill/>
+            </a:endParaRPr>
+          </a:p>
+        </p:txBody>
+      </p:sp>
+      <p:pic>
+        <p:nvPicPr>
+          <p:cNvPr id="1028" name="Picture 4">
+            <a:extLst>
+              <a:ext uri="{FF2B5EF4-FFF2-40B4-BE49-F238E27FC236}">
+                <a16:creationId xmlns:a16="http://schemas.microsoft.com/office/drawing/2014/main" id="{7C26B57E-9261-33EE-A2C5-964A2D710C5A}"/>
+              </a:ext>
+            </a:extLst>
+          </p:cNvPr>
+          <p:cNvPicPr>
+            <a:picLocks noChangeAspect="1" noChangeArrowheads="1"/>
+          </p:cNvPicPr>
+          <p:nvPr/>
+        </p:nvPicPr>
+        <p:blipFill>
+          <a:blip r:embed="rId7">
+            <a:extLst>
+              <a:ext uri="{28A0092B-C50C-407E-A947-70E740481C1C}">
+                <a14:useLocalDpi xmlns:a14="http://schemas.microsoft.com/office/drawing/2010/main" val="0"/>
+              </a:ext>
+            </a:extLst>
+          </a:blip>
+          <a:srcRect/>
+          <a:stretch>
+            <a:fillRect/>
+          </a:stretch>
+        </p:blipFill>
+        <p:spPr bwMode="auto">
+          <a:xfrm>
+            <a:off x="4189982" y="4273124"/>
+            <a:ext cx="3219399" cy="2288984"/>
+          </a:xfrm>
+          <a:prstGeom prst="rect">
+            <a:avLst/>
+          </a:prstGeom>
+          <a:noFill/>
+          <a:extLst>
+            <a:ext uri="{909E8E84-426E-40DD-AFC4-6F175D3DCCD1}">
+              <a14:hiddenFill xmlns:a14="http://schemas.microsoft.com/office/drawing/2010/main">
+                <a:solidFill>
+                  <a:srgbClr val="FFFFFF"/>
+                </a:solidFill>
+              </a14:hiddenFill>
+            </a:ext>
+          </a:extLst>
+        </p:spPr>
+      </p:pic>
+      <p:pic>
+        <p:nvPicPr>
+          <p:cNvPr id="1030" name="Picture 6">
+            <a:extLst>
+              <a:ext uri="{FF2B5EF4-FFF2-40B4-BE49-F238E27FC236}">
+                <a16:creationId xmlns:a16="http://schemas.microsoft.com/office/drawing/2014/main" id="{EF2503DF-0233-36B6-0E61-82393A69C705}"/>
+              </a:ext>
+            </a:extLst>
+          </p:cNvPr>
+          <p:cNvPicPr>
+            <a:picLocks noChangeAspect="1" noChangeArrowheads="1"/>
+          </p:cNvPicPr>
+          <p:nvPr/>
+        </p:nvPicPr>
+        <p:blipFill>
+          <a:blip r:embed="rId8">
+            <a:extLst>
+              <a:ext uri="{28A0092B-C50C-407E-A947-70E740481C1C}">
+                <a14:useLocalDpi xmlns:a14="http://schemas.microsoft.com/office/drawing/2010/main" val="0"/>
+              </a:ext>
+            </a:extLst>
+          </a:blip>
+          <a:srcRect/>
+          <a:stretch>
+            <a:fillRect/>
+          </a:stretch>
+        </p:blipFill>
+        <p:spPr bwMode="auto">
+          <a:xfrm>
+            <a:off x="8162980" y="4273124"/>
+            <a:ext cx="3219399" cy="2288984"/>
+          </a:xfrm>
+          <a:prstGeom prst="rect">
+            <a:avLst/>
+          </a:prstGeom>
+          <a:noFill/>
+          <a:extLst>
+            <a:ext uri="{909E8E84-426E-40DD-AFC4-6F175D3DCCD1}">
+              <a14:hiddenFill xmlns:a14="http://schemas.microsoft.com/office/drawing/2010/main">
+                <a:solidFill>
+                  <a:srgbClr val="FFFFFF"/>
+                </a:solidFill>
+              </a14:hiddenFill>
+            </a:ext>
+          </a:extLst>
+        </p:spPr>
+      </p:pic>
+      <p:sp>
+        <p:nvSpPr>
+          <p:cNvPr id="9" name="TextBox 8">
+            <a:extLst>
+              <a:ext uri="{FF2B5EF4-FFF2-40B4-BE49-F238E27FC236}">
+                <a16:creationId xmlns:a16="http://schemas.microsoft.com/office/drawing/2014/main" id="{DE6502AA-9DA3-FBD1-5E9A-C1BA704E5BF4}"/>
+              </a:ext>
+            </a:extLst>
+          </p:cNvPr>
+          <p:cNvSpPr txBox="1"/>
+          <p:nvPr/>
+        </p:nvSpPr>
+        <p:spPr>
+          <a:xfrm>
+            <a:off x="717616" y="3882067"/>
+            <a:ext cx="10164129" cy="307777"/>
+          </a:xfrm>
+          <a:prstGeom prst="rect">
+            <a:avLst/>
+          </a:prstGeom>
+          <a:noFill/>
+        </p:spPr>
+        <p:txBody>
+          <a:bodyPr wrap="none" rtlCol="0">
+            <a:spAutoFit/>
+          </a:bodyPr>
+          <a:lstStyle/>
+          <a:p>
+            <a:r>
+              <a:rPr lang="en-US" sz="1400" dirty="0"/>
+              <a:t>Pearson rank correlation coefficient: 0.210 Spearman rank correlation coefficient: 0.288 Coefficient of Determination (R^2): 0.044</a:t>
+            </a:r>
+          </a:p>
+        </p:txBody>
+      </p:sp>
     </p:spTree>
     <p:extLst>
       <p:ext uri="{BB962C8B-B14F-4D97-AF65-F5344CB8AC3E}">
-        <p14:creationId xmlns:p14="http://schemas.microsoft.com/office/powerpoint/2010/main" val="2768047055"/>
+        <p14:creationId xmlns:p14="http://schemas.microsoft.com/office/powerpoint/2010/main" val="1149057326"/>
       </p:ext>
     </p:extLst>
   </p:cSld>
@@ -5845,4 +7237,319 @@
     </a:ext>
   </a:extLst>
 </a:theme>
+</file>
+
+<file path=ppt/theme/theme2.xml><?xml version="1.0" encoding="utf-8"?>
+<a:theme xmlns:a="http://schemas.openxmlformats.org/drawingml/2006/main" name="Office Theme">
+  <a:themeElements>
+    <a:clrScheme name="Office">
+      <a:dk1>
+        <a:sysClr val="windowText" lastClr="000000"/>
+      </a:dk1>
+      <a:lt1>
+        <a:sysClr val="window" lastClr="FFFFFF"/>
+      </a:lt1>
+      <a:dk2>
+        <a:srgbClr val="0E2841"/>
+      </a:dk2>
+      <a:lt2>
+        <a:srgbClr val="E8E8E8"/>
+      </a:lt2>
+      <a:accent1>
+        <a:srgbClr val="156082"/>
+      </a:accent1>
+      <a:accent2>
+        <a:srgbClr val="E97132"/>
+      </a:accent2>
+      <a:accent3>
+        <a:srgbClr val="196B24"/>
+      </a:accent3>
+      <a:accent4>
+        <a:srgbClr val="0F9ED5"/>
+      </a:accent4>
+      <a:accent5>
+        <a:srgbClr val="A02B93"/>
+      </a:accent5>
+      <a:accent6>
+        <a:srgbClr val="4EA72E"/>
+      </a:accent6>
+      <a:hlink>
+        <a:srgbClr val="467886"/>
+      </a:hlink>
+      <a:folHlink>
+        <a:srgbClr val="96607D"/>
+      </a:folHlink>
+    </a:clrScheme>
+    <a:fontScheme name="Office">
+      <a:majorFont>
+        <a:latin typeface="Aptos Display" panose="02110004020202020204"/>
+        <a:ea typeface=""/>
+        <a:cs typeface=""/>
+        <a:font script="Jpan" typeface="游ゴシック Light"/>
+        <a:font script="Hang" typeface="맑은 고딕"/>
+        <a:font script="Hans" typeface="等线 Light"/>
+        <a:font script="Hant" typeface="新細明體"/>
+        <a:font script="Arab" typeface="Times New Roman"/>
+        <a:font script="Hebr" typeface="Times New Roman"/>
+        <a:font script="Thai" typeface="Angsana New"/>
+        <a:font script="Ethi" typeface="Nyala"/>
+        <a:font script="Beng" typeface="Vrinda"/>
+        <a:font script="Gujr" typeface="Shruti"/>
+        <a:font script="Khmr" typeface="MoolBoran"/>
+        <a:font script="Knda" typeface="Tunga"/>
+        <a:font script="Guru" typeface="Raavi"/>
+        <a:font script="Cans" typeface="Euphemia"/>
+        <a:font script="Cher" typeface="Plantagenet Cherokee"/>
+        <a:font script="Yiii" typeface="Microsoft Yi Baiti"/>
+        <a:font script="Tibt" typeface="Microsoft Himalaya"/>
+        <a:font script="Thaa" typeface="MV Boli"/>
+        <a:font script="Deva" typeface="Mangal"/>
+        <a:font script="Telu" typeface="Gautami"/>
+        <a:font script="Taml" typeface="Latha"/>
+        <a:font script="Syrc" typeface="Estrangelo Edessa"/>
+        <a:font script="Orya" typeface="Kalinga"/>
+        <a:font script="Mlym" typeface="Kartika"/>
+        <a:font script="Laoo" typeface="DokChampa"/>
+        <a:font script="Sinh" typeface="Iskoola Pota"/>
+        <a:font script="Mong" typeface="Mongolian Baiti"/>
+        <a:font script="Viet" typeface="Times New Roman"/>
+        <a:font script="Uigh" typeface="Microsoft Uighur"/>
+        <a:font script="Geor" typeface="Sylfaen"/>
+        <a:font script="Armn" typeface="Arial"/>
+        <a:font script="Bugi" typeface="Leelawadee UI"/>
+        <a:font script="Bopo" typeface="Microsoft JhengHei"/>
+        <a:font script="Java" typeface="Javanese Text"/>
+        <a:font script="Lisu" typeface="Segoe UI"/>
+        <a:font script="Mymr" typeface="Myanmar Text"/>
+        <a:font script="Nkoo" typeface="Ebrima"/>
+        <a:font script="Olck" typeface="Nirmala UI"/>
+        <a:font script="Osma" typeface="Ebrima"/>
+        <a:font script="Phag" typeface="Phagspa"/>
+        <a:font script="Syrn" typeface="Estrangelo Edessa"/>
+        <a:font script="Syrj" typeface="Estrangelo Edessa"/>
+        <a:font script="Syre" typeface="Estrangelo Edessa"/>
+        <a:font script="Sora" typeface="Nirmala UI"/>
+        <a:font script="Tale" typeface="Microsoft Tai Le"/>
+        <a:font script="Talu" typeface="Microsoft New Tai Lue"/>
+        <a:font script="Tfng" typeface="Ebrima"/>
+      </a:majorFont>
+      <a:minorFont>
+        <a:latin typeface="Aptos" panose="02110004020202020204"/>
+        <a:ea typeface=""/>
+        <a:cs typeface=""/>
+        <a:font script="Jpan" typeface="游ゴシック"/>
+        <a:font script="Hang" typeface="맑은 고딕"/>
+        <a:font script="Hans" typeface="等线"/>
+        <a:font script="Hant" typeface="新細明體"/>
+        <a:font script="Arab" typeface="Arial"/>
+        <a:font script="Hebr" typeface="Arial"/>
+        <a:font script="Thai" typeface="Cordia New"/>
+        <a:font script="Ethi" typeface="Nyala"/>
+        <a:font script="Beng" typeface="Vrinda"/>
+        <a:font script="Gujr" typeface="Shruti"/>
+        <a:font script="Khmr" typeface="DaunPenh"/>
+        <a:font script="Knda" typeface="Tunga"/>
+        <a:font script="Guru" typeface="Raavi"/>
+        <a:font script="Cans" typeface="Euphemia"/>
+        <a:font script="Cher" typeface="Plantagenet Cherokee"/>
+        <a:font script="Yiii" typeface="Microsoft Yi Baiti"/>
+        <a:font script="Tibt" typeface="Microsoft Himalaya"/>
+        <a:font script="Thaa" typeface="MV Boli"/>
+        <a:font script="Deva" typeface="Mangal"/>
+        <a:font script="Telu" typeface="Gautami"/>
+        <a:font script="Taml" typeface="Latha"/>
+        <a:font script="Syrc" typeface="Estrangelo Edessa"/>
+        <a:font script="Orya" typeface="Kalinga"/>
+        <a:font script="Mlym" typeface="Kartika"/>
+        <a:font script="Laoo" typeface="DokChampa"/>
+        <a:font script="Sinh" typeface="Iskoola Pota"/>
+        <a:font script="Mong" typeface="Mongolian Baiti"/>
+        <a:font script="Viet" typeface="Arial"/>
+        <a:font script="Uigh" typeface="Microsoft Uighur"/>
+        <a:font script="Geor" typeface="Sylfaen"/>
+        <a:font script="Armn" typeface="Arial"/>
+        <a:font script="Bugi" typeface="Leelawadee UI"/>
+        <a:font script="Bopo" typeface="Microsoft JhengHei"/>
+        <a:font script="Java" typeface="Javanese Text"/>
+        <a:font script="Lisu" typeface="Segoe UI"/>
+        <a:font script="Mymr" typeface="Myanmar Text"/>
+        <a:font script="Nkoo" typeface="Ebrima"/>
+        <a:font script="Olck" typeface="Nirmala UI"/>
+        <a:font script="Osma" typeface="Ebrima"/>
+        <a:font script="Phag" typeface="Phagspa"/>
+        <a:font script="Syrn" typeface="Estrangelo Edessa"/>
+        <a:font script="Syrj" typeface="Estrangelo Edessa"/>
+        <a:font script="Syre" typeface="Estrangelo Edessa"/>
+        <a:font script="Sora" typeface="Nirmala UI"/>
+        <a:font script="Tale" typeface="Microsoft Tai Le"/>
+        <a:font script="Talu" typeface="Microsoft New Tai Lue"/>
+        <a:font script="Tfng" typeface="Ebrima"/>
+      </a:minorFont>
+    </a:fontScheme>
+    <a:fmtScheme name="Office">
+      <a:fillStyleLst>
+        <a:solidFill>
+          <a:schemeClr val="phClr"/>
+        </a:solidFill>
+        <a:gradFill rotWithShape="1">
+          <a:gsLst>
+            <a:gs pos="0">
+              <a:schemeClr val="phClr">
+                <a:lumMod val="110000"/>
+                <a:satMod val="105000"/>
+                <a:tint val="67000"/>
+              </a:schemeClr>
+            </a:gs>
+            <a:gs pos="50000">
+              <a:schemeClr val="phClr">
+                <a:lumMod val="105000"/>
+                <a:satMod val="103000"/>
+                <a:tint val="73000"/>
+              </a:schemeClr>
+            </a:gs>
+            <a:gs pos="100000">
+              <a:schemeClr val="phClr">
+                <a:lumMod val="105000"/>
+                <a:satMod val="109000"/>
+                <a:tint val="81000"/>
+              </a:schemeClr>
+            </a:gs>
+          </a:gsLst>
+          <a:lin ang="5400000" scaled="0"/>
+        </a:gradFill>
+        <a:gradFill rotWithShape="1">
+          <a:gsLst>
+            <a:gs pos="0">
+              <a:schemeClr val="phClr">
+                <a:satMod val="103000"/>
+                <a:lumMod val="102000"/>
+                <a:tint val="94000"/>
+              </a:schemeClr>
+            </a:gs>
+            <a:gs pos="50000">
+              <a:schemeClr val="phClr">
+                <a:satMod val="110000"/>
+                <a:lumMod val="100000"/>
+                <a:shade val="100000"/>
+              </a:schemeClr>
+            </a:gs>
+            <a:gs pos="100000">
+              <a:schemeClr val="phClr">
+                <a:lumMod val="99000"/>
+                <a:satMod val="120000"/>
+                <a:shade val="78000"/>
+              </a:schemeClr>
+            </a:gs>
+          </a:gsLst>
+          <a:lin ang="5400000" scaled="0"/>
+        </a:gradFill>
+      </a:fillStyleLst>
+      <a:lnStyleLst>
+        <a:ln w="12700" cap="flat" cmpd="sng" algn="ctr">
+          <a:solidFill>
+            <a:schemeClr val="phClr"/>
+          </a:solidFill>
+          <a:prstDash val="solid"/>
+          <a:miter lim="800000"/>
+        </a:ln>
+        <a:ln w="19050" cap="flat" cmpd="sng" algn="ctr">
+          <a:solidFill>
+            <a:schemeClr val="phClr"/>
+          </a:solidFill>
+          <a:prstDash val="solid"/>
+          <a:miter lim="800000"/>
+        </a:ln>
+        <a:ln w="25400" cap="flat" cmpd="sng" algn="ctr">
+          <a:solidFill>
+            <a:schemeClr val="phClr"/>
+          </a:solidFill>
+          <a:prstDash val="solid"/>
+          <a:miter lim="800000"/>
+        </a:ln>
+      </a:lnStyleLst>
+      <a:effectStyleLst>
+        <a:effectStyle>
+          <a:effectLst/>
+        </a:effectStyle>
+        <a:effectStyle>
+          <a:effectLst/>
+        </a:effectStyle>
+        <a:effectStyle>
+          <a:effectLst>
+            <a:outerShdw blurRad="57150" dist="19050" dir="5400000" algn="ctr" rotWithShape="0">
+              <a:srgbClr val="000000">
+                <a:alpha val="63000"/>
+              </a:srgbClr>
+            </a:outerShdw>
+          </a:effectLst>
+        </a:effectStyle>
+      </a:effectStyleLst>
+      <a:bgFillStyleLst>
+        <a:solidFill>
+          <a:schemeClr val="phClr"/>
+        </a:solidFill>
+        <a:solidFill>
+          <a:schemeClr val="phClr">
+            <a:tint val="95000"/>
+            <a:satMod val="170000"/>
+          </a:schemeClr>
+        </a:solidFill>
+        <a:gradFill rotWithShape="1">
+          <a:gsLst>
+            <a:gs pos="0">
+              <a:schemeClr val="phClr">
+                <a:tint val="93000"/>
+                <a:satMod val="150000"/>
+                <a:shade val="98000"/>
+                <a:lumMod val="102000"/>
+              </a:schemeClr>
+            </a:gs>
+            <a:gs pos="50000">
+              <a:schemeClr val="phClr">
+                <a:tint val="98000"/>
+                <a:satMod val="130000"/>
+                <a:shade val="90000"/>
+                <a:lumMod val="103000"/>
+              </a:schemeClr>
+            </a:gs>
+            <a:gs pos="100000">
+              <a:schemeClr val="phClr">
+                <a:shade val="63000"/>
+                <a:satMod val="120000"/>
+              </a:schemeClr>
+            </a:gs>
+          </a:gsLst>
+          <a:lin ang="5400000" scaled="0"/>
+        </a:gradFill>
+      </a:bgFillStyleLst>
+    </a:fmtScheme>
+  </a:themeElements>
+  <a:objectDefaults>
+    <a:lnDef>
+      <a:spPr/>
+      <a:bodyPr/>
+      <a:lstStyle/>
+      <a:style>
+        <a:lnRef idx="2">
+          <a:schemeClr val="accent1"/>
+        </a:lnRef>
+        <a:fillRef idx="0">
+          <a:schemeClr val="accent1"/>
+        </a:fillRef>
+        <a:effectRef idx="1">
+          <a:schemeClr val="accent1"/>
+        </a:effectRef>
+        <a:fontRef idx="minor">
+          <a:schemeClr val="tx1"/>
+        </a:fontRef>
+      </a:style>
+    </a:lnDef>
+  </a:objectDefaults>
+  <a:extraClrSchemeLst/>
+  <a:extLst>
+    <a:ext uri="{05A4C25C-085E-4340-85A3-A5531E510DB2}">
+      <thm15:themeFamily xmlns:thm15="http://schemas.microsoft.com/office/thememl/2012/main" name="Office Theme" id="{2E142A2C-CD16-42D6-873A-C26D2A0506FA}" vid="{1BDDFF52-6CD6-40A5-AB3C-68EB2F1E4D0A}"/>
+    </a:ext>
+  </a:extLst>
+</a:theme>
 </file>
--- a/graphs/2c4q_Mutation_Graphs.pptx
+++ b/graphs/2c4q_Mutation_Graphs.pptx
@@ -5,7 +5,7 @@
     <p:sldMasterId id="2147483648" r:id="rId1"/>
   </p:sldMasterIdLst>
   <p:notesMasterIdLst>
-    <p:notesMasterId r:id="rId13"/>
+    <p:notesMasterId r:id="rId15"/>
   </p:notesMasterIdLst>
   <p:sldIdLst>
     <p:sldId id="256" r:id="rId2"/>
@@ -17,8 +17,10 @@
     <p:sldId id="287" r:id="rId8"/>
     <p:sldId id="286" r:id="rId9"/>
     <p:sldId id="290" r:id="rId10"/>
-    <p:sldId id="288" r:id="rId11"/>
-    <p:sldId id="289" r:id="rId12"/>
+    <p:sldId id="292" r:id="rId11"/>
+    <p:sldId id="293" r:id="rId12"/>
+    <p:sldId id="288" r:id="rId13"/>
+    <p:sldId id="289" r:id="rId14"/>
   </p:sldIdLst>
   <p:sldSz cx="12192000" cy="6858000"/>
   <p:notesSz cx="6858000" cy="9144000"/>
@@ -207,7 +209,7 @@
           <a:p>
             <a:fld id="{7623281A-8D51-F24D-A44D-801F90768EA0}" type="datetimeFigureOut">
               <a:rPr lang="en-US" smtClean="0"/>
-              <a:t>7/9/24</a:t>
+              <a:t>7/12/24</a:t>
             </a:fld>
             <a:endParaRPr lang="en-US"/>
           </a:p>
@@ -810,6 +812,174 @@
 </p:notes>
 </file>
 
+<file path=ppt/notesSlides/notesSlide5.xml><?xml version="1.0" encoding="utf-8"?>
+<p:notes xmlns:a="http://schemas.openxmlformats.org/drawingml/2006/main" xmlns:r="http://schemas.openxmlformats.org/officeDocument/2006/relationships" xmlns:p="http://schemas.openxmlformats.org/presentationml/2006/main">
+  <p:cSld>
+    <p:spTree>
+      <p:nvGrpSpPr>
+        <p:cNvPr id="1" name=""/>
+        <p:cNvGrpSpPr/>
+        <p:nvPr/>
+      </p:nvGrpSpPr>
+      <p:grpSpPr>
+        <a:xfrm>
+          <a:off x="0" y="0"/>
+          <a:ext cx="0" cy="0"/>
+          <a:chOff x="0" y="0"/>
+          <a:chExt cx="0" cy="0"/>
+        </a:xfrm>
+      </p:grpSpPr>
+      <p:sp>
+        <p:nvSpPr>
+          <p:cNvPr id="2" name="Slide Image Placeholder 1"/>
+          <p:cNvSpPr>
+            <a:spLocks noGrp="1" noRot="1" noChangeAspect="1"/>
+          </p:cNvSpPr>
+          <p:nvPr>
+            <p:ph type="sldImg"/>
+          </p:nvPr>
+        </p:nvSpPr>
+        <p:spPr/>
+      </p:sp>
+      <p:sp>
+        <p:nvSpPr>
+          <p:cNvPr id="3" name="Notes Placeholder 2"/>
+          <p:cNvSpPr>
+            <a:spLocks noGrp="1"/>
+          </p:cNvSpPr>
+          <p:nvPr>
+            <p:ph type="body" idx="1"/>
+          </p:nvPr>
+        </p:nvSpPr>
+        <p:spPr/>
+        <p:txBody>
+          <a:bodyPr/>
+          <a:lstStyle/>
+          <a:p>
+            <a:endParaRPr lang="en-US" dirty="0"/>
+          </a:p>
+        </p:txBody>
+      </p:sp>
+      <p:sp>
+        <p:nvSpPr>
+          <p:cNvPr id="4" name="Slide Number Placeholder 3"/>
+          <p:cNvSpPr>
+            <a:spLocks noGrp="1"/>
+          </p:cNvSpPr>
+          <p:nvPr>
+            <p:ph type="sldNum" sz="quarter" idx="5"/>
+          </p:nvPr>
+        </p:nvSpPr>
+        <p:spPr/>
+        <p:txBody>
+          <a:bodyPr/>
+          <a:lstStyle/>
+          <a:p>
+            <a:fld id="{8E56A5B0-A2AA-0E4F-BF3A-A5C158D54A12}" type="slidenum">
+              <a:rPr lang="en-US" smtClean="0"/>
+              <a:t>10</a:t>
+            </a:fld>
+            <a:endParaRPr lang="en-US"/>
+          </a:p>
+        </p:txBody>
+      </p:sp>
+    </p:spTree>
+    <p:extLst>
+      <p:ext uri="{BB962C8B-B14F-4D97-AF65-F5344CB8AC3E}">
+        <p14:creationId xmlns:p14="http://schemas.microsoft.com/office/powerpoint/2010/main" val="3355058272"/>
+      </p:ext>
+    </p:extLst>
+  </p:cSld>
+  <p:clrMapOvr>
+    <a:masterClrMapping/>
+  </p:clrMapOvr>
+</p:notes>
+</file>
+
+<file path=ppt/notesSlides/notesSlide6.xml><?xml version="1.0" encoding="utf-8"?>
+<p:notes xmlns:a="http://schemas.openxmlformats.org/drawingml/2006/main" xmlns:r="http://schemas.openxmlformats.org/officeDocument/2006/relationships" xmlns:p="http://schemas.openxmlformats.org/presentationml/2006/main">
+  <p:cSld>
+    <p:spTree>
+      <p:nvGrpSpPr>
+        <p:cNvPr id="1" name=""/>
+        <p:cNvGrpSpPr/>
+        <p:nvPr/>
+      </p:nvGrpSpPr>
+      <p:grpSpPr>
+        <a:xfrm>
+          <a:off x="0" y="0"/>
+          <a:ext cx="0" cy="0"/>
+          <a:chOff x="0" y="0"/>
+          <a:chExt cx="0" cy="0"/>
+        </a:xfrm>
+      </p:grpSpPr>
+      <p:sp>
+        <p:nvSpPr>
+          <p:cNvPr id="2" name="Slide Image Placeholder 1"/>
+          <p:cNvSpPr>
+            <a:spLocks noGrp="1" noRot="1" noChangeAspect="1"/>
+          </p:cNvSpPr>
+          <p:nvPr>
+            <p:ph type="sldImg"/>
+          </p:nvPr>
+        </p:nvSpPr>
+        <p:spPr/>
+      </p:sp>
+      <p:sp>
+        <p:nvSpPr>
+          <p:cNvPr id="3" name="Notes Placeholder 2"/>
+          <p:cNvSpPr>
+            <a:spLocks noGrp="1"/>
+          </p:cNvSpPr>
+          <p:nvPr>
+            <p:ph type="body" idx="1"/>
+          </p:nvPr>
+        </p:nvSpPr>
+        <p:spPr/>
+        <p:txBody>
+          <a:bodyPr/>
+          <a:lstStyle/>
+          <a:p>
+            <a:endParaRPr lang="en-US" dirty="0"/>
+          </a:p>
+        </p:txBody>
+      </p:sp>
+      <p:sp>
+        <p:nvSpPr>
+          <p:cNvPr id="4" name="Slide Number Placeholder 3"/>
+          <p:cNvSpPr>
+            <a:spLocks noGrp="1"/>
+          </p:cNvSpPr>
+          <p:nvPr>
+            <p:ph type="sldNum" sz="quarter" idx="5"/>
+          </p:nvPr>
+        </p:nvSpPr>
+        <p:spPr/>
+        <p:txBody>
+          <a:bodyPr/>
+          <a:lstStyle/>
+          <a:p>
+            <a:fld id="{8E56A5B0-A2AA-0E4F-BF3A-A5C158D54A12}" type="slidenum">
+              <a:rPr lang="en-US" smtClean="0"/>
+              <a:t>11</a:t>
+            </a:fld>
+            <a:endParaRPr lang="en-US"/>
+          </a:p>
+        </p:txBody>
+      </p:sp>
+    </p:spTree>
+    <p:extLst>
+      <p:ext uri="{BB962C8B-B14F-4D97-AF65-F5344CB8AC3E}">
+        <p14:creationId xmlns:p14="http://schemas.microsoft.com/office/powerpoint/2010/main" val="3787182053"/>
+      </p:ext>
+    </p:extLst>
+  </p:cSld>
+  <p:clrMapOvr>
+    <a:masterClrMapping/>
+  </p:clrMapOvr>
+</p:notes>
+</file>
+
 <file path=ppt/slideLayouts/slideLayout1.xml><?xml version="1.0" encoding="utf-8"?>
 <p:sldLayout xmlns:a="http://schemas.openxmlformats.org/drawingml/2006/main" xmlns:r="http://schemas.openxmlformats.org/officeDocument/2006/relationships" xmlns:p="http://schemas.openxmlformats.org/presentationml/2006/main" type="title" preserve="1">
   <p:cSld name="Title Slide">
@@ -957,7 +1127,7 @@
           <a:p>
             <a:fld id="{49F24598-E0FC-E241-BAA2-BE1A2687DE9E}" type="datetimeFigureOut">
               <a:rPr lang="en-US" smtClean="0"/>
-              <a:t>7/9/24</a:t>
+              <a:t>7/12/24</a:t>
             </a:fld>
             <a:endParaRPr lang="en-US"/>
           </a:p>
@@ -1155,7 +1325,7 @@
           <a:p>
             <a:fld id="{49F24598-E0FC-E241-BAA2-BE1A2687DE9E}" type="datetimeFigureOut">
               <a:rPr lang="en-US" smtClean="0"/>
-              <a:t>7/9/24</a:t>
+              <a:t>7/12/24</a:t>
             </a:fld>
             <a:endParaRPr lang="en-US"/>
           </a:p>
@@ -1363,7 +1533,7 @@
           <a:p>
             <a:fld id="{49F24598-E0FC-E241-BAA2-BE1A2687DE9E}" type="datetimeFigureOut">
               <a:rPr lang="en-US" smtClean="0"/>
-              <a:t>7/9/24</a:t>
+              <a:t>7/12/24</a:t>
             </a:fld>
             <a:endParaRPr lang="en-US"/>
           </a:p>
@@ -1561,7 +1731,7 @@
           <a:p>
             <a:fld id="{49F24598-E0FC-E241-BAA2-BE1A2687DE9E}" type="datetimeFigureOut">
               <a:rPr lang="en-US" smtClean="0"/>
-              <a:t>7/9/24</a:t>
+              <a:t>7/12/24</a:t>
             </a:fld>
             <a:endParaRPr lang="en-US"/>
           </a:p>
@@ -1836,7 +2006,7 @@
           <a:p>
             <a:fld id="{49F24598-E0FC-E241-BAA2-BE1A2687DE9E}" type="datetimeFigureOut">
               <a:rPr lang="en-US" smtClean="0"/>
-              <a:t>7/9/24</a:t>
+              <a:t>7/12/24</a:t>
             </a:fld>
             <a:endParaRPr lang="en-US"/>
           </a:p>
@@ -2101,7 +2271,7 @@
           <a:p>
             <a:fld id="{49F24598-E0FC-E241-BAA2-BE1A2687DE9E}" type="datetimeFigureOut">
               <a:rPr lang="en-US" smtClean="0"/>
-              <a:t>7/9/24</a:t>
+              <a:t>7/12/24</a:t>
             </a:fld>
             <a:endParaRPr lang="en-US"/>
           </a:p>
@@ -2513,7 +2683,7 @@
           <a:p>
             <a:fld id="{49F24598-E0FC-E241-BAA2-BE1A2687DE9E}" type="datetimeFigureOut">
               <a:rPr lang="en-US" smtClean="0"/>
-              <a:t>7/9/24</a:t>
+              <a:t>7/12/24</a:t>
             </a:fld>
             <a:endParaRPr lang="en-US"/>
           </a:p>
@@ -2654,7 +2824,7 @@
           <a:p>
             <a:fld id="{49F24598-E0FC-E241-BAA2-BE1A2687DE9E}" type="datetimeFigureOut">
               <a:rPr lang="en-US" smtClean="0"/>
-              <a:t>7/9/24</a:t>
+              <a:t>7/12/24</a:t>
             </a:fld>
             <a:endParaRPr lang="en-US"/>
           </a:p>
@@ -2767,7 +2937,7 @@
           <a:p>
             <a:fld id="{49F24598-E0FC-E241-BAA2-BE1A2687DE9E}" type="datetimeFigureOut">
               <a:rPr lang="en-US" smtClean="0"/>
-              <a:t>7/9/24</a:t>
+              <a:t>7/12/24</a:t>
             </a:fld>
             <a:endParaRPr lang="en-US"/>
           </a:p>
@@ -3078,7 +3248,7 @@
           <a:p>
             <a:fld id="{49F24598-E0FC-E241-BAA2-BE1A2687DE9E}" type="datetimeFigureOut">
               <a:rPr lang="en-US" smtClean="0"/>
-              <a:t>7/9/24</a:t>
+              <a:t>7/12/24</a:t>
             </a:fld>
             <a:endParaRPr lang="en-US"/>
           </a:p>
@@ -3366,7 +3536,7 @@
           <a:p>
             <a:fld id="{49F24598-E0FC-E241-BAA2-BE1A2687DE9E}" type="datetimeFigureOut">
               <a:rPr lang="en-US" smtClean="0"/>
-              <a:t>7/9/24</a:t>
+              <a:t>7/12/24</a:t>
             </a:fld>
             <a:endParaRPr lang="en-US"/>
           </a:p>
@@ -3607,7 +3777,7 @@
           <a:p>
             <a:fld id="{49F24598-E0FC-E241-BAA2-BE1A2687DE9E}" type="datetimeFigureOut">
               <a:rPr lang="en-US" smtClean="0"/>
-              <a:t>7/9/24</a:t>
+              <a:t>7/12/24</a:t>
             </a:fld>
             <a:endParaRPr lang="en-US"/>
           </a:p>
@@ -4091,6 +4261,504 @@
 </file>
 
 <file path=ppt/slides/slide10.xml><?xml version="1.0" encoding="utf-8"?>
+<p:sld xmlns:a="http://schemas.openxmlformats.org/drawingml/2006/main" xmlns:r="http://schemas.openxmlformats.org/officeDocument/2006/relationships" xmlns:p="http://schemas.openxmlformats.org/presentationml/2006/main">
+  <p:cSld>
+    <p:spTree>
+      <p:nvGrpSpPr>
+        <p:cNvPr id="1" name=""/>
+        <p:cNvGrpSpPr/>
+        <p:nvPr/>
+      </p:nvGrpSpPr>
+      <p:grpSpPr>
+        <a:xfrm>
+          <a:off x="0" y="0"/>
+          <a:ext cx="0" cy="0"/>
+          <a:chOff x="0" y="0"/>
+          <a:chExt cx="0" cy="0"/>
+        </a:xfrm>
+      </p:grpSpPr>
+      <p:sp>
+        <p:nvSpPr>
+          <p:cNvPr id="2" name="Title 1">
+            <a:extLst>
+              <a:ext uri="{FF2B5EF4-FFF2-40B4-BE49-F238E27FC236}">
+                <a16:creationId xmlns:a16="http://schemas.microsoft.com/office/drawing/2014/main" id="{1A877E3B-C8DE-F07E-AF0F-4CF353351B7C}"/>
+              </a:ext>
+            </a:extLst>
+          </p:cNvPr>
+          <p:cNvSpPr>
+            <a:spLocks noGrp="1"/>
+          </p:cNvSpPr>
+          <p:nvPr>
+            <p:ph type="title"/>
+          </p:nvPr>
+        </p:nvSpPr>
+        <p:spPr/>
+        <p:txBody>
+          <a:bodyPr/>
+          <a:lstStyle/>
+          <a:p>
+            <a:r>
+              <a:rPr lang="en-US" dirty="0" err="1"/>
+              <a:t>AF_Outliers_Quadruple</a:t>
+            </a:r>
+            <a:r>
+              <a:rPr lang="en-US" dirty="0"/>
+              <a:t> Mutation – PHI 9.5</a:t>
+            </a:r>
+          </a:p>
+        </p:txBody>
+      </p:sp>
+      <p:sp>
+        <p:nvSpPr>
+          <p:cNvPr id="4" name="TextBox 3">
+            <a:extLst>
+              <a:ext uri="{FF2B5EF4-FFF2-40B4-BE49-F238E27FC236}">
+                <a16:creationId xmlns:a16="http://schemas.microsoft.com/office/drawing/2014/main" id="{728302CB-C012-00EF-0450-25C9128C2913}"/>
+              </a:ext>
+            </a:extLst>
+          </p:cNvPr>
+          <p:cNvSpPr txBox="1"/>
+          <p:nvPr/>
+        </p:nvSpPr>
+        <p:spPr>
+          <a:xfrm>
+            <a:off x="838200" y="1757723"/>
+            <a:ext cx="6094990" cy="923330"/>
+          </a:xfrm>
+          <a:prstGeom prst="rect">
+            <a:avLst/>
+          </a:prstGeom>
+          <a:noFill/>
+        </p:spPr>
+        <p:txBody>
+          <a:bodyPr wrap="square">
+            <a:spAutoFit/>
+          </a:bodyPr>
+          <a:lstStyle/>
+          <a:p>
+            <a:r>
+              <a:rPr lang="en-US" dirty="0"/>
+              <a:t>Pearson rank correlation coefficient: 0.143 </a:t>
+            </a:r>
+          </a:p>
+          <a:p>
+            <a:r>
+              <a:rPr lang="en-US" dirty="0"/>
+              <a:t>Spearman rank correlation coefficient: 0.022 </a:t>
+            </a:r>
+          </a:p>
+          <a:p>
+            <a:r>
+              <a:rPr lang="en-US" dirty="0"/>
+              <a:t>Coefficient of Determination (R^2): 0.020</a:t>
+            </a:r>
+          </a:p>
+        </p:txBody>
+      </p:sp>
+      <p:pic>
+        <p:nvPicPr>
+          <p:cNvPr id="2050" name="Picture 2">
+            <a:extLst>
+              <a:ext uri="{FF2B5EF4-FFF2-40B4-BE49-F238E27FC236}">
+                <a16:creationId xmlns:a16="http://schemas.microsoft.com/office/drawing/2014/main" id="{F84B313A-1925-0ABA-2B4B-0636E3326281}"/>
+              </a:ext>
+            </a:extLst>
+          </p:cNvPr>
+          <p:cNvPicPr>
+            <a:picLocks noChangeAspect="1" noChangeArrowheads="1"/>
+          </p:cNvPicPr>
+          <p:nvPr/>
+        </p:nvPicPr>
+        <p:blipFill>
+          <a:blip r:embed="rId3">
+            <a:extLst>
+              <a:ext uri="{28A0092B-C50C-407E-A947-70E740481C1C}">
+                <a14:useLocalDpi xmlns:a14="http://schemas.microsoft.com/office/drawing/2010/main" val="0"/>
+              </a:ext>
+            </a:extLst>
+          </a:blip>
+          <a:srcRect/>
+          <a:stretch>
+            <a:fillRect/>
+          </a:stretch>
+        </p:blipFill>
+        <p:spPr bwMode="auto">
+          <a:xfrm>
+            <a:off x="125338" y="3428999"/>
+            <a:ext cx="3980441" cy="2815681"/>
+          </a:xfrm>
+          <a:prstGeom prst="rect">
+            <a:avLst/>
+          </a:prstGeom>
+          <a:noFill/>
+          <a:extLst>
+            <a:ext uri="{909E8E84-426E-40DD-AFC4-6F175D3DCCD1}">
+              <a14:hiddenFill xmlns:a14="http://schemas.microsoft.com/office/drawing/2010/main">
+                <a:solidFill>
+                  <a:srgbClr val="FFFFFF"/>
+                </a:solidFill>
+              </a14:hiddenFill>
+            </a:ext>
+          </a:extLst>
+        </p:spPr>
+      </p:pic>
+      <p:pic>
+        <p:nvPicPr>
+          <p:cNvPr id="2052" name="Picture 4">
+            <a:extLst>
+              <a:ext uri="{FF2B5EF4-FFF2-40B4-BE49-F238E27FC236}">
+                <a16:creationId xmlns:a16="http://schemas.microsoft.com/office/drawing/2014/main" id="{2607EF9A-5E6C-D932-CE9B-154D37BC0A45}"/>
+              </a:ext>
+            </a:extLst>
+          </p:cNvPr>
+          <p:cNvPicPr>
+            <a:picLocks noChangeAspect="1" noChangeArrowheads="1"/>
+          </p:cNvPicPr>
+          <p:nvPr/>
+        </p:nvPicPr>
+        <p:blipFill>
+          <a:blip r:embed="rId4">
+            <a:extLst>
+              <a:ext uri="{28A0092B-C50C-407E-A947-70E740481C1C}">
+                <a14:useLocalDpi xmlns:a14="http://schemas.microsoft.com/office/drawing/2010/main" val="0"/>
+              </a:ext>
+            </a:extLst>
+          </a:blip>
+          <a:srcRect/>
+          <a:stretch>
+            <a:fillRect/>
+          </a:stretch>
+        </p:blipFill>
+        <p:spPr bwMode="auto">
+          <a:xfrm>
+            <a:off x="4105779" y="3428999"/>
+            <a:ext cx="3980441" cy="2815681"/>
+          </a:xfrm>
+          <a:prstGeom prst="rect">
+            <a:avLst/>
+          </a:prstGeom>
+          <a:noFill/>
+          <a:extLst>
+            <a:ext uri="{909E8E84-426E-40DD-AFC4-6F175D3DCCD1}">
+              <a14:hiddenFill xmlns:a14="http://schemas.microsoft.com/office/drawing/2010/main">
+                <a:solidFill>
+                  <a:srgbClr val="FFFFFF"/>
+                </a:solidFill>
+              </a14:hiddenFill>
+            </a:ext>
+          </a:extLst>
+        </p:spPr>
+      </p:pic>
+      <p:pic>
+        <p:nvPicPr>
+          <p:cNvPr id="2054" name="Picture 6">
+            <a:extLst>
+              <a:ext uri="{FF2B5EF4-FFF2-40B4-BE49-F238E27FC236}">
+                <a16:creationId xmlns:a16="http://schemas.microsoft.com/office/drawing/2014/main" id="{4F61AC79-B805-DB57-25A5-C7EB409AF294}"/>
+              </a:ext>
+            </a:extLst>
+          </p:cNvPr>
+          <p:cNvPicPr>
+            <a:picLocks noChangeAspect="1" noChangeArrowheads="1"/>
+          </p:cNvPicPr>
+          <p:nvPr/>
+        </p:nvPicPr>
+        <p:blipFill>
+          <a:blip r:embed="rId5">
+            <a:extLst>
+              <a:ext uri="{28A0092B-C50C-407E-A947-70E740481C1C}">
+                <a14:useLocalDpi xmlns:a14="http://schemas.microsoft.com/office/drawing/2010/main" val="0"/>
+              </a:ext>
+            </a:extLst>
+          </a:blip>
+          <a:srcRect/>
+          <a:stretch>
+            <a:fillRect/>
+          </a:stretch>
+        </p:blipFill>
+        <p:spPr bwMode="auto">
+          <a:xfrm>
+            <a:off x="8086220" y="3428999"/>
+            <a:ext cx="3980442" cy="2815681"/>
+          </a:xfrm>
+          <a:prstGeom prst="rect">
+            <a:avLst/>
+          </a:prstGeom>
+          <a:noFill/>
+          <a:extLst>
+            <a:ext uri="{909E8E84-426E-40DD-AFC4-6F175D3DCCD1}">
+              <a14:hiddenFill xmlns:a14="http://schemas.microsoft.com/office/drawing/2010/main">
+                <a:solidFill>
+                  <a:srgbClr val="FFFFFF"/>
+                </a:solidFill>
+              </a14:hiddenFill>
+            </a:ext>
+          </a:extLst>
+        </p:spPr>
+      </p:pic>
+    </p:spTree>
+    <p:extLst>
+      <p:ext uri="{BB962C8B-B14F-4D97-AF65-F5344CB8AC3E}">
+        <p14:creationId xmlns:p14="http://schemas.microsoft.com/office/powerpoint/2010/main" val="3729192328"/>
+      </p:ext>
+    </p:extLst>
+  </p:cSld>
+  <p:clrMapOvr>
+    <a:masterClrMapping/>
+  </p:clrMapOvr>
+</p:sld>
+</file>
+
+<file path=ppt/slides/slide11.xml><?xml version="1.0" encoding="utf-8"?>
+<p:sld xmlns:a="http://schemas.openxmlformats.org/drawingml/2006/main" xmlns:r="http://schemas.openxmlformats.org/officeDocument/2006/relationships" xmlns:p="http://schemas.openxmlformats.org/presentationml/2006/main">
+  <p:cSld>
+    <p:spTree>
+      <p:nvGrpSpPr>
+        <p:cNvPr id="1" name=""/>
+        <p:cNvGrpSpPr/>
+        <p:nvPr/>
+      </p:nvGrpSpPr>
+      <p:grpSpPr>
+        <a:xfrm>
+          <a:off x="0" y="0"/>
+          <a:ext cx="0" cy="0"/>
+          <a:chOff x="0" y="0"/>
+          <a:chExt cx="0" cy="0"/>
+        </a:xfrm>
+      </p:grpSpPr>
+      <p:sp>
+        <p:nvSpPr>
+          <p:cNvPr id="2" name="Title 1">
+            <a:extLst>
+              <a:ext uri="{FF2B5EF4-FFF2-40B4-BE49-F238E27FC236}">
+                <a16:creationId xmlns:a16="http://schemas.microsoft.com/office/drawing/2014/main" id="{1A877E3B-C8DE-F07E-AF0F-4CF353351B7C}"/>
+              </a:ext>
+            </a:extLst>
+          </p:cNvPr>
+          <p:cNvSpPr>
+            <a:spLocks noGrp="1"/>
+          </p:cNvSpPr>
+          <p:nvPr>
+            <p:ph type="title"/>
+          </p:nvPr>
+        </p:nvSpPr>
+        <p:spPr/>
+        <p:txBody>
+          <a:bodyPr>
+            <a:normAutofit/>
+          </a:bodyPr>
+          <a:lstStyle/>
+          <a:p>
+            <a:r>
+              <a:rPr lang="en-US" sz="4000" dirty="0"/>
+              <a:t>2c4q+AF_Outliers_Quadruple Mutation – PHI 9.5</a:t>
+            </a:r>
+          </a:p>
+        </p:txBody>
+      </p:sp>
+      <p:sp>
+        <p:nvSpPr>
+          <p:cNvPr id="4" name="TextBox 3">
+            <a:extLst>
+              <a:ext uri="{FF2B5EF4-FFF2-40B4-BE49-F238E27FC236}">
+                <a16:creationId xmlns:a16="http://schemas.microsoft.com/office/drawing/2014/main" id="{728302CB-C012-00EF-0450-25C9128C2913}"/>
+              </a:ext>
+            </a:extLst>
+          </p:cNvPr>
+          <p:cNvSpPr txBox="1"/>
+          <p:nvPr/>
+        </p:nvSpPr>
+        <p:spPr>
+          <a:xfrm>
+            <a:off x="838200" y="1757723"/>
+            <a:ext cx="6094990" cy="923330"/>
+          </a:xfrm>
+          <a:prstGeom prst="rect">
+            <a:avLst/>
+          </a:prstGeom>
+          <a:noFill/>
+        </p:spPr>
+        <p:txBody>
+          <a:bodyPr wrap="square">
+            <a:spAutoFit/>
+          </a:bodyPr>
+          <a:lstStyle/>
+          <a:p>
+            <a:r>
+              <a:rPr lang="en-US" dirty="0"/>
+              <a:t>Pearson rank correlation coefficient: 0.043 </a:t>
+            </a:r>
+          </a:p>
+          <a:p>
+            <a:r>
+              <a:rPr lang="en-US" dirty="0"/>
+              <a:t>Spearman rank correlation coefficient: -0.025 </a:t>
+            </a:r>
+          </a:p>
+          <a:p>
+            <a:r>
+              <a:rPr lang="en-US" dirty="0"/>
+              <a:t>Coefficient of Determination (R^2): 0.002</a:t>
+            </a:r>
+          </a:p>
+        </p:txBody>
+      </p:sp>
+      <p:pic>
+        <p:nvPicPr>
+          <p:cNvPr id="1026" name="Picture 2">
+            <a:extLst>
+              <a:ext uri="{FF2B5EF4-FFF2-40B4-BE49-F238E27FC236}">
+                <a16:creationId xmlns:a16="http://schemas.microsoft.com/office/drawing/2014/main" id="{6095F24B-76AC-EC3E-C78C-09B2F0FF1B3E}"/>
+              </a:ext>
+            </a:extLst>
+          </p:cNvPr>
+          <p:cNvPicPr>
+            <a:picLocks noChangeAspect="1" noChangeArrowheads="1"/>
+          </p:cNvPicPr>
+          <p:nvPr/>
+        </p:nvPicPr>
+        <p:blipFill>
+          <a:blip r:embed="rId3">
+            <a:extLst>
+              <a:ext uri="{28A0092B-C50C-407E-A947-70E740481C1C}">
+                <a14:useLocalDpi xmlns:a14="http://schemas.microsoft.com/office/drawing/2010/main" val="0"/>
+              </a:ext>
+            </a:extLst>
+          </a:blip>
+          <a:srcRect/>
+          <a:stretch>
+            <a:fillRect/>
+          </a:stretch>
+        </p:blipFill>
+        <p:spPr bwMode="auto">
+          <a:xfrm>
+            <a:off x="573" y="3221595"/>
+            <a:ext cx="3885122" cy="2748254"/>
+          </a:xfrm>
+          <a:prstGeom prst="rect">
+            <a:avLst/>
+          </a:prstGeom>
+          <a:noFill/>
+          <a:extLst>
+            <a:ext uri="{909E8E84-426E-40DD-AFC4-6F175D3DCCD1}">
+              <a14:hiddenFill xmlns:a14="http://schemas.microsoft.com/office/drawing/2010/main">
+                <a:solidFill>
+                  <a:srgbClr val="FFFFFF"/>
+                </a:solidFill>
+              </a14:hiddenFill>
+            </a:ext>
+          </a:extLst>
+        </p:spPr>
+      </p:pic>
+      <p:pic>
+        <p:nvPicPr>
+          <p:cNvPr id="1028" name="Picture 4">
+            <a:extLst>
+              <a:ext uri="{FF2B5EF4-FFF2-40B4-BE49-F238E27FC236}">
+                <a16:creationId xmlns:a16="http://schemas.microsoft.com/office/drawing/2014/main" id="{4CE577CE-0B54-F141-5BB8-39C913922984}"/>
+              </a:ext>
+            </a:extLst>
+          </p:cNvPr>
+          <p:cNvPicPr>
+            <a:picLocks noChangeAspect="1" noChangeArrowheads="1"/>
+          </p:cNvPicPr>
+          <p:nvPr/>
+        </p:nvPicPr>
+        <p:blipFill>
+          <a:blip r:embed="rId4">
+            <a:extLst>
+              <a:ext uri="{28A0092B-C50C-407E-A947-70E740481C1C}">
+                <a14:useLocalDpi xmlns:a14="http://schemas.microsoft.com/office/drawing/2010/main" val="0"/>
+              </a:ext>
+            </a:extLst>
+          </a:blip>
+          <a:srcRect/>
+          <a:stretch>
+            <a:fillRect/>
+          </a:stretch>
+        </p:blipFill>
+        <p:spPr bwMode="auto">
+          <a:xfrm>
+            <a:off x="4108368" y="3221595"/>
+            <a:ext cx="3885122" cy="2748254"/>
+          </a:xfrm>
+          <a:prstGeom prst="rect">
+            <a:avLst/>
+          </a:prstGeom>
+          <a:noFill/>
+          <a:extLst>
+            <a:ext uri="{909E8E84-426E-40DD-AFC4-6F175D3DCCD1}">
+              <a14:hiddenFill xmlns:a14="http://schemas.microsoft.com/office/drawing/2010/main">
+                <a:solidFill>
+                  <a:srgbClr val="FFFFFF"/>
+                </a:solidFill>
+              </a14:hiddenFill>
+            </a:ext>
+          </a:extLst>
+        </p:spPr>
+      </p:pic>
+      <p:pic>
+        <p:nvPicPr>
+          <p:cNvPr id="1030" name="Picture 6">
+            <a:extLst>
+              <a:ext uri="{FF2B5EF4-FFF2-40B4-BE49-F238E27FC236}">
+                <a16:creationId xmlns:a16="http://schemas.microsoft.com/office/drawing/2014/main" id="{176BB14E-C050-1F66-E4E7-D3B21F98AD43}"/>
+              </a:ext>
+            </a:extLst>
+          </p:cNvPr>
+          <p:cNvPicPr>
+            <a:picLocks noChangeAspect="1" noChangeArrowheads="1"/>
+          </p:cNvPicPr>
+          <p:nvPr/>
+        </p:nvPicPr>
+        <p:blipFill>
+          <a:blip r:embed="rId5">
+            <a:extLst>
+              <a:ext uri="{28A0092B-C50C-407E-A947-70E740481C1C}">
+                <a14:useLocalDpi xmlns:a14="http://schemas.microsoft.com/office/drawing/2010/main" val="0"/>
+              </a:ext>
+            </a:extLst>
+          </a:blip>
+          <a:srcRect/>
+          <a:stretch>
+            <a:fillRect/>
+          </a:stretch>
+        </p:blipFill>
+        <p:spPr bwMode="auto">
+          <a:xfrm>
+            <a:off x="8124004" y="3221595"/>
+            <a:ext cx="3885122" cy="2748254"/>
+          </a:xfrm>
+          <a:prstGeom prst="rect">
+            <a:avLst/>
+          </a:prstGeom>
+          <a:noFill/>
+          <a:extLst>
+            <a:ext uri="{909E8E84-426E-40DD-AFC4-6F175D3DCCD1}">
+              <a14:hiddenFill xmlns:a14="http://schemas.microsoft.com/office/drawing/2010/main">
+                <a:solidFill>
+                  <a:srgbClr val="FFFFFF"/>
+                </a:solidFill>
+              </a14:hiddenFill>
+            </a:ext>
+          </a:extLst>
+        </p:spPr>
+      </p:pic>
+    </p:spTree>
+    <p:extLst>
+      <p:ext uri="{BB962C8B-B14F-4D97-AF65-F5344CB8AC3E}">
+        <p14:creationId xmlns:p14="http://schemas.microsoft.com/office/powerpoint/2010/main" val="2911494284"/>
+      </p:ext>
+    </p:extLst>
+  </p:cSld>
+  <p:clrMapOvr>
+    <a:masterClrMapping/>
+  </p:clrMapOvr>
+</p:sld>
+</file>
+
+<file path=ppt/slides/slide12.xml><?xml version="1.0" encoding="utf-8"?>
 <p:sld xmlns:a="http://schemas.openxmlformats.org/drawingml/2006/main" xmlns:r="http://schemas.openxmlformats.org/officeDocument/2006/relationships" xmlns:p="http://schemas.openxmlformats.org/presentationml/2006/main" show="0">
   <p:cSld>
     <p:spTree>
@@ -4336,7 +5004,7 @@
 </p:sld>
 </file>
 
-<file path=ppt/slides/slide11.xml><?xml version="1.0" encoding="utf-8"?>
+<file path=ppt/slides/slide13.xml><?xml version="1.0" encoding="utf-8"?>
 <p:sld xmlns:a="http://schemas.openxmlformats.org/drawingml/2006/main" xmlns:r="http://schemas.openxmlformats.org/officeDocument/2006/relationships" xmlns:p="http://schemas.openxmlformats.org/presentationml/2006/main" show="0">
   <p:cSld>
     <p:spTree>
